--- a/Project 2 Presentation.pptx
+++ b/Project 2 Presentation.pptx
@@ -5,22 +5,21 @@
     <p:sldMasterId id="2147483648" r:id="rId1"/>
   </p:sldMasterIdLst>
   <p:notesMasterIdLst>
-    <p:notesMasterId r:id="rId15"/>
+    <p:notesMasterId r:id="rId14"/>
   </p:notesMasterIdLst>
   <p:sldIdLst>
     <p:sldId id="256" r:id="rId2"/>
     <p:sldId id="283" r:id="rId3"/>
-    <p:sldId id="257" r:id="rId4"/>
-    <p:sldId id="285" r:id="rId5"/>
-    <p:sldId id="286" r:id="rId6"/>
-    <p:sldId id="284" r:id="rId7"/>
-    <p:sldId id="287" r:id="rId8"/>
-    <p:sldId id="272" r:id="rId9"/>
-    <p:sldId id="266" r:id="rId10"/>
-    <p:sldId id="273" r:id="rId11"/>
-    <p:sldId id="274" r:id="rId12"/>
-    <p:sldId id="276" r:id="rId13"/>
-    <p:sldId id="282" r:id="rId14"/>
+    <p:sldId id="285" r:id="rId4"/>
+    <p:sldId id="286" r:id="rId5"/>
+    <p:sldId id="284" r:id="rId6"/>
+    <p:sldId id="287" r:id="rId7"/>
+    <p:sldId id="272" r:id="rId8"/>
+    <p:sldId id="266" r:id="rId9"/>
+    <p:sldId id="273" r:id="rId10"/>
+    <p:sldId id="274" r:id="rId11"/>
+    <p:sldId id="276" r:id="rId12"/>
+    <p:sldId id="282" r:id="rId13"/>
   </p:sldIdLst>
   <p:sldSz cx="12192000" cy="6858000"/>
   <p:notesSz cx="6858000" cy="9144000"/>
@@ -2638,19 +2637,13 @@
           <a:bodyPr/>
           <a:lstStyle/>
           <a:p>
-            <a:r>
-              <a:rPr lang="en-US" dirty="0"/>
-              <a:t>Again, let’s have a look at this group and differences/similarities</a:t>
-            </a:r>
-          </a:p>
-          <a:p>
             <a:pPr marL="171450" indent="-171450">
               <a:buFont typeface="Arial" panose="020B0604020202020204" pitchFamily="34" charset="0"/>
               <a:buChar char="•"/>
             </a:pPr>
             <a:r>
               <a:rPr lang="en-US" dirty="0"/>
-              <a:t>Younger median age – reflects the younger profile of this group in the community</a:t>
+              <a:t>Unlike ATSI, this profile is older than the general population</a:t>
             </a:r>
           </a:p>
           <a:p>
@@ -2660,7 +2653,7 @@
             </a:pPr>
             <a:r>
               <a:rPr lang="en-US" dirty="0"/>
-              <a:t>More services provided to females than in the general group</a:t>
+              <a:t>Much smaller percentage of services to LOTE females than other categories</a:t>
             </a:r>
           </a:p>
           <a:p>
@@ -2670,7 +2663,7 @@
             </a:pPr>
             <a:r>
               <a:rPr lang="en-US" dirty="0"/>
-              <a:t>Similar to young people, child protection applications are the most dominant type of service</a:t>
+              <a:t>Top LGAs tend to be LGAs with higher concentrations of overseas born people</a:t>
             </a:r>
           </a:p>
           <a:p>
@@ -2680,17 +2673,15 @@
             </a:pPr>
             <a:r>
               <a:rPr lang="en-US" dirty="0"/>
-              <a:t>The top LGAs are different from the general group – tend to be regional areas</a:t>
-            </a:r>
-          </a:p>
-          <a:p>
-            <a:pPr marL="171450" indent="-171450">
-              <a:buFont typeface="Arial" panose="020B0604020202020204" pitchFamily="34" charset="0"/>
-              <a:buChar char="•"/>
-            </a:pPr>
+              <a:t>The matter types tend to differ for this group. We see a different range of top matter types, </a:t>
+            </a:r>
+            <a:r>
+              <a:rPr lang="en-US" dirty="0" err="1"/>
+              <a:t>eg</a:t>
+            </a:r>
             <a:r>
               <a:rPr lang="en-US" dirty="0"/>
-              <a:t>Predominant service type is grant of aid, similar to young people</a:t>
+              <a:t>. More services in infringement and breaches of family violence in this group (and in ATSI).</a:t>
             </a:r>
             <a:endParaRPr lang="en-AU" dirty="0"/>
           </a:p>
@@ -2722,7 +2713,7 @@
     </p:spTree>
     <p:extLst>
       <p:ext uri="{BB962C8B-B14F-4D97-AF65-F5344CB8AC3E}">
-        <p14:creationId xmlns:p14="http://schemas.microsoft.com/office/powerpoint/2010/main" val="3324602"/>
+        <p14:creationId xmlns:p14="http://schemas.microsoft.com/office/powerpoint/2010/main" val="2279963470"/>
       </p:ext>
     </p:extLst>
   </p:cSld>
@@ -2776,53 +2767,10 @@
           <a:bodyPr/>
           <a:lstStyle/>
           <a:p>
-            <a:pPr marL="171450" indent="-171450">
-              <a:buFont typeface="Arial" panose="020B0604020202020204" pitchFamily="34" charset="0"/>
-              <a:buChar char="•"/>
-            </a:pPr>
-            <a:r>
-              <a:rPr lang="en-US" dirty="0"/>
-              <a:t>Unlike ATSI, this profile is older than the general population</a:t>
-            </a:r>
-          </a:p>
-          <a:p>
-            <a:pPr marL="171450" indent="-171450">
-              <a:buFont typeface="Arial" panose="020B0604020202020204" pitchFamily="34" charset="0"/>
-              <a:buChar char="•"/>
-            </a:pPr>
-            <a:r>
-              <a:rPr lang="en-US" dirty="0"/>
-              <a:t>Much smaller percentage of services to LOTE females than other categories</a:t>
-            </a:r>
-          </a:p>
-          <a:p>
-            <a:pPr marL="171450" indent="-171450">
-              <a:buFont typeface="Arial" panose="020B0604020202020204" pitchFamily="34" charset="0"/>
-              <a:buChar char="•"/>
-            </a:pPr>
-            <a:r>
-              <a:rPr lang="en-US" dirty="0"/>
-              <a:t>Top LGAs tend to be LGAs with higher concentrations of overseas born people</a:t>
-            </a:r>
-          </a:p>
-          <a:p>
-            <a:pPr marL="171450" indent="-171450">
-              <a:buFont typeface="Arial" panose="020B0604020202020204" pitchFamily="34" charset="0"/>
-              <a:buChar char="•"/>
-            </a:pPr>
-            <a:r>
-              <a:rPr lang="en-US" dirty="0"/>
-              <a:t>The matter types tend to differ for this group. We see a different range of top matter types, </a:t>
-            </a:r>
-            <a:r>
-              <a:rPr lang="en-US" dirty="0" err="1"/>
-              <a:t>eg</a:t>
-            </a:r>
-            <a:r>
-              <a:rPr lang="en-US" dirty="0"/>
-              <a:t>. More services in infringement and breaches of family violence in this group (and in ATSI).</a:t>
-            </a:r>
-            <a:endParaRPr lang="en-AU" dirty="0"/>
+            <a:r>
+              <a:rPr lang="en-AU" dirty="0"/>
+              <a:t>Read slide.</a:t>
+            </a:r>
           </a:p>
         </p:txBody>
       </p:sp>
@@ -2844,93 +2792,6 @@
             <a:fld id="{559202B5-69D8-4A0F-B314-779986B766BD}" type="slidenum">
               <a:rPr lang="en-AU" smtClean="0"/>
               <a:t>11</a:t>
-            </a:fld>
-            <a:endParaRPr lang="en-AU"/>
-          </a:p>
-        </p:txBody>
-      </p:sp>
-    </p:spTree>
-    <p:extLst>
-      <p:ext uri="{BB962C8B-B14F-4D97-AF65-F5344CB8AC3E}">
-        <p14:creationId xmlns:p14="http://schemas.microsoft.com/office/powerpoint/2010/main" val="2279963470"/>
-      </p:ext>
-    </p:extLst>
-  </p:cSld>
-  <p:clrMapOvr>
-    <a:masterClrMapping/>
-  </p:clrMapOvr>
-</p:notes>
-</file>
-
-<file path=ppt/notesSlides/notesSlide12.xml><?xml version="1.0" encoding="utf-8"?>
-<p:notes xmlns:a="http://schemas.openxmlformats.org/drawingml/2006/main" xmlns:r="http://schemas.openxmlformats.org/officeDocument/2006/relationships" xmlns:p="http://schemas.openxmlformats.org/presentationml/2006/main">
-  <p:cSld>
-    <p:spTree>
-      <p:nvGrpSpPr>
-        <p:cNvPr id="1" name=""/>
-        <p:cNvGrpSpPr/>
-        <p:nvPr/>
-      </p:nvGrpSpPr>
-      <p:grpSpPr>
-        <a:xfrm>
-          <a:off x="0" y="0"/>
-          <a:ext cx="0" cy="0"/>
-          <a:chOff x="0" y="0"/>
-          <a:chExt cx="0" cy="0"/>
-        </a:xfrm>
-      </p:grpSpPr>
-      <p:sp>
-        <p:nvSpPr>
-          <p:cNvPr id="2" name="Slide Image Placeholder 1"/>
-          <p:cNvSpPr>
-            <a:spLocks noGrp="1" noRot="1" noChangeAspect="1"/>
-          </p:cNvSpPr>
-          <p:nvPr>
-            <p:ph type="sldImg"/>
-          </p:nvPr>
-        </p:nvSpPr>
-        <p:spPr/>
-      </p:sp>
-      <p:sp>
-        <p:nvSpPr>
-          <p:cNvPr id="3" name="Notes Placeholder 2"/>
-          <p:cNvSpPr>
-            <a:spLocks noGrp="1"/>
-          </p:cNvSpPr>
-          <p:nvPr>
-            <p:ph type="body" idx="1"/>
-          </p:nvPr>
-        </p:nvSpPr>
-        <p:spPr/>
-        <p:txBody>
-          <a:bodyPr/>
-          <a:lstStyle/>
-          <a:p>
-            <a:r>
-              <a:rPr lang="en-AU" dirty="0"/>
-              <a:t>Read slide.</a:t>
-            </a:r>
-          </a:p>
-        </p:txBody>
-      </p:sp>
-      <p:sp>
-        <p:nvSpPr>
-          <p:cNvPr id="4" name="Slide Number Placeholder 3"/>
-          <p:cNvSpPr>
-            <a:spLocks noGrp="1"/>
-          </p:cNvSpPr>
-          <p:nvPr>
-            <p:ph type="sldNum" sz="quarter" idx="10"/>
-          </p:nvPr>
-        </p:nvSpPr>
-        <p:spPr/>
-        <p:txBody>
-          <a:bodyPr/>
-          <a:lstStyle/>
-          <a:p>
-            <a:fld id="{559202B5-69D8-4A0F-B314-779986B766BD}" type="slidenum">
-              <a:rPr lang="en-AU" smtClean="0"/>
-              <a:t>12</a:t>
             </a:fld>
             <a:endParaRPr lang="en-AU"/>
           </a:p>
@@ -3113,7 +2974,7 @@
     </p:spTree>
     <p:extLst>
       <p:ext uri="{BB962C8B-B14F-4D97-AF65-F5344CB8AC3E}">
-        <p14:creationId xmlns:p14="http://schemas.microsoft.com/office/powerpoint/2010/main" val="2630299537"/>
+        <p14:creationId xmlns:p14="http://schemas.microsoft.com/office/powerpoint/2010/main" val="366632398"/>
       </p:ext>
     </p:extLst>
   </p:cSld>
@@ -3169,7 +3030,7 @@
           <a:p>
             <a:r>
               <a:rPr lang="en-AU" dirty="0"/>
-              <a:t>Last year, after trying to get a program going with RMIT,  we ended up getting together with a group of senior Data Analytics students, who were trying to establish a real world project with NFPs</a:t>
+              <a:t>met to establish some questions for them to answer (read dot point four) and wanted them to look at client data over a 10 year period. </a:t>
             </a:r>
           </a:p>
         </p:txBody>
@@ -3200,7 +3061,7 @@
     </p:spTree>
     <p:extLst>
       <p:ext uri="{BB962C8B-B14F-4D97-AF65-F5344CB8AC3E}">
-        <p14:creationId xmlns:p14="http://schemas.microsoft.com/office/powerpoint/2010/main" val="366632398"/>
+        <p14:creationId xmlns:p14="http://schemas.microsoft.com/office/powerpoint/2010/main" val="989441684"/>
       </p:ext>
     </p:extLst>
   </p:cSld>
@@ -3287,7 +3148,7 @@
     </p:spTree>
     <p:extLst>
       <p:ext uri="{BB962C8B-B14F-4D97-AF65-F5344CB8AC3E}">
-        <p14:creationId xmlns:p14="http://schemas.microsoft.com/office/powerpoint/2010/main" val="989441684"/>
+        <p14:creationId xmlns:p14="http://schemas.microsoft.com/office/powerpoint/2010/main" val="2089823635"/>
       </p:ext>
     </p:extLst>
   </p:cSld>
@@ -3374,7 +3235,7 @@
     </p:spTree>
     <p:extLst>
       <p:ext uri="{BB962C8B-B14F-4D97-AF65-F5344CB8AC3E}">
-        <p14:creationId xmlns:p14="http://schemas.microsoft.com/office/powerpoint/2010/main" val="2089823635"/>
+        <p14:creationId xmlns:p14="http://schemas.microsoft.com/office/powerpoint/2010/main" val="3882872398"/>
       </p:ext>
     </p:extLst>
   </p:cSld>
@@ -3430,7 +3291,81 @@
           <a:p>
             <a:r>
               <a:rPr lang="en-AU" dirty="0"/>
-              <a:t>met to establish some questions for them to answer (read dot point four) and wanted them to look at client data over a 10 year period. </a:t>
+              <a:t>Note that all this data will relate to services, not clients, so in others words, read the percentages as a percentage of total service so 32% of our services are to female clients, while 68% are to men.</a:t>
+            </a:r>
+          </a:p>
+          <a:p>
+            <a:r>
+              <a:rPr lang="en-AU" dirty="0"/>
+              <a:t>(go through data)</a:t>
+            </a:r>
+          </a:p>
+          <a:p>
+            <a:pPr marL="171450" indent="-171450">
+              <a:buFontTx/>
+              <a:buChar char="-"/>
+            </a:pPr>
+            <a:r>
+              <a:rPr lang="en-AU" dirty="0"/>
+              <a:t>Median age</a:t>
+            </a:r>
+          </a:p>
+          <a:p>
+            <a:pPr marL="171450" indent="-171450">
+              <a:buFontTx/>
+              <a:buChar char="-"/>
+            </a:pPr>
+            <a:r>
+              <a:rPr lang="en-AU" dirty="0"/>
+              <a:t>Top matters</a:t>
+            </a:r>
+          </a:p>
+          <a:p>
+            <a:pPr marL="171450" indent="-171450">
+              <a:buFontTx/>
+              <a:buChar char="-"/>
+            </a:pPr>
+            <a:r>
+              <a:rPr lang="en-AU" dirty="0"/>
+              <a:t>Duty lawyer predominant service type, Crim dominant program</a:t>
+            </a:r>
+          </a:p>
+          <a:p>
+            <a:pPr marL="171450" indent="-171450">
+              <a:buFontTx/>
+              <a:buChar char="-"/>
+            </a:pPr>
+            <a:r>
+              <a:rPr lang="en-AU" dirty="0"/>
+              <a:t>From Casey, Hume, Greater Geelong</a:t>
+            </a:r>
+          </a:p>
+          <a:p>
+            <a:pPr marL="171450" indent="-171450">
+              <a:buFontTx/>
+              <a:buChar char="-"/>
+            </a:pPr>
+            <a:r>
+              <a:rPr lang="en-AU" dirty="0"/>
+              <a:t>Approx. two thirds of services to men, a third to women.</a:t>
+            </a:r>
+          </a:p>
+          <a:p>
+            <a:pPr marL="171450" indent="-171450">
+              <a:buFontTx/>
+              <a:buChar char="-"/>
+            </a:pPr>
+            <a:r>
+              <a:rPr lang="en-AU" dirty="0"/>
+              <a:t>Co-occurring legal </a:t>
+            </a:r>
+            <a:r>
+              <a:rPr lang="en-AU" dirty="0" err="1"/>
+              <a:t>probs</a:t>
+            </a:r>
+            <a:r>
+              <a:rPr lang="en-AU" dirty="0"/>
+              <a:t> include FV and family law/child protection</a:t>
             </a:r>
           </a:p>
         </p:txBody>
@@ -3461,7 +3396,7 @@
     </p:spTree>
     <p:extLst>
       <p:ext uri="{BB962C8B-B14F-4D97-AF65-F5344CB8AC3E}">
-        <p14:creationId xmlns:p14="http://schemas.microsoft.com/office/powerpoint/2010/main" val="3882872398"/>
+        <p14:creationId xmlns:p14="http://schemas.microsoft.com/office/powerpoint/2010/main" val="658496531"/>
       </p:ext>
     </p:extLst>
   </p:cSld>
@@ -3516,14 +3451,8 @@
           <a:lstStyle/>
           <a:p>
             <a:r>
-              <a:rPr lang="en-AU" dirty="0"/>
-              <a:t>Note that all this data will relate to services, not clients, so in others words, read the percentages as a percentage of total service so 32% of our services are to female clients, while 68% are to men.</a:t>
-            </a:r>
-          </a:p>
-          <a:p>
-            <a:r>
-              <a:rPr lang="en-AU" dirty="0"/>
-              <a:t>(go through data)</a:t>
+              <a:rPr lang="en-US" dirty="0"/>
+              <a:t>Note the differences in this group compared with the “all VLA” group</a:t>
             </a:r>
           </a:p>
           <a:p>
@@ -3532,8 +3461,8 @@
               <a:buChar char="-"/>
             </a:pPr>
             <a:r>
-              <a:rPr lang="en-AU" dirty="0"/>
-              <a:t>Median age</a:t>
+              <a:rPr lang="en-US" dirty="0"/>
+              <a:t>Higher percentage of services going to females</a:t>
             </a:r>
           </a:p>
           <a:p>
@@ -3542,8 +3471,8 @@
               <a:buChar char="-"/>
             </a:pPr>
             <a:r>
-              <a:rPr lang="en-AU" dirty="0"/>
-              <a:t>Top matters</a:t>
+              <a:rPr lang="en-US" dirty="0"/>
+              <a:t>Protection application is the dominant matter type, well ahead of the others</a:t>
             </a:r>
           </a:p>
           <a:p>
@@ -3552,47 +3481,10 @@
               <a:buChar char="-"/>
             </a:pPr>
             <a:r>
-              <a:rPr lang="en-AU" dirty="0"/>
-              <a:t>Duty lawyer predominant service type, Crim dominant program</a:t>
-            </a:r>
-          </a:p>
-          <a:p>
-            <a:pPr marL="171450" indent="-171450">
-              <a:buFontTx/>
-              <a:buChar char="-"/>
-            </a:pPr>
-            <a:r>
-              <a:rPr lang="en-AU" dirty="0"/>
-              <a:t>From Casey, Hume, Greater Geelong</a:t>
-            </a:r>
-          </a:p>
-          <a:p>
-            <a:pPr marL="171450" indent="-171450">
-              <a:buFontTx/>
-              <a:buChar char="-"/>
-            </a:pPr>
-            <a:r>
-              <a:rPr lang="en-AU" dirty="0"/>
-              <a:t>Approx. two thirds of services to men, a third to women.</a:t>
-            </a:r>
-          </a:p>
-          <a:p>
-            <a:pPr marL="171450" indent="-171450">
-              <a:buFontTx/>
-              <a:buChar char="-"/>
-            </a:pPr>
-            <a:r>
-              <a:rPr lang="en-AU" dirty="0"/>
-              <a:t>Co-occurring legal </a:t>
-            </a:r>
-            <a:r>
-              <a:rPr lang="en-AU" dirty="0" err="1"/>
-              <a:t>probs</a:t>
-            </a:r>
-            <a:r>
-              <a:rPr lang="en-AU" dirty="0"/>
-              <a:t> include FV and family law/child protection</a:t>
-            </a:r>
+              <a:rPr lang="en-US" dirty="0"/>
+              <a:t>Predominant service type is grant of aid.</a:t>
+            </a:r>
+            <a:endParaRPr lang="en-AU" dirty="0"/>
           </a:p>
         </p:txBody>
       </p:sp>
@@ -3622,7 +3514,7 @@
     </p:spTree>
     <p:extLst>
       <p:ext uri="{BB962C8B-B14F-4D97-AF65-F5344CB8AC3E}">
-        <p14:creationId xmlns:p14="http://schemas.microsoft.com/office/powerpoint/2010/main" val="658496531"/>
+        <p14:creationId xmlns:p14="http://schemas.microsoft.com/office/powerpoint/2010/main" val="400784010"/>
       </p:ext>
     </p:extLst>
   </p:cSld>
@@ -3678,37 +3570,57 @@
           <a:p>
             <a:r>
               <a:rPr lang="en-US" dirty="0"/>
-              <a:t>Note the differences in this group compared with the “all VLA” group</a:t>
+              <a:t>Again, let’s have a look at this group and differences/similarities</a:t>
             </a:r>
           </a:p>
           <a:p>
             <a:pPr marL="171450" indent="-171450">
-              <a:buFontTx/>
-              <a:buChar char="-"/>
+              <a:buFont typeface="Arial" panose="020B0604020202020204" pitchFamily="34" charset="0"/>
+              <a:buChar char="•"/>
             </a:pPr>
             <a:r>
               <a:rPr lang="en-US" dirty="0"/>
-              <a:t>Higher percentage of services going to females</a:t>
+              <a:t>Younger median age – reflects the younger profile of this group in the community</a:t>
             </a:r>
           </a:p>
           <a:p>
             <a:pPr marL="171450" indent="-171450">
-              <a:buFontTx/>
-              <a:buChar char="-"/>
+              <a:buFont typeface="Arial" panose="020B0604020202020204" pitchFamily="34" charset="0"/>
+              <a:buChar char="•"/>
             </a:pPr>
             <a:r>
               <a:rPr lang="en-US" dirty="0"/>
-              <a:t>Protection application is the dominant matter type, well ahead of the others</a:t>
+              <a:t>More services provided to females than in the general group</a:t>
             </a:r>
           </a:p>
           <a:p>
             <a:pPr marL="171450" indent="-171450">
-              <a:buFontTx/>
-              <a:buChar char="-"/>
+              <a:buFont typeface="Arial" panose="020B0604020202020204" pitchFamily="34" charset="0"/>
+              <a:buChar char="•"/>
             </a:pPr>
             <a:r>
               <a:rPr lang="en-US" dirty="0"/>
-              <a:t>Predominant service type is grant of aid.</a:t>
+              <a:t>Similar to young people, child protection applications are the most dominant type of service</a:t>
+            </a:r>
+          </a:p>
+          <a:p>
+            <a:pPr marL="171450" indent="-171450">
+              <a:buFont typeface="Arial" panose="020B0604020202020204" pitchFamily="34" charset="0"/>
+              <a:buChar char="•"/>
+            </a:pPr>
+            <a:r>
+              <a:rPr lang="en-US" dirty="0"/>
+              <a:t>The top LGAs are different from the general group – tend to be regional areas</a:t>
+            </a:r>
+          </a:p>
+          <a:p>
+            <a:pPr marL="171450" indent="-171450">
+              <a:buFont typeface="Arial" panose="020B0604020202020204" pitchFamily="34" charset="0"/>
+              <a:buChar char="•"/>
+            </a:pPr>
+            <a:r>
+              <a:rPr lang="en-US" dirty="0"/>
+              <a:t>Predominant service type is grant of aid, similar to young people</a:t>
             </a:r>
             <a:endParaRPr lang="en-AU" dirty="0"/>
           </a:p>
@@ -3740,7 +3652,7 @@
     </p:spTree>
     <p:extLst>
       <p:ext uri="{BB962C8B-B14F-4D97-AF65-F5344CB8AC3E}">
-        <p14:creationId xmlns:p14="http://schemas.microsoft.com/office/powerpoint/2010/main" val="400784010"/>
+        <p14:creationId xmlns:p14="http://schemas.microsoft.com/office/powerpoint/2010/main" val="3324602"/>
       </p:ext>
     </p:extLst>
   </p:cSld>
@@ -7510,9 +7422,19 @@
           <a:bodyPr/>
           <a:lstStyle/>
           <a:p>
+            <a:endParaRPr lang="en-AU" dirty="0"/>
+          </a:p>
+          <a:p>
             <a:r>
               <a:rPr lang="en-AU" dirty="0"/>
-              <a:t>Team MEMBERS : HEEJUN SEO, SHERIN THOMAS, NEENA MANI (Group 3)</a:t>
+              <a:t>Team MEMBERS : </a:t>
+            </a:r>
+            <a:br>
+              <a:rPr lang="en-AU" dirty="0"/>
+            </a:br>
+            <a:r>
+              <a:rPr lang="en-AU" dirty="0"/>
+              <a:t>HEEJUN SEO, SHERIN THOMAS, NEENA MANI (Group 3)</a:t>
             </a:r>
           </a:p>
         </p:txBody>
@@ -7563,603 +7485,16 @@
           <a:lstStyle/>
           <a:p>
             <a:r>
-              <a:rPr lang="en-US" dirty="0"/>
-              <a:t>CRIME INCIDENTS BY OFFENCE TYPES	</a:t>
-            </a:r>
-            <a:endParaRPr lang="en-AU" dirty="0"/>
-          </a:p>
-        </p:txBody>
-      </p:sp>
-      <p:sp>
-        <p:nvSpPr>
-          <p:cNvPr id="3" name="Content Placeholder 2"/>
-          <p:cNvSpPr>
-            <a:spLocks noGrp="1"/>
-          </p:cNvSpPr>
-          <p:nvPr>
-            <p:ph idx="1"/>
-          </p:nvPr>
-        </p:nvSpPr>
-        <p:spPr>
-          <a:xfrm>
-            <a:off x="200903" y="4959080"/>
-            <a:ext cx="4344464" cy="1738583"/>
-          </a:xfrm>
-        </p:spPr>
-        <p:txBody>
-          <a:bodyPr>
-            <a:normAutofit fontScale="55000" lnSpcReduction="20000"/>
-          </a:bodyPr>
-          <a:lstStyle/>
-          <a:p>
-            <a:pPr marL="0" indent="0">
-              <a:buNone/>
-            </a:pPr>
-            <a:r>
-              <a:rPr lang="en-US" sz="2800" dirty="0">
-                <a:solidFill>
-                  <a:schemeClr val="accent2">
-                    <a:lumMod val="60000"/>
-                    <a:lumOff val="40000"/>
-                  </a:schemeClr>
-                </a:solidFill>
+              <a:rPr lang="en-US" dirty="0">
+                <a:latin typeface="Calibri" panose="020F0502020204030204" pitchFamily="34" charset="0"/>
+                <a:cs typeface="Calibri" panose="020F0502020204030204" pitchFamily="34" charset="0"/>
               </a:rPr>
-              <a:t>2021 Data</a:t>
-            </a:r>
-            <a:br>
-              <a:rPr lang="en-US" sz="2800" dirty="0">
-                <a:solidFill>
-                  <a:schemeClr val="accent2">
-                    <a:lumMod val="60000"/>
-                    <a:lumOff val="40000"/>
-                  </a:schemeClr>
-                </a:solidFill>
-              </a:rPr>
-            </a:br>
-            <a:r>
-              <a:rPr lang="en-US" sz="2900" dirty="0">
-                <a:solidFill>
-                  <a:schemeClr val="tx1"/>
-                </a:solidFill>
-              </a:rPr>
-              <a:t>Property and Deception Offences: </a:t>
-            </a:r>
-            <a:r>
-              <a:rPr lang="en-US" sz="2900" dirty="0">
-                <a:solidFill>
-                  <a:schemeClr val="accent2">
-                    <a:lumMod val="60000"/>
-                    <a:lumOff val="40000"/>
-                  </a:schemeClr>
-                </a:solidFill>
-              </a:rPr>
-              <a:t>50.2 %</a:t>
-            </a:r>
-          </a:p>
-          <a:p>
-            <a:pPr marL="0" indent="0">
-              <a:buNone/>
-            </a:pPr>
-            <a:r>
-              <a:rPr lang="en-US" sz="2900" dirty="0">
-                <a:solidFill>
-                  <a:schemeClr val="accent2">
-                    <a:lumMod val="60000"/>
-                    <a:lumOff val="40000"/>
-                  </a:schemeClr>
-                </a:solidFill>
-              </a:rPr>
-              <a:t>Slight Decline </a:t>
-            </a:r>
-            <a:r>
-              <a:rPr lang="en-US" sz="2900" dirty="0">
-                <a:solidFill>
-                  <a:schemeClr val="tx1"/>
-                </a:solidFill>
-              </a:rPr>
-              <a:t>in Property and deception offences</a:t>
-            </a:r>
-          </a:p>
-          <a:p>
-            <a:pPr marL="0" indent="0">
-              <a:buNone/>
-            </a:pPr>
-            <a:r>
-              <a:rPr lang="en-US" sz="2900" dirty="0">
-                <a:solidFill>
-                  <a:schemeClr val="accent2">
-                    <a:lumMod val="60000"/>
-                    <a:lumOff val="40000"/>
-                  </a:schemeClr>
-                </a:solidFill>
-              </a:rPr>
-              <a:t>Increase </a:t>
-            </a:r>
-            <a:r>
-              <a:rPr lang="en-US" sz="2900" dirty="0">
-                <a:solidFill>
-                  <a:schemeClr val="tx1"/>
-                </a:solidFill>
-              </a:rPr>
-              <a:t>in Other Offences – including transport/government/miscellaneous offences</a:t>
-            </a:r>
-          </a:p>
-        </p:txBody>
-      </p:sp>
-      <p:sp>
-        <p:nvSpPr>
-          <p:cNvPr id="13" name="TextBox 12"/>
-          <p:cNvSpPr txBox="1"/>
-          <p:nvPr/>
-        </p:nvSpPr>
-        <p:spPr>
-          <a:xfrm>
-            <a:off x="16492540" y="5482816"/>
-            <a:ext cx="2952382" cy="369332"/>
-          </a:xfrm>
-          <a:prstGeom prst="rect">
-            <a:avLst/>
-          </a:prstGeom>
-          <a:noFill/>
-        </p:spPr>
-        <p:txBody>
-          <a:bodyPr wrap="square" rtlCol="0">
-            <a:spAutoFit/>
-          </a:bodyPr>
-          <a:lstStyle/>
-          <a:p>
-            <a:r>
-              <a:rPr lang="en-US" dirty="0"/>
-              <a:t>Gender: </a:t>
-            </a:r>
-            <a:endParaRPr lang="en-AU" dirty="0"/>
-          </a:p>
-        </p:txBody>
-      </p:sp>
-      <p:sp>
-        <p:nvSpPr>
-          <p:cNvPr id="5" name="TextBox 4"/>
-          <p:cNvSpPr txBox="1"/>
-          <p:nvPr/>
-        </p:nvSpPr>
-        <p:spPr>
-          <a:xfrm>
-            <a:off x="8460259" y="4011827"/>
-            <a:ext cx="2940909" cy="2512541"/>
-          </a:xfrm>
-          <a:prstGeom prst="rect">
-            <a:avLst/>
-          </a:prstGeom>
-          <a:noFill/>
-        </p:spPr>
-        <p:txBody>
-          <a:bodyPr wrap="square" rtlCol="0">
-            <a:spAutoFit/>
-          </a:bodyPr>
-          <a:lstStyle/>
-          <a:p>
-            <a:endParaRPr lang="en-AU" dirty="0"/>
-          </a:p>
-        </p:txBody>
-      </p:sp>
-      <p:sp>
-        <p:nvSpPr>
-          <p:cNvPr id="7" name="AutoShape 2" descr="Image result for silhouette young man"/>
-          <p:cNvSpPr>
-            <a:spLocks noChangeAspect="1" noChangeArrowheads="1"/>
-          </p:cNvSpPr>
-          <p:nvPr/>
-        </p:nvSpPr>
-        <p:spPr bwMode="auto">
-          <a:xfrm>
-            <a:off x="155575" y="-144463"/>
-            <a:ext cx="304800" cy="304801"/>
-          </a:xfrm>
-          <a:prstGeom prst="rect">
-            <a:avLst/>
-          </a:prstGeom>
-          <a:noFill/>
-          <a:extLst>
-            <a:ext uri="{909E8E84-426E-40DD-AFC4-6F175D3DCCD1}">
-              <a14:hiddenFill xmlns:a14="http://schemas.microsoft.com/office/drawing/2010/main">
-                <a:solidFill>
-                  <a:srgbClr val="FFFFFF"/>
-                </a:solidFill>
-              </a14:hiddenFill>
-            </a:ext>
-          </a:extLst>
-        </p:spPr>
-        <p:txBody>
-          <a:bodyPr vert="horz" wrap="square" lIns="91440" tIns="45720" rIns="91440" bIns="45720" numCol="1" anchor="t" anchorCtr="0" compatLnSpc="1">
-            <a:prstTxWarp prst="textNoShape">
-              <a:avLst/>
-            </a:prstTxWarp>
-          </a:bodyPr>
-          <a:lstStyle/>
-          <a:p>
-            <a:endParaRPr lang="en-AU"/>
-          </a:p>
-        </p:txBody>
-      </p:sp>
-      <p:sp>
-        <p:nvSpPr>
-          <p:cNvPr id="10" name="AutoShape 6" descr="Image result for silhouette young man"/>
-          <p:cNvSpPr>
-            <a:spLocks noChangeAspect="1" noChangeArrowheads="1"/>
-          </p:cNvSpPr>
-          <p:nvPr/>
-        </p:nvSpPr>
-        <p:spPr bwMode="auto">
-          <a:xfrm>
-            <a:off x="307975" y="7937"/>
-            <a:ext cx="304800" cy="304801"/>
-          </a:xfrm>
-          <a:prstGeom prst="rect">
-            <a:avLst/>
-          </a:prstGeom>
-          <a:noFill/>
-          <a:extLst>
-            <a:ext uri="{909E8E84-426E-40DD-AFC4-6F175D3DCCD1}">
-              <a14:hiddenFill xmlns:a14="http://schemas.microsoft.com/office/drawing/2010/main">
-                <a:solidFill>
-                  <a:srgbClr val="FFFFFF"/>
-                </a:solidFill>
-              </a14:hiddenFill>
-            </a:ext>
-          </a:extLst>
-        </p:spPr>
-        <p:txBody>
-          <a:bodyPr vert="horz" wrap="square" lIns="91440" tIns="45720" rIns="91440" bIns="45720" numCol="1" anchor="t" anchorCtr="0" compatLnSpc="1">
-            <a:prstTxWarp prst="textNoShape">
-              <a:avLst/>
-            </a:prstTxWarp>
-          </a:bodyPr>
-          <a:lstStyle/>
-          <a:p>
-            <a:endParaRPr lang="en-AU"/>
-          </a:p>
-        </p:txBody>
-      </p:sp>
-      <p:sp>
-        <p:nvSpPr>
-          <p:cNvPr id="11" name="AutoShape 8" descr="Image result for silhouette young man"/>
-          <p:cNvSpPr>
-            <a:spLocks noChangeAspect="1" noChangeArrowheads="1"/>
-          </p:cNvSpPr>
-          <p:nvPr/>
-        </p:nvSpPr>
-        <p:spPr bwMode="auto">
-          <a:xfrm>
-            <a:off x="460375" y="160337"/>
-            <a:ext cx="304800" cy="304801"/>
-          </a:xfrm>
-          <a:prstGeom prst="rect">
-            <a:avLst/>
-          </a:prstGeom>
-          <a:noFill/>
-          <a:extLst>
-            <a:ext uri="{909E8E84-426E-40DD-AFC4-6F175D3DCCD1}">
-              <a14:hiddenFill xmlns:a14="http://schemas.microsoft.com/office/drawing/2010/main">
-                <a:solidFill>
-                  <a:srgbClr val="FFFFFF"/>
-                </a:solidFill>
-              </a14:hiddenFill>
-            </a:ext>
-          </a:extLst>
-        </p:spPr>
-        <p:txBody>
-          <a:bodyPr vert="horz" wrap="square" lIns="91440" tIns="45720" rIns="91440" bIns="45720" numCol="1" anchor="t" anchorCtr="0" compatLnSpc="1">
-            <a:prstTxWarp prst="textNoShape">
-              <a:avLst/>
-            </a:prstTxWarp>
-          </a:bodyPr>
-          <a:lstStyle/>
-          <a:p>
-            <a:endParaRPr lang="en-AU"/>
-          </a:p>
-        </p:txBody>
-      </p:sp>
-      <p:sp>
-        <p:nvSpPr>
-          <p:cNvPr id="20" name="TextBox 19"/>
-          <p:cNvSpPr txBox="1"/>
-          <p:nvPr/>
-        </p:nvSpPr>
-        <p:spPr>
-          <a:xfrm>
-            <a:off x="307975" y="2004609"/>
-            <a:ext cx="3832983" cy="3139321"/>
-          </a:xfrm>
-          <a:prstGeom prst="rect">
-            <a:avLst/>
-          </a:prstGeom>
-          <a:noFill/>
-        </p:spPr>
-        <p:txBody>
-          <a:bodyPr wrap="square" rtlCol="0">
-            <a:spAutoFit/>
-          </a:bodyPr>
-          <a:lstStyle/>
-          <a:p>
-            <a:r>
-              <a:rPr lang="en-US" dirty="0"/>
-              <a:t>Most common Crime </a:t>
-            </a:r>
-          </a:p>
-          <a:p>
-            <a:r>
-              <a:rPr lang="en-US" dirty="0"/>
-              <a:t>Incidents…</a:t>
-            </a:r>
-          </a:p>
-          <a:p>
-            <a:endParaRPr lang="en-US" dirty="0">
-              <a:solidFill>
-                <a:schemeClr val="accent1">
-                  <a:lumMod val="25000"/>
-                  <a:lumOff val="75000"/>
-                </a:schemeClr>
-              </a:solidFill>
+              <a:t>FAMILY INCIDENTS </a:t>
+            </a:r>
+            <a:endParaRPr lang="en-AU" dirty="0">
+              <a:latin typeface="Calibri" panose="020F0502020204030204" pitchFamily="34" charset="0"/>
+              <a:cs typeface="Calibri" panose="020F0502020204030204" pitchFamily="34" charset="0"/>
             </a:endParaRPr>
-          </a:p>
-          <a:p>
-            <a:pPr marL="285750" indent="-285750">
-              <a:buFont typeface="Arial" panose="020B0604020202020204" pitchFamily="34" charset="0"/>
-              <a:buChar char="•"/>
-            </a:pPr>
-            <a:r>
-              <a:rPr lang="en-US" dirty="0">
-                <a:solidFill>
-                  <a:schemeClr val="accent1">
-                    <a:lumMod val="75000"/>
-                    <a:lumOff val="25000"/>
-                  </a:schemeClr>
-                </a:solidFill>
-              </a:rPr>
-              <a:t>Crimes against the person</a:t>
-            </a:r>
-          </a:p>
-          <a:p>
-            <a:pPr marL="285750" indent="-285750">
-              <a:buFont typeface="Arial" panose="020B0604020202020204" pitchFamily="34" charset="0"/>
-              <a:buChar char="•"/>
-            </a:pPr>
-            <a:r>
-              <a:rPr lang="en-US" dirty="0">
-                <a:solidFill>
-                  <a:schemeClr val="accent1">
-                    <a:lumMod val="75000"/>
-                    <a:lumOff val="25000"/>
-                  </a:schemeClr>
-                </a:solidFill>
-              </a:rPr>
-              <a:t>Property and deception offences</a:t>
-            </a:r>
-          </a:p>
-          <a:p>
-            <a:pPr marL="285750" indent="-285750">
-              <a:buFont typeface="Arial" panose="020B0604020202020204" pitchFamily="34" charset="0"/>
-              <a:buChar char="•"/>
-            </a:pPr>
-            <a:r>
-              <a:rPr lang="en-US" dirty="0">
-                <a:solidFill>
-                  <a:schemeClr val="accent1">
-                    <a:lumMod val="75000"/>
-                    <a:lumOff val="25000"/>
-                  </a:schemeClr>
-                </a:solidFill>
-              </a:rPr>
-              <a:t>Drug offences</a:t>
-            </a:r>
-          </a:p>
-          <a:p>
-            <a:pPr marL="285750" indent="-285750">
-              <a:buFont typeface="Arial" panose="020B0604020202020204" pitchFamily="34" charset="0"/>
-              <a:buChar char="•"/>
-            </a:pPr>
-            <a:r>
-              <a:rPr lang="en-GB" dirty="0">
-                <a:solidFill>
-                  <a:schemeClr val="accent1">
-                    <a:lumMod val="75000"/>
-                    <a:lumOff val="25000"/>
-                  </a:schemeClr>
-                </a:solidFill>
-              </a:rPr>
-              <a:t>Public order and security offences</a:t>
-            </a:r>
-            <a:endParaRPr lang="en-US" dirty="0">
-              <a:solidFill>
-                <a:schemeClr val="accent1">
-                  <a:lumMod val="75000"/>
-                  <a:lumOff val="25000"/>
-                </a:schemeClr>
-              </a:solidFill>
-            </a:endParaRPr>
-          </a:p>
-          <a:p>
-            <a:pPr marL="285750" indent="-285750">
-              <a:buFont typeface="Arial" panose="020B0604020202020204" pitchFamily="34" charset="0"/>
-              <a:buChar char="•"/>
-            </a:pPr>
-            <a:r>
-              <a:rPr lang="en-US" dirty="0">
-                <a:solidFill>
-                  <a:schemeClr val="accent1">
-                    <a:lumMod val="75000"/>
-                    <a:lumOff val="25000"/>
-                  </a:schemeClr>
-                </a:solidFill>
-              </a:rPr>
-              <a:t>Justice procedures offences</a:t>
-            </a:r>
-          </a:p>
-          <a:p>
-            <a:pPr marL="285750" indent="-285750">
-              <a:buFont typeface="Arial" panose="020B0604020202020204" pitchFamily="34" charset="0"/>
-              <a:buChar char="•"/>
-            </a:pPr>
-            <a:r>
-              <a:rPr lang="en-US" dirty="0">
-                <a:solidFill>
-                  <a:schemeClr val="accent1">
-                    <a:lumMod val="75000"/>
-                    <a:lumOff val="25000"/>
-                  </a:schemeClr>
-                </a:solidFill>
-              </a:rPr>
-              <a:t>Other Offences	</a:t>
-            </a:r>
-          </a:p>
-          <a:p>
-            <a:pPr marL="285750" indent="-285750">
-              <a:buFont typeface="Arial" panose="020B0604020202020204" pitchFamily="34" charset="0"/>
-              <a:buChar char="•"/>
-            </a:pPr>
-            <a:endParaRPr lang="en-US" dirty="0"/>
-          </a:p>
-          <a:p>
-            <a:endParaRPr lang="en-AU" dirty="0"/>
-          </a:p>
-        </p:txBody>
-      </p:sp>
-      <p:sp>
-        <p:nvSpPr>
-          <p:cNvPr id="8" name="TextBox 7"/>
-          <p:cNvSpPr txBox="1"/>
-          <p:nvPr/>
-        </p:nvSpPr>
-        <p:spPr>
-          <a:xfrm>
-            <a:off x="3332480" y="4693920"/>
-            <a:ext cx="2245360" cy="1940560"/>
-          </a:xfrm>
-          <a:prstGeom prst="rect">
-            <a:avLst/>
-          </a:prstGeom>
-          <a:noFill/>
-        </p:spPr>
-        <p:txBody>
-          <a:bodyPr wrap="square" rtlCol="0">
-            <a:spAutoFit/>
-          </a:bodyPr>
-          <a:lstStyle/>
-          <a:p>
-            <a:endParaRPr lang="en-AU" dirty="0"/>
-          </a:p>
-        </p:txBody>
-      </p:sp>
-      <p:pic>
-        <p:nvPicPr>
-          <p:cNvPr id="9" name="Picture 8">
-            <a:extLst>
-              <a:ext uri="{FF2B5EF4-FFF2-40B4-BE49-F238E27FC236}">
-                <a16:creationId xmlns:a16="http://schemas.microsoft.com/office/drawing/2014/main" id="{93B22DF5-9061-450A-81E9-2DAC0249A1FB}"/>
-              </a:ext>
-            </a:extLst>
-          </p:cNvPr>
-          <p:cNvPicPr>
-            <a:picLocks noChangeAspect="1"/>
-          </p:cNvPicPr>
-          <p:nvPr/>
-        </p:nvPicPr>
-        <p:blipFill>
-          <a:blip r:embed="rId3"/>
-          <a:stretch>
-            <a:fillRect/>
-          </a:stretch>
-        </p:blipFill>
-        <p:spPr>
-          <a:xfrm>
-            <a:off x="5577840" y="2227395"/>
-            <a:ext cx="4509855" cy="2092449"/>
-          </a:xfrm>
-          <a:prstGeom prst="rect">
-            <a:avLst/>
-          </a:prstGeom>
-        </p:spPr>
-      </p:pic>
-      <p:pic>
-        <p:nvPicPr>
-          <p:cNvPr id="16" name="Picture 15">
-            <a:extLst>
-              <a:ext uri="{FF2B5EF4-FFF2-40B4-BE49-F238E27FC236}">
-                <a16:creationId xmlns:a16="http://schemas.microsoft.com/office/drawing/2014/main" id="{17198CF5-5F8D-4289-9AE6-5273624A65E3}"/>
-              </a:ext>
-            </a:extLst>
-          </p:cNvPr>
-          <p:cNvPicPr>
-            <a:picLocks noChangeAspect="1"/>
-          </p:cNvPicPr>
-          <p:nvPr/>
-        </p:nvPicPr>
-        <p:blipFill>
-          <a:blip r:embed="rId4"/>
-          <a:stretch>
-            <a:fillRect/>
-          </a:stretch>
-        </p:blipFill>
-        <p:spPr>
-          <a:xfrm>
-            <a:off x="5577840" y="4408142"/>
-            <a:ext cx="5563636" cy="2204524"/>
-          </a:xfrm>
-          <a:prstGeom prst="rect">
-            <a:avLst/>
-          </a:prstGeom>
-        </p:spPr>
-      </p:pic>
-    </p:spTree>
-    <p:extLst>
-      <p:ext uri="{BB962C8B-B14F-4D97-AF65-F5344CB8AC3E}">
-        <p14:creationId xmlns:p14="http://schemas.microsoft.com/office/powerpoint/2010/main" val="2696884258"/>
-      </p:ext>
-    </p:extLst>
-  </p:cSld>
-  <p:clrMapOvr>
-    <a:masterClrMapping/>
-  </p:clrMapOvr>
-</p:sld>
-</file>
-
-<file path=ppt/slides/slide11.xml><?xml version="1.0" encoding="utf-8"?>
-<p:sld xmlns:a="http://schemas.openxmlformats.org/drawingml/2006/main" xmlns:r="http://schemas.openxmlformats.org/officeDocument/2006/relationships" xmlns:p="http://schemas.openxmlformats.org/presentationml/2006/main">
-  <p:cSld>
-    <p:spTree>
-      <p:nvGrpSpPr>
-        <p:cNvPr id="1" name=""/>
-        <p:cNvGrpSpPr/>
-        <p:nvPr/>
-      </p:nvGrpSpPr>
-      <p:grpSpPr>
-        <a:xfrm>
-          <a:off x="0" y="0"/>
-          <a:ext cx="0" cy="0"/>
-          <a:chOff x="0" y="0"/>
-          <a:chExt cx="0" cy="0"/>
-        </a:xfrm>
-      </p:grpSpPr>
-      <p:sp>
-        <p:nvSpPr>
-          <p:cNvPr id="2" name="Title 1"/>
-          <p:cNvSpPr>
-            <a:spLocks noGrp="1"/>
-          </p:cNvSpPr>
-          <p:nvPr>
-            <p:ph type="title"/>
-          </p:nvPr>
-        </p:nvSpPr>
-        <p:spPr/>
-        <p:txBody>
-          <a:bodyPr/>
-          <a:lstStyle/>
-          <a:p>
-            <a:r>
-              <a:rPr lang="en-US" dirty="0"/>
-              <a:t>FAMILY INCIDENTS </a:t>
-            </a:r>
-            <a:endParaRPr lang="en-AU" dirty="0"/>
           </a:p>
         </p:txBody>
       </p:sp>
@@ -8216,7 +7551,7 @@
         </p:blipFill>
         <p:spPr bwMode="auto">
           <a:xfrm>
-            <a:off x="9173885" y="2005517"/>
+            <a:off x="9173885" y="2247122"/>
             <a:ext cx="1906621" cy="1289726"/>
           </a:xfrm>
           <a:prstGeom prst="rect">
@@ -8242,8 +7577,8 @@
         </p:nvSpPr>
         <p:spPr>
           <a:xfrm>
-            <a:off x="8712859" y="1963152"/>
-            <a:ext cx="710119" cy="369332"/>
+            <a:off x="8602463" y="1963152"/>
+            <a:ext cx="820516" cy="369332"/>
           </a:xfrm>
           <a:prstGeom prst="rect">
             <a:avLst/>
@@ -8272,7 +7607,7 @@
         </p:nvSpPr>
         <p:spPr>
           <a:xfrm>
-            <a:off x="10759844" y="3152942"/>
+            <a:off x="10759844" y="3429000"/>
             <a:ext cx="641324" cy="369332"/>
           </a:xfrm>
           <a:prstGeom prst="rect">
@@ -8445,8 +7780,8 @@
         </p:nvSpPr>
         <p:spPr>
           <a:xfrm>
-            <a:off x="765174" y="2193019"/>
-            <a:ext cx="4232953" cy="769441"/>
+            <a:off x="460375" y="2255684"/>
+            <a:ext cx="4232953" cy="1077218"/>
           </a:xfrm>
           <a:prstGeom prst="rect">
             <a:avLst/>
@@ -8470,6 +7805,8 @@
                     <a:lumOff val="40000"/>
                   </a:schemeClr>
                 </a:solidFill>
+                <a:latin typeface="Calibri" panose="020F0502020204030204" pitchFamily="34" charset="0"/>
+                <a:cs typeface="Calibri" panose="020F0502020204030204" pitchFamily="34" charset="0"/>
               </a:rPr>
               <a:t>2021 Data</a:t>
             </a:r>
@@ -8481,24 +7818,30 @@
                     <a:lumOff val="40000"/>
                   </a:schemeClr>
                 </a:solidFill>
+                <a:latin typeface="Calibri" panose="020F0502020204030204" pitchFamily="34" charset="0"/>
+                <a:cs typeface="Calibri" panose="020F0502020204030204" pitchFamily="34" charset="0"/>
               </a:rPr>
             </a:br>
             <a:r>
-              <a:rPr lang="en-GB" sz="1400" dirty="0">
+              <a:rPr lang="en-GB" sz="1600" dirty="0">
                 <a:solidFill>
                   <a:schemeClr val="accent2">
                     <a:lumMod val="60000"/>
                     <a:lumOff val="40000"/>
                   </a:schemeClr>
                 </a:solidFill>
+                <a:latin typeface="Calibri" panose="020F0502020204030204" pitchFamily="34" charset="0"/>
+                <a:cs typeface="Calibri" panose="020F0502020204030204" pitchFamily="34" charset="0"/>
               </a:rPr>
               <a:t>75% </a:t>
             </a:r>
             <a:r>
-              <a:rPr lang="en-GB" sz="1400" dirty="0">
+              <a:rPr lang="en-GB" sz="1600" dirty="0">
                 <a:solidFill>
                   <a:schemeClr val="tx1"/>
                 </a:solidFill>
+                <a:latin typeface="Calibri" panose="020F0502020204030204" pitchFamily="34" charset="0"/>
+                <a:cs typeface="Calibri" panose="020F0502020204030204" pitchFamily="34" charset="0"/>
               </a:rPr>
               <a:t>Victims are Females</a:t>
             </a:r>
@@ -8508,27 +7851,34 @@
               <a:buNone/>
             </a:pPr>
             <a:r>
-              <a:rPr lang="en-GB" sz="1400" dirty="0"/>
+              <a:rPr lang="en-GB" sz="1600" dirty="0">
+                <a:latin typeface="Calibri" panose="020F0502020204030204" pitchFamily="34" charset="0"/>
+                <a:cs typeface="Calibri" panose="020F0502020204030204" pitchFamily="34" charset="0"/>
+              </a:rPr>
               <a:t>Age group most subject to Family Violence </a:t>
             </a:r>
             <a:r>
-              <a:rPr lang="en-GB" sz="1400" dirty="0">
+              <a:rPr lang="en-GB" sz="1600" dirty="0">
                 <a:solidFill>
                   <a:schemeClr val="accent2">
                     <a:lumMod val="60000"/>
                     <a:lumOff val="40000"/>
                   </a:schemeClr>
                 </a:solidFill>
+                <a:latin typeface="Calibri" panose="020F0502020204030204" pitchFamily="34" charset="0"/>
+                <a:cs typeface="Calibri" panose="020F0502020204030204" pitchFamily="34" charset="0"/>
               </a:rPr>
               <a:t>30-35 Years</a:t>
             </a:r>
-            <a:endParaRPr lang="en-AU" sz="1400" dirty="0">
+            <a:endParaRPr lang="en-AU" sz="1600" dirty="0">
               <a:solidFill>
                 <a:schemeClr val="accent2">
                   <a:lumMod val="60000"/>
                   <a:lumOff val="40000"/>
                 </a:schemeClr>
               </a:solidFill>
+              <a:latin typeface="Calibri" panose="020F0502020204030204" pitchFamily="34" charset="0"/>
+              <a:cs typeface="Calibri" panose="020F0502020204030204" pitchFamily="34" charset="0"/>
             </a:endParaRPr>
           </a:p>
         </p:txBody>
@@ -8602,6 +7952,247 @@
 </p:sld>
 </file>
 
+<file path=ppt/slides/slide11.xml><?xml version="1.0" encoding="utf-8"?>
+<p:sld xmlns:a="http://schemas.openxmlformats.org/drawingml/2006/main" xmlns:r="http://schemas.openxmlformats.org/officeDocument/2006/relationships" xmlns:p="http://schemas.openxmlformats.org/presentationml/2006/main">
+  <p:cSld>
+    <p:spTree>
+      <p:nvGrpSpPr>
+        <p:cNvPr id="1" name=""/>
+        <p:cNvGrpSpPr/>
+        <p:nvPr/>
+      </p:nvGrpSpPr>
+      <p:grpSpPr>
+        <a:xfrm>
+          <a:off x="0" y="0"/>
+          <a:ext cx="0" cy="0"/>
+          <a:chOff x="0" y="0"/>
+          <a:chExt cx="0" cy="0"/>
+        </a:xfrm>
+      </p:grpSpPr>
+      <p:sp>
+        <p:nvSpPr>
+          <p:cNvPr id="2" name="Title 1"/>
+          <p:cNvSpPr>
+            <a:spLocks noGrp="1"/>
+          </p:cNvSpPr>
+          <p:nvPr>
+            <p:ph type="title"/>
+          </p:nvPr>
+        </p:nvSpPr>
+        <p:spPr/>
+        <p:txBody>
+          <a:bodyPr/>
+          <a:lstStyle/>
+          <a:p>
+            <a:r>
+              <a:rPr lang="en-US" dirty="0">
+                <a:latin typeface="Calibri" panose="020F0502020204030204" pitchFamily="34" charset="0"/>
+                <a:cs typeface="Calibri" panose="020F0502020204030204" pitchFamily="34" charset="0"/>
+              </a:rPr>
+              <a:t>DEMONSTRATION AND Conclusions</a:t>
+            </a:r>
+            <a:endParaRPr lang="en-AU" dirty="0">
+              <a:latin typeface="Calibri" panose="020F0502020204030204" pitchFamily="34" charset="0"/>
+              <a:cs typeface="Calibri" panose="020F0502020204030204" pitchFamily="34" charset="0"/>
+            </a:endParaRPr>
+          </a:p>
+        </p:txBody>
+      </p:sp>
+      <p:sp>
+        <p:nvSpPr>
+          <p:cNvPr id="7" name="TextBox 6">
+            <a:extLst>
+              <a:ext uri="{FF2B5EF4-FFF2-40B4-BE49-F238E27FC236}">
+                <a16:creationId xmlns:a16="http://schemas.microsoft.com/office/drawing/2014/main" id="{7E43DCA5-3C3C-40E9-B52C-0764D7D49237}"/>
+              </a:ext>
+            </a:extLst>
+          </p:cNvPr>
+          <p:cNvSpPr txBox="1"/>
+          <p:nvPr/>
+        </p:nvSpPr>
+        <p:spPr>
+          <a:xfrm>
+            <a:off x="461639" y="2110202"/>
+            <a:ext cx="13118976" cy="2031325"/>
+          </a:xfrm>
+          <a:prstGeom prst="rect">
+            <a:avLst/>
+          </a:prstGeom>
+          <a:noFill/>
+        </p:spPr>
+        <p:txBody>
+          <a:bodyPr wrap="square">
+            <a:spAutoFit/>
+          </a:bodyPr>
+          <a:lstStyle/>
+          <a:p>
+            <a:r>
+              <a:rPr lang="en-US" dirty="0">
+                <a:solidFill>
+                  <a:schemeClr val="accent1">
+                    <a:lumMod val="75000"/>
+                    <a:lumOff val="25000"/>
+                  </a:schemeClr>
+                </a:solidFill>
+                <a:latin typeface="Calibri" panose="020F0502020204030204" pitchFamily="34" charset="0"/>
+                <a:cs typeface="Calibri" panose="020F0502020204030204" pitchFamily="34" charset="0"/>
+              </a:rPr>
+              <a:t>Conclusions:</a:t>
+            </a:r>
+          </a:p>
+          <a:p>
+            <a:endParaRPr lang="en-US" dirty="0">
+              <a:solidFill>
+                <a:schemeClr val="accent1">
+                  <a:lumMod val="25000"/>
+                  <a:lumOff val="75000"/>
+                </a:schemeClr>
+              </a:solidFill>
+              <a:latin typeface="Calibri" panose="020F0502020204030204" pitchFamily="34" charset="0"/>
+              <a:cs typeface="Calibri" panose="020F0502020204030204" pitchFamily="34" charset="0"/>
+            </a:endParaRPr>
+          </a:p>
+          <a:p>
+            <a:pPr marL="285750" indent="-285750">
+              <a:buFont typeface="Arial" panose="020B0604020202020204" pitchFamily="34" charset="0"/>
+              <a:buChar char="•"/>
+            </a:pPr>
+            <a:r>
+              <a:rPr lang="en-US" dirty="0">
+                <a:latin typeface="Calibri" panose="020F0502020204030204" pitchFamily="34" charset="0"/>
+                <a:cs typeface="Calibri" panose="020F0502020204030204" pitchFamily="34" charset="0"/>
+              </a:rPr>
+              <a:t>LGAs with most crime rates in Victoria – Melbourne, </a:t>
+            </a:r>
+            <a:r>
+              <a:rPr lang="en-US" dirty="0" err="1">
+                <a:latin typeface="Calibri" panose="020F0502020204030204" pitchFamily="34" charset="0"/>
+                <a:cs typeface="Calibri" panose="020F0502020204030204" pitchFamily="34" charset="0"/>
+              </a:rPr>
+              <a:t>LaTrobe</a:t>
+            </a:r>
+            <a:r>
+              <a:rPr lang="en-US" dirty="0">
+                <a:latin typeface="Calibri" panose="020F0502020204030204" pitchFamily="34" charset="0"/>
+                <a:cs typeface="Calibri" panose="020F0502020204030204" pitchFamily="34" charset="0"/>
+              </a:rPr>
+              <a:t>, </a:t>
+            </a:r>
+            <a:r>
+              <a:rPr lang="en-US" dirty="0" err="1">
+                <a:latin typeface="Calibri" panose="020F0502020204030204" pitchFamily="34" charset="0"/>
+                <a:cs typeface="Calibri" panose="020F0502020204030204" pitchFamily="34" charset="0"/>
+              </a:rPr>
+              <a:t>Yarra</a:t>
+            </a:r>
+            <a:endParaRPr lang="en-US" dirty="0">
+              <a:latin typeface="Calibri" panose="020F0502020204030204" pitchFamily="34" charset="0"/>
+              <a:cs typeface="Calibri" panose="020F0502020204030204" pitchFamily="34" charset="0"/>
+            </a:endParaRPr>
+          </a:p>
+          <a:p>
+            <a:pPr marL="285750" indent="-285750">
+              <a:buFont typeface="Arial" panose="020B0604020202020204" pitchFamily="34" charset="0"/>
+              <a:buChar char="•"/>
+            </a:pPr>
+            <a:r>
+              <a:rPr lang="en-US" dirty="0">
+                <a:latin typeface="Calibri" panose="020F0502020204030204" pitchFamily="34" charset="0"/>
+                <a:cs typeface="Calibri" panose="020F0502020204030204" pitchFamily="34" charset="0"/>
+              </a:rPr>
+              <a:t>LGAs with least crime rates in Victoria – Golden Plains, </a:t>
+            </a:r>
+            <a:r>
+              <a:rPr lang="en-US" dirty="0" err="1">
+                <a:latin typeface="Calibri" panose="020F0502020204030204" pitchFamily="34" charset="0"/>
+                <a:cs typeface="Calibri" panose="020F0502020204030204" pitchFamily="34" charset="0"/>
+              </a:rPr>
+              <a:t>Nilumbik</a:t>
+            </a:r>
+            <a:r>
+              <a:rPr lang="en-US" dirty="0">
+                <a:latin typeface="Calibri" panose="020F0502020204030204" pitchFamily="34" charset="0"/>
+                <a:cs typeface="Calibri" panose="020F0502020204030204" pitchFamily="34" charset="0"/>
+              </a:rPr>
+              <a:t>, </a:t>
+            </a:r>
+            <a:r>
+              <a:rPr lang="en-US" dirty="0" err="1">
+                <a:latin typeface="Calibri" panose="020F0502020204030204" pitchFamily="34" charset="0"/>
+                <a:cs typeface="Calibri" panose="020F0502020204030204" pitchFamily="34" charset="0"/>
+              </a:rPr>
+              <a:t>Towong</a:t>
+            </a:r>
+            <a:endParaRPr lang="en-US" dirty="0">
+              <a:latin typeface="Calibri" panose="020F0502020204030204" pitchFamily="34" charset="0"/>
+              <a:cs typeface="Calibri" panose="020F0502020204030204" pitchFamily="34" charset="0"/>
+            </a:endParaRPr>
+          </a:p>
+          <a:p>
+            <a:pPr marL="285750" indent="-285750">
+              <a:buFont typeface="Arial" panose="020B0604020202020204" pitchFamily="34" charset="0"/>
+              <a:buChar char="•"/>
+            </a:pPr>
+            <a:r>
+              <a:rPr lang="en-US" dirty="0">
+                <a:latin typeface="Calibri" panose="020F0502020204030204" pitchFamily="34" charset="0"/>
+                <a:cs typeface="Calibri" panose="020F0502020204030204" pitchFamily="34" charset="0"/>
+              </a:rPr>
+              <a:t>Most common crime offence type in the past five years is Property and deception offences. This has seen a decrease from </a:t>
+            </a:r>
+            <a:br>
+              <a:rPr lang="en-US" dirty="0">
+                <a:latin typeface="Calibri" panose="020F0502020204030204" pitchFamily="34" charset="0"/>
+                <a:cs typeface="Calibri" panose="020F0502020204030204" pitchFamily="34" charset="0"/>
+              </a:rPr>
+            </a:br>
+            <a:r>
+              <a:rPr lang="en-US" dirty="0">
+                <a:latin typeface="Calibri" panose="020F0502020204030204" pitchFamily="34" charset="0"/>
+                <a:cs typeface="Calibri" panose="020F0502020204030204" pitchFamily="34" charset="0"/>
+              </a:rPr>
+              <a:t>2017 to 2021. The offences listed as others has gone up in 2021.</a:t>
+            </a:r>
+          </a:p>
+          <a:p>
+            <a:pPr marL="285750" indent="-285750">
+              <a:buFont typeface="Arial" panose="020B0604020202020204" pitchFamily="34" charset="0"/>
+              <a:buChar char="•"/>
+            </a:pPr>
+            <a:r>
+              <a:rPr lang="en-GB" dirty="0">
+                <a:latin typeface="Calibri" panose="020F0502020204030204" pitchFamily="34" charset="0"/>
+                <a:cs typeface="Calibri" panose="020F0502020204030204" pitchFamily="34" charset="0"/>
+              </a:rPr>
+              <a:t>75 % of the family violence victims are females and majority are in the age bracket of 30-35.</a:t>
+            </a:r>
+            <a:r>
+              <a:rPr lang="en-US" dirty="0">
+                <a:solidFill>
+                  <a:schemeClr val="accent1">
+                    <a:lumMod val="75000"/>
+                    <a:lumOff val="25000"/>
+                  </a:schemeClr>
+                </a:solidFill>
+              </a:rPr>
+              <a:t>	</a:t>
+            </a:r>
+          </a:p>
+        </p:txBody>
+      </p:sp>
+    </p:spTree>
+    <p:extLst>
+      <p:ext uri="{BB962C8B-B14F-4D97-AF65-F5344CB8AC3E}">
+        <p14:creationId xmlns:p14="http://schemas.microsoft.com/office/powerpoint/2010/main" val="918594920"/>
+      </p:ext>
+    </p:extLst>
+  </p:cSld>
+  <p:clrMapOvr>
+    <a:masterClrMapping/>
+  </p:clrMapOvr>
+</p:sld>
+</file>
+
 <file path=ppt/slides/slide12.xml><?xml version="1.0" encoding="utf-8"?>
 <p:sld xmlns:a="http://schemas.openxmlformats.org/drawingml/2006/main" xmlns:r="http://schemas.openxmlformats.org/officeDocument/2006/relationships" xmlns:p="http://schemas.openxmlformats.org/presentationml/2006/main">
   <p:cSld>
@@ -8621,294 +8212,33 @@
       </p:grpSpPr>
       <p:sp>
         <p:nvSpPr>
-          <p:cNvPr id="2" name="Title 1"/>
+          <p:cNvPr id="3" name="Content Placeholder 2"/>
           <p:cNvSpPr>
             <a:spLocks noGrp="1"/>
           </p:cNvSpPr>
           <p:nvPr>
-            <p:ph type="title"/>
-          </p:nvPr>
-        </p:nvSpPr>
-        <p:spPr/>
-        <p:txBody>
-          <a:bodyPr/>
-          <a:lstStyle/>
-          <a:p>
-            <a:r>
-              <a:rPr lang="en-US" dirty="0"/>
-              <a:t>Conclusions AND DASHBOARD DEPLOYMENT</a:t>
-            </a:r>
-            <a:endParaRPr lang="en-AU" dirty="0"/>
-          </a:p>
-        </p:txBody>
-      </p:sp>
-      <p:pic>
-        <p:nvPicPr>
-          <p:cNvPr id="5" name="Content Placeholder 4">
-            <a:extLst>
-              <a:ext uri="{FF2B5EF4-FFF2-40B4-BE49-F238E27FC236}">
-                <a16:creationId xmlns:a16="http://schemas.microsoft.com/office/drawing/2014/main" id="{612A4003-1AE9-409A-A740-558814870F54}"/>
-              </a:ext>
-            </a:extLst>
-          </p:cNvPr>
-          <p:cNvPicPr>
-            <a:picLocks noGrp="1" noChangeAspect="1"/>
-          </p:cNvPicPr>
-          <p:nvPr>
-            <p:ph idx="1"/>
-          </p:nvPr>
-        </p:nvPicPr>
-        <p:blipFill>
-          <a:blip r:embed="rId3"/>
-          <a:stretch>
-            <a:fillRect/>
-          </a:stretch>
-        </p:blipFill>
+            <p:ph type="subTitle" idx="1"/>
+          </p:nvPr>
+        </p:nvSpPr>
         <p:spPr>
           <a:xfrm>
-            <a:off x="504341" y="2056936"/>
-            <a:ext cx="6495909" cy="4098908"/>
+            <a:off x="536806" y="1847375"/>
+            <a:ext cx="10993546" cy="590321"/>
           </a:xfrm>
         </p:spPr>
-      </p:pic>
-      <p:sp>
-        <p:nvSpPr>
-          <p:cNvPr id="7" name="TextBox 6">
-            <a:extLst>
-              <a:ext uri="{FF2B5EF4-FFF2-40B4-BE49-F238E27FC236}">
-                <a16:creationId xmlns:a16="http://schemas.microsoft.com/office/drawing/2014/main" id="{7E43DCA5-3C3C-40E9-B52C-0764D7D49237}"/>
-              </a:ext>
-            </a:extLst>
-          </p:cNvPr>
-          <p:cNvSpPr txBox="1"/>
-          <p:nvPr/>
-        </p:nvSpPr>
-        <p:spPr>
-          <a:xfrm>
-            <a:off x="7494973" y="2056936"/>
-            <a:ext cx="6094520" cy="2585323"/>
-          </a:xfrm>
-          <a:prstGeom prst="rect">
-            <a:avLst/>
-          </a:prstGeom>
-          <a:noFill/>
-        </p:spPr>
-        <p:txBody>
-          <a:bodyPr wrap="square">
-            <a:spAutoFit/>
+        <p:txBody>
+          <a:bodyPr>
+            <a:normAutofit/>
           </a:bodyPr>
           <a:lstStyle/>
           <a:p>
-            <a:r>
-              <a:rPr lang="en-US" dirty="0"/>
-              <a:t>Most common Crime </a:t>
-            </a:r>
-          </a:p>
-          <a:p>
-            <a:r>
-              <a:rPr lang="en-US" dirty="0"/>
-              <a:t>Incidents…</a:t>
-            </a:r>
-          </a:p>
-          <a:p>
-            <a:endParaRPr lang="en-US" dirty="0">
-              <a:solidFill>
-                <a:schemeClr val="accent1">
-                  <a:lumMod val="25000"/>
-                  <a:lumOff val="75000"/>
-                </a:schemeClr>
-              </a:solidFill>
-            </a:endParaRPr>
-          </a:p>
-          <a:p>
-            <a:pPr marL="285750" indent="-285750">
-              <a:buFont typeface="Arial" panose="020B0604020202020204" pitchFamily="34" charset="0"/>
-              <a:buChar char="•"/>
-            </a:pPr>
-            <a:r>
-              <a:rPr lang="en-US" dirty="0">
-                <a:solidFill>
-                  <a:schemeClr val="accent1">
-                    <a:lumMod val="75000"/>
-                    <a:lumOff val="25000"/>
-                  </a:schemeClr>
-                </a:solidFill>
+            <a:pPr algn="ctr"/>
+            <a:r>
+              <a:rPr lang="en-AU" sz="2800" dirty="0">
+                <a:latin typeface="Calibri" panose="020F0502020204030204" pitchFamily="34" charset="0"/>
+                <a:cs typeface="Calibri" panose="020F0502020204030204" pitchFamily="34" charset="0"/>
               </a:rPr>
-              <a:t>Crimes against the person</a:t>
-            </a:r>
-          </a:p>
-          <a:p>
-            <a:pPr marL="285750" indent="-285750">
-              <a:buFont typeface="Arial" panose="020B0604020202020204" pitchFamily="34" charset="0"/>
-              <a:buChar char="•"/>
-            </a:pPr>
-            <a:r>
-              <a:rPr lang="en-US" dirty="0">
-                <a:solidFill>
-                  <a:schemeClr val="accent1">
-                    <a:lumMod val="75000"/>
-                    <a:lumOff val="25000"/>
-                  </a:schemeClr>
-                </a:solidFill>
-              </a:rPr>
-              <a:t>Property and deception offences</a:t>
-            </a:r>
-          </a:p>
-          <a:p>
-            <a:pPr marL="285750" indent="-285750">
-              <a:buFont typeface="Arial" panose="020B0604020202020204" pitchFamily="34" charset="0"/>
-              <a:buChar char="•"/>
-            </a:pPr>
-            <a:r>
-              <a:rPr lang="en-US" dirty="0">
-                <a:solidFill>
-                  <a:schemeClr val="accent1">
-                    <a:lumMod val="75000"/>
-                    <a:lumOff val="25000"/>
-                  </a:schemeClr>
-                </a:solidFill>
-              </a:rPr>
-              <a:t>Drug offences</a:t>
-            </a:r>
-          </a:p>
-          <a:p>
-            <a:pPr marL="285750" indent="-285750">
-              <a:buFont typeface="Arial" panose="020B0604020202020204" pitchFamily="34" charset="0"/>
-              <a:buChar char="•"/>
-            </a:pPr>
-            <a:r>
-              <a:rPr lang="en-GB" dirty="0">
-                <a:solidFill>
-                  <a:schemeClr val="accent1">
-                    <a:lumMod val="75000"/>
-                    <a:lumOff val="25000"/>
-                  </a:schemeClr>
-                </a:solidFill>
-              </a:rPr>
-              <a:t>Public order and security offences</a:t>
-            </a:r>
-            <a:endParaRPr lang="en-US" dirty="0">
-              <a:solidFill>
-                <a:schemeClr val="accent1">
-                  <a:lumMod val="75000"/>
-                  <a:lumOff val="25000"/>
-                </a:schemeClr>
-              </a:solidFill>
-            </a:endParaRPr>
-          </a:p>
-          <a:p>
-            <a:pPr marL="285750" indent="-285750">
-              <a:buFont typeface="Arial" panose="020B0604020202020204" pitchFamily="34" charset="0"/>
-              <a:buChar char="•"/>
-            </a:pPr>
-            <a:r>
-              <a:rPr lang="en-US" dirty="0">
-                <a:solidFill>
-                  <a:schemeClr val="accent1">
-                    <a:lumMod val="75000"/>
-                    <a:lumOff val="25000"/>
-                  </a:schemeClr>
-                </a:solidFill>
-              </a:rPr>
-              <a:t>Justice procedures offences</a:t>
-            </a:r>
-          </a:p>
-          <a:p>
-            <a:pPr marL="285750" indent="-285750">
-              <a:buFont typeface="Arial" panose="020B0604020202020204" pitchFamily="34" charset="0"/>
-              <a:buChar char="•"/>
-            </a:pPr>
-            <a:r>
-              <a:rPr lang="en-US" dirty="0">
-                <a:solidFill>
-                  <a:schemeClr val="accent1">
-                    <a:lumMod val="75000"/>
-                    <a:lumOff val="25000"/>
-                  </a:schemeClr>
-                </a:solidFill>
-              </a:rPr>
-              <a:t>Other Offences	</a:t>
-            </a:r>
-          </a:p>
-        </p:txBody>
-      </p:sp>
-    </p:spTree>
-    <p:extLst>
-      <p:ext uri="{BB962C8B-B14F-4D97-AF65-F5344CB8AC3E}">
-        <p14:creationId xmlns:p14="http://schemas.microsoft.com/office/powerpoint/2010/main" val="918594920"/>
-      </p:ext>
-    </p:extLst>
-  </p:cSld>
-  <p:clrMapOvr>
-    <a:masterClrMapping/>
-  </p:clrMapOvr>
-</p:sld>
-</file>
-
-<file path=ppt/slides/slide13.xml><?xml version="1.0" encoding="utf-8"?>
-<p:sld xmlns:a="http://schemas.openxmlformats.org/drawingml/2006/main" xmlns:r="http://schemas.openxmlformats.org/officeDocument/2006/relationships" xmlns:p="http://schemas.openxmlformats.org/presentationml/2006/main">
-  <p:cSld>
-    <p:spTree>
-      <p:nvGrpSpPr>
-        <p:cNvPr id="1" name=""/>
-        <p:cNvGrpSpPr/>
-        <p:nvPr/>
-      </p:nvGrpSpPr>
-      <p:grpSpPr>
-        <a:xfrm>
-          <a:off x="0" y="0"/>
-          <a:ext cx="0" cy="0"/>
-          <a:chOff x="0" y="0"/>
-          <a:chExt cx="0" cy="0"/>
-        </a:xfrm>
-      </p:grpSpPr>
-      <p:sp>
-        <p:nvSpPr>
-          <p:cNvPr id="2" name="Title 1"/>
-          <p:cNvSpPr>
-            <a:spLocks noGrp="1"/>
-          </p:cNvSpPr>
-          <p:nvPr>
-            <p:ph type="title"/>
-          </p:nvPr>
-        </p:nvSpPr>
-        <p:spPr/>
-        <p:txBody>
-          <a:bodyPr/>
-          <a:lstStyle/>
-          <a:p>
-            <a:endParaRPr lang="en-AU" dirty="0"/>
-          </a:p>
-        </p:txBody>
-      </p:sp>
-      <p:sp>
-        <p:nvSpPr>
-          <p:cNvPr id="3" name="Content Placeholder 2"/>
-          <p:cNvSpPr>
-            <a:spLocks noGrp="1"/>
-          </p:cNvSpPr>
-          <p:nvPr>
-            <p:ph idx="1"/>
-          </p:nvPr>
-        </p:nvSpPr>
-        <p:spPr/>
-        <p:txBody>
-          <a:bodyPr/>
-          <a:lstStyle/>
-          <a:p>
-            <a:r>
-              <a:rPr lang="en-AU" dirty="0"/>
-              <a:t>You can view the full report on our website, or contact </a:t>
-            </a:r>
-            <a:r>
-              <a:rPr lang="en-AU" dirty="0">
-                <a:hlinkClick r:id="rId2"/>
-              </a:rPr>
-              <a:t>research@vla.vic.gov.au</a:t>
-            </a:r>
-            <a:r>
-              <a:rPr lang="en-AU" dirty="0"/>
-              <a:t> for more information.</a:t>
+              <a:t>Thank YOU! Questions?</a:t>
             </a:r>
           </a:p>
         </p:txBody>
@@ -8955,11 +8285,16 @@
         </p:nvSpPr>
         <p:spPr/>
         <p:txBody>
-          <a:bodyPr/>
+          <a:bodyPr>
+            <a:normAutofit/>
+          </a:bodyPr>
           <a:lstStyle/>
           <a:p>
             <a:r>
-              <a:rPr lang="en-AU" dirty="0"/>
+              <a:rPr lang="en-AU" dirty="0">
+                <a:latin typeface="Calibri" panose="020F0502020204030204" pitchFamily="34" charset="0"/>
+                <a:cs typeface="Calibri" panose="020F0502020204030204" pitchFamily="34" charset="0"/>
+              </a:rPr>
               <a:t>PROJECT BRIEF</a:t>
             </a:r>
           </a:p>
@@ -8994,62 +8329,95 @@
           </a:p>
           <a:p>
             <a:r>
-              <a:rPr lang="en-GB" dirty="0"/>
+              <a:rPr lang="en-GB" sz="1600" dirty="0">
+                <a:latin typeface="Calibri" panose="020F0502020204030204" pitchFamily="34" charset="0"/>
+                <a:cs typeface="Calibri" panose="020F0502020204030204" pitchFamily="34" charset="0"/>
+              </a:rPr>
               <a:t>Our project aimed to look at available data for Crime Incidents across Victoria for the past five years from 2017 to 2021 to identify the safest LGAs (Local Government Areas) in Victoria.</a:t>
             </a:r>
             <a:br>
-              <a:rPr lang="en-AU" dirty="0"/>
+              <a:rPr lang="en-AU" sz="1600" dirty="0">
+                <a:latin typeface="Calibri" panose="020F0502020204030204" pitchFamily="34" charset="0"/>
+                <a:cs typeface="Calibri" panose="020F0502020204030204" pitchFamily="34" charset="0"/>
+              </a:rPr>
             </a:br>
             <a:r>
-              <a:rPr lang="en-AU" dirty="0"/>
+              <a:rPr lang="en-AU" sz="1600" dirty="0">
+                <a:latin typeface="Calibri" panose="020F0502020204030204" pitchFamily="34" charset="0"/>
+                <a:cs typeface="Calibri" panose="020F0502020204030204" pitchFamily="34" charset="0"/>
+              </a:rPr>
               <a:t>Specifically, we looked at:</a:t>
             </a:r>
           </a:p>
           <a:p>
             <a:pPr lvl="1" algn="just"/>
             <a:r>
-              <a:rPr lang="en-GB" dirty="0"/>
+              <a:rPr lang="en-GB" dirty="0">
+                <a:latin typeface="Calibri" panose="020F0502020204030204" pitchFamily="34" charset="0"/>
+                <a:cs typeface="Calibri" panose="020F0502020204030204" pitchFamily="34" charset="0"/>
+              </a:rPr>
               <a:t>Geo Spatial mapping of the crime rates across the 79 LGAs in Victoria</a:t>
             </a:r>
           </a:p>
           <a:p>
             <a:pPr lvl="1" algn="just"/>
             <a:r>
-              <a:rPr lang="en-GB" dirty="0"/>
-              <a:t>Top 10 LGAs in Vitoria with lowest crime rates</a:t>
+              <a:rPr lang="en-GB" dirty="0">
+                <a:latin typeface="Calibri" panose="020F0502020204030204" pitchFamily="34" charset="0"/>
+                <a:cs typeface="Calibri" panose="020F0502020204030204" pitchFamily="34" charset="0"/>
+              </a:rPr>
+              <a:t>Top 10 LGAs in Victoria with lowest crime rates</a:t>
             </a:r>
           </a:p>
           <a:p>
             <a:pPr lvl="1" algn="just"/>
             <a:r>
-              <a:rPr lang="en-GB" dirty="0"/>
+              <a:rPr lang="en-GB" dirty="0">
+                <a:latin typeface="Calibri" panose="020F0502020204030204" pitchFamily="34" charset="0"/>
+                <a:cs typeface="Calibri" panose="020F0502020204030204" pitchFamily="34" charset="0"/>
+              </a:rPr>
               <a:t>Top 10 LGAs in Victoria with highest crime rates</a:t>
             </a:r>
           </a:p>
           <a:p>
             <a:pPr lvl="1" algn="just"/>
             <a:r>
-              <a:rPr lang="en-GB" dirty="0"/>
+              <a:rPr lang="en-GB" dirty="0">
+                <a:latin typeface="Calibri" panose="020F0502020204030204" pitchFamily="34" charset="0"/>
+                <a:cs typeface="Calibri" panose="020F0502020204030204" pitchFamily="34" charset="0"/>
+              </a:rPr>
               <a:t>What are the most common offence types under the crime incidents</a:t>
             </a:r>
           </a:p>
           <a:p>
             <a:pPr lvl="1" algn="just"/>
             <a:r>
-              <a:rPr lang="en-GB" dirty="0"/>
+              <a:rPr lang="en-GB" dirty="0">
+                <a:latin typeface="Calibri" panose="020F0502020204030204" pitchFamily="34" charset="0"/>
+                <a:cs typeface="Calibri" panose="020F0502020204030204" pitchFamily="34" charset="0"/>
+              </a:rPr>
               <a:t>How the crime rates by offence types have changed over the years from 2017 to 2021</a:t>
             </a:r>
           </a:p>
           <a:p>
             <a:pPr lvl="1" algn="just"/>
             <a:r>
-              <a:rPr lang="en-GB" dirty="0"/>
+              <a:rPr lang="en-GB" dirty="0">
+                <a:latin typeface="Calibri" panose="020F0502020204030204" pitchFamily="34" charset="0"/>
+                <a:cs typeface="Calibri" panose="020F0502020204030204" pitchFamily="34" charset="0"/>
+              </a:rPr>
               <a:t>Breakdown of the Family Crime Victims based on gender and age</a:t>
             </a:r>
-            <a:endParaRPr lang="en-AU" dirty="0"/>
-          </a:p>
-          <a:p>
-            <a:endParaRPr lang="en-AU" dirty="0"/>
+            <a:endParaRPr lang="en-AU" dirty="0">
+              <a:latin typeface="Calibri" panose="020F0502020204030204" pitchFamily="34" charset="0"/>
+              <a:cs typeface="Calibri" panose="020F0502020204030204" pitchFamily="34" charset="0"/>
+            </a:endParaRPr>
+          </a:p>
+          <a:p>
+            <a:endParaRPr lang="en-AU" dirty="0">
+              <a:latin typeface="Calibri" panose="020F0502020204030204" pitchFamily="34" charset="0"/>
+              <a:cs typeface="Calibri" panose="020F0502020204030204" pitchFamily="34" charset="0"/>
+            </a:endParaRPr>
           </a:p>
           <a:p>
             <a:pPr marL="0" indent="0">
@@ -9105,89 +8473,10 @@
           <a:lstStyle/>
           <a:p>
             <a:r>
-              <a:rPr lang="en-AU" dirty="0"/>
-              <a:t>APPROACH</a:t>
-            </a:r>
-          </a:p>
-        </p:txBody>
-      </p:sp>
-      <p:pic>
-        <p:nvPicPr>
-          <p:cNvPr id="5" name="Picture 4">
-            <a:extLst>
-              <a:ext uri="{FF2B5EF4-FFF2-40B4-BE49-F238E27FC236}">
-                <a16:creationId xmlns:a16="http://schemas.microsoft.com/office/drawing/2014/main" id="{8A1498C9-4C0A-4034-A866-F6E6CDB97B9C}"/>
-              </a:ext>
-            </a:extLst>
-          </p:cNvPr>
-          <p:cNvPicPr>
-            <a:picLocks noChangeAspect="1"/>
-          </p:cNvPicPr>
-          <p:nvPr/>
-        </p:nvPicPr>
-        <p:blipFill>
-          <a:blip r:embed="rId3"/>
-          <a:stretch>
-            <a:fillRect/>
-          </a:stretch>
-        </p:blipFill>
-        <p:spPr>
-          <a:xfrm>
-            <a:off x="1283302" y="2446053"/>
-            <a:ext cx="9454720" cy="1965894"/>
-          </a:xfrm>
-          <a:prstGeom prst="rect">
-            <a:avLst/>
-          </a:prstGeom>
-        </p:spPr>
-      </p:pic>
-    </p:spTree>
-    <p:extLst>
-      <p:ext uri="{BB962C8B-B14F-4D97-AF65-F5344CB8AC3E}">
-        <p14:creationId xmlns:p14="http://schemas.microsoft.com/office/powerpoint/2010/main" val="3163227363"/>
-      </p:ext>
-    </p:extLst>
-  </p:cSld>
-  <p:clrMapOvr>
-    <a:masterClrMapping/>
-  </p:clrMapOvr>
-</p:sld>
-</file>
-
-<file path=ppt/slides/slide4.xml><?xml version="1.0" encoding="utf-8"?>
-<p:sld xmlns:a="http://schemas.openxmlformats.org/drawingml/2006/main" xmlns:r="http://schemas.openxmlformats.org/officeDocument/2006/relationships" xmlns:p="http://schemas.openxmlformats.org/presentationml/2006/main">
-  <p:cSld>
-    <p:spTree>
-      <p:nvGrpSpPr>
-        <p:cNvPr id="1" name=""/>
-        <p:cNvGrpSpPr/>
-        <p:nvPr/>
-      </p:nvGrpSpPr>
-      <p:grpSpPr>
-        <a:xfrm>
-          <a:off x="0" y="0"/>
-          <a:ext cx="0" cy="0"/>
-          <a:chOff x="0" y="0"/>
-          <a:chExt cx="0" cy="0"/>
-        </a:xfrm>
-      </p:grpSpPr>
-      <p:sp>
-        <p:nvSpPr>
-          <p:cNvPr id="2" name="Title 1"/>
-          <p:cNvSpPr>
-            <a:spLocks noGrp="1"/>
-          </p:cNvSpPr>
-          <p:nvPr>
-            <p:ph type="title"/>
-          </p:nvPr>
-        </p:nvSpPr>
-        <p:spPr/>
-        <p:txBody>
-          <a:bodyPr/>
-          <a:lstStyle/>
-          <a:p>
-            <a:r>
-              <a:rPr lang="en-AU" dirty="0"/>
+              <a:rPr lang="en-AU" dirty="0">
+                <a:latin typeface="Calibri" panose="020F0502020204030204" pitchFamily="34" charset="0"/>
+                <a:cs typeface="Calibri" panose="020F0502020204030204" pitchFamily="34" charset="0"/>
+              </a:rPr>
               <a:t>ETL (Extract,  TRANSFORM, LOAD) PROCESS</a:t>
             </a:r>
           </a:p>
@@ -9226,8 +8515,8 @@
         </p:nvSpPr>
         <p:spPr>
           <a:xfrm>
-            <a:off x="415562" y="2228718"/>
-            <a:ext cx="4316236" cy="1200329"/>
+            <a:off x="415561" y="2129591"/>
+            <a:ext cx="4564811" cy="1263679"/>
           </a:xfrm>
           <a:prstGeom prst="rect">
             <a:avLst/>
@@ -9256,16 +8545,21 @@
               <a:buSzPct val="92000"/>
             </a:pPr>
             <a:r>
-              <a:rPr lang="en-AU" sz="1500" dirty="0"/>
+              <a:rPr lang="en-AU" sz="1600" dirty="0">
+                <a:latin typeface="Calibri" panose="020F0502020204030204" pitchFamily="34" charset="0"/>
+                <a:cs typeface="Calibri" panose="020F0502020204030204" pitchFamily="34" charset="0"/>
+              </a:rPr>
               <a:t>Data Files : </a:t>
             </a:r>
             <a:r>
-              <a:rPr lang="en-AU" sz="1500" dirty="0">
+              <a:rPr lang="en-AU" sz="1600" dirty="0">
                 <a:solidFill>
                   <a:schemeClr val="accent3">
                     <a:lumMod val="75000"/>
                   </a:schemeClr>
                 </a:solidFill>
+                <a:latin typeface="Calibri" panose="020F0502020204030204" pitchFamily="34" charset="0"/>
+                <a:cs typeface="Calibri" panose="020F0502020204030204" pitchFamily="34" charset="0"/>
               </a:rPr>
               <a:t>CSV Files</a:t>
             </a:r>
@@ -9287,16 +8581,21 @@
               <a:buSzPct val="92000"/>
             </a:pPr>
             <a:r>
-              <a:rPr lang="en-AU" sz="1500" dirty="0"/>
+              <a:rPr lang="en-AU" sz="1600" dirty="0">
+                <a:latin typeface="Calibri" panose="020F0502020204030204" pitchFamily="34" charset="0"/>
+                <a:cs typeface="Calibri" panose="020F0502020204030204" pitchFamily="34" charset="0"/>
+              </a:rPr>
               <a:t>Data Cleaning : </a:t>
             </a:r>
             <a:r>
-              <a:rPr lang="en-AU" sz="1500" dirty="0">
+              <a:rPr lang="en-AU" sz="1600" dirty="0">
                 <a:solidFill>
                   <a:schemeClr val="accent3">
                     <a:lumMod val="75000"/>
                   </a:schemeClr>
                 </a:solidFill>
+                <a:latin typeface="Calibri" panose="020F0502020204030204" pitchFamily="34" charset="0"/>
+                <a:cs typeface="Calibri" panose="020F0502020204030204" pitchFamily="34" charset="0"/>
               </a:rPr>
               <a:t>Python</a:t>
             </a:r>
@@ -9318,35 +8617,44 @@
               <a:buSzPct val="92000"/>
             </a:pPr>
             <a:r>
-              <a:rPr lang="en-AU" sz="1500" dirty="0"/>
+              <a:rPr lang="en-AU" sz="1600" dirty="0">
+                <a:latin typeface="Calibri" panose="020F0502020204030204" pitchFamily="34" charset="0"/>
+                <a:cs typeface="Calibri" panose="020F0502020204030204" pitchFamily="34" charset="0"/>
+              </a:rPr>
               <a:t>Data Loading : </a:t>
             </a:r>
             <a:r>
-              <a:rPr lang="en-AU" sz="1500" dirty="0">
+              <a:rPr lang="en-AU" sz="1600" dirty="0">
                 <a:solidFill>
                   <a:schemeClr val="accent3">
                     <a:lumMod val="75000"/>
                   </a:schemeClr>
                 </a:solidFill>
+                <a:latin typeface="Calibri" panose="020F0502020204030204" pitchFamily="34" charset="0"/>
+                <a:cs typeface="Calibri" panose="020F0502020204030204" pitchFamily="34" charset="0"/>
               </a:rPr>
               <a:t>MongoDB, </a:t>
             </a:r>
             <a:r>
-              <a:rPr lang="en-GB" sz="1500" dirty="0">
+              <a:rPr lang="en-GB" sz="1600" dirty="0">
                 <a:solidFill>
                   <a:schemeClr val="accent3">
                     <a:lumMod val="75000"/>
                   </a:schemeClr>
                 </a:solidFill>
+                <a:latin typeface="Calibri" panose="020F0502020204030204" pitchFamily="34" charset="0"/>
+                <a:cs typeface="Calibri" panose="020F0502020204030204" pitchFamily="34" charset="0"/>
               </a:rPr>
               <a:t>Python Flask–powered API</a:t>
             </a:r>
-            <a:endParaRPr lang="en-AU" sz="1500" dirty="0">
+            <a:endParaRPr lang="en-AU" sz="1600" dirty="0">
               <a:solidFill>
                 <a:schemeClr val="accent3">
                   <a:lumMod val="75000"/>
                 </a:schemeClr>
               </a:solidFill>
+              <a:latin typeface="Calibri" panose="020F0502020204030204" pitchFamily="34" charset="0"/>
+              <a:cs typeface="Calibri" panose="020F0502020204030204" pitchFamily="34" charset="0"/>
             </a:endParaRPr>
           </a:p>
           <a:p>
@@ -9366,36 +8674,45 @@
               <a:buSzPct val="92000"/>
             </a:pPr>
             <a:r>
-              <a:rPr lang="en-AU" sz="1500" dirty="0"/>
+              <a:rPr lang="en-AU" sz="1600" dirty="0">
+                <a:latin typeface="Calibri" panose="020F0502020204030204" pitchFamily="34" charset="0"/>
+                <a:cs typeface="Calibri" panose="020F0502020204030204" pitchFamily="34" charset="0"/>
+              </a:rPr>
               <a:t>Data Visualization : </a:t>
             </a:r>
             <a:r>
-              <a:rPr lang="en-AU" sz="1500" dirty="0">
+              <a:rPr lang="en-AU" sz="1600" dirty="0">
                 <a:solidFill>
                   <a:schemeClr val="accent3">
                     <a:lumMod val="75000"/>
                   </a:schemeClr>
                 </a:solidFill>
+                <a:latin typeface="Calibri" panose="020F0502020204030204" pitchFamily="34" charset="0"/>
+                <a:cs typeface="Calibri" panose="020F0502020204030204" pitchFamily="34" charset="0"/>
               </a:rPr>
               <a:t>JavaScript, HTML, </a:t>
             </a:r>
             <a:r>
-              <a:rPr lang="en-AU" sz="1500" dirty="0" err="1">
+              <a:rPr lang="en-AU" sz="1600" dirty="0" err="1">
                 <a:solidFill>
                   <a:schemeClr val="accent3">
                     <a:lumMod val="75000"/>
                   </a:schemeClr>
                 </a:solidFill>
+                <a:latin typeface="Calibri" panose="020F0502020204030204" pitchFamily="34" charset="0"/>
+                <a:cs typeface="Calibri" panose="020F0502020204030204" pitchFamily="34" charset="0"/>
               </a:rPr>
               <a:t>Plotly</a:t>
             </a:r>
             <a:r>
-              <a:rPr lang="en-AU" sz="1500" dirty="0">
+              <a:rPr lang="en-AU" sz="1600" dirty="0">
                 <a:solidFill>
                   <a:schemeClr val="accent3">
                     <a:lumMod val="75000"/>
                   </a:schemeClr>
                 </a:solidFill>
+                <a:latin typeface="Calibri" panose="020F0502020204030204" pitchFamily="34" charset="0"/>
+                <a:cs typeface="Calibri" panose="020F0502020204030204" pitchFamily="34" charset="0"/>
               </a:rPr>
               <a:t>, Leaflet</a:t>
             </a:r>
@@ -9446,8 +8763,8 @@
         </p:nvSpPr>
         <p:spPr>
           <a:xfrm>
-            <a:off x="5717219" y="2150757"/>
-            <a:ext cx="6363070" cy="3539430"/>
+            <a:off x="5610688" y="2150757"/>
+            <a:ext cx="6469601" cy="4247317"/>
           </a:xfrm>
           <a:prstGeom prst="rect">
             <a:avLst/>
@@ -9467,21 +8784,32 @@
                     <a:lumMod val="75000"/>
                   </a:schemeClr>
                 </a:solidFill>
+                <a:latin typeface="Calibri" panose="020F0502020204030204" pitchFamily="34" charset="0"/>
+                <a:cs typeface="Calibri" panose="020F0502020204030204" pitchFamily="34" charset="0"/>
               </a:rPr>
               <a:t>Data Used </a:t>
             </a:r>
             <a:r>
-              <a:rPr lang="en-AU" sz="1600" dirty="0"/>
+              <a:rPr lang="en-AU" sz="1600" dirty="0">
+                <a:latin typeface="Calibri" panose="020F0502020204030204" pitchFamily="34" charset="0"/>
+                <a:cs typeface="Calibri" panose="020F0502020204030204" pitchFamily="34" charset="0"/>
+              </a:rPr>
               <a:t>: </a:t>
             </a:r>
           </a:p>
           <a:p>
             <a:r>
-              <a:rPr lang="en-AU" sz="1600" dirty="0"/>
+              <a:rPr lang="en-AU" sz="1600" dirty="0">
+                <a:latin typeface="Calibri" panose="020F0502020204030204" pitchFamily="34" charset="0"/>
+                <a:cs typeface="Calibri" panose="020F0502020204030204" pitchFamily="34" charset="0"/>
+              </a:rPr>
               <a:t>There were two datasets used for this project from </a:t>
             </a:r>
             <a:br>
-              <a:rPr lang="en-AU" sz="1600" dirty="0"/>
+              <a:rPr lang="en-AU" sz="1600" dirty="0">
+                <a:latin typeface="Calibri" panose="020F0502020204030204" pitchFamily="34" charset="0"/>
+                <a:cs typeface="Calibri" panose="020F0502020204030204" pitchFamily="34" charset="0"/>
+              </a:rPr>
             </a:br>
             <a:r>
               <a:rPr lang="en-AU" sz="1600" dirty="0">
@@ -9490,6 +8818,8 @@
                     <a:lumMod val="75000"/>
                   </a:schemeClr>
                 </a:solidFill>
+                <a:latin typeface="Calibri" panose="020F0502020204030204" pitchFamily="34" charset="0"/>
+                <a:cs typeface="Calibri" panose="020F0502020204030204" pitchFamily="34" charset="0"/>
                 <a:hlinkClick r:id="rId9">
                   <a:extLst>
                     <a:ext uri="{A12FA001-AC4F-418D-AE19-62706E023703}">
@@ -9506,6 +8836,8 @@
                   <a:lumMod val="75000"/>
                 </a:schemeClr>
               </a:solidFill>
+              <a:latin typeface="Calibri" panose="020F0502020204030204" pitchFamily="34" charset="0"/>
+              <a:cs typeface="Calibri" panose="020F0502020204030204" pitchFamily="34" charset="0"/>
             </a:endParaRPr>
           </a:p>
           <a:p>
@@ -9515,6 +8847,8 @@
                   <a:lumMod val="75000"/>
                 </a:schemeClr>
               </a:solidFill>
+              <a:latin typeface="Calibri" panose="020F0502020204030204" pitchFamily="34" charset="0"/>
+              <a:cs typeface="Calibri" panose="020F0502020204030204" pitchFamily="34" charset="0"/>
             </a:endParaRPr>
           </a:p>
           <a:p>
@@ -9529,6 +8863,8 @@
                     <a:lumMod val="75000"/>
                   </a:schemeClr>
                 </a:solidFill>
+                <a:latin typeface="Calibri" panose="020F0502020204030204" pitchFamily="34" charset="0"/>
+                <a:cs typeface="Calibri" panose="020F0502020204030204" pitchFamily="34" charset="0"/>
               </a:rPr>
               <a:t>Data_Tables_LGA_Criminal_Incidents_Year_Ending_March_2021 </a:t>
             </a:r>
@@ -9539,21 +8875,36 @@
               <a:buChar char="§"/>
             </a:pPr>
             <a:r>
-              <a:rPr lang="en-AU" sz="1400" dirty="0"/>
+              <a:rPr lang="en-AU" sz="1600" dirty="0">
+                <a:latin typeface="Calibri" panose="020F0502020204030204" pitchFamily="34" charset="0"/>
+                <a:cs typeface="Calibri" panose="020F0502020204030204" pitchFamily="34" charset="0"/>
+              </a:rPr>
               <a:t>This file contains the crime incidents recorded and the crime rate </a:t>
             </a:r>
             <a:br>
-              <a:rPr lang="en-AU" sz="1400" dirty="0"/>
+              <a:rPr lang="en-AU" sz="1600" dirty="0">
+                <a:latin typeface="Calibri" panose="020F0502020204030204" pitchFamily="34" charset="0"/>
+                <a:cs typeface="Calibri" panose="020F0502020204030204" pitchFamily="34" charset="0"/>
+              </a:rPr>
             </a:br>
             <a:r>
-              <a:rPr lang="en-AU" sz="1400" dirty="0"/>
+              <a:rPr lang="en-AU" sz="1600" dirty="0">
+                <a:latin typeface="Calibri" panose="020F0502020204030204" pitchFamily="34" charset="0"/>
+                <a:cs typeface="Calibri" panose="020F0502020204030204" pitchFamily="34" charset="0"/>
+              </a:rPr>
               <a:t>per 100,000 population for each of the 79 LGAs for the time period </a:t>
             </a:r>
             <a:br>
-              <a:rPr lang="en-AU" sz="1400" dirty="0"/>
+              <a:rPr lang="en-AU" sz="1600" dirty="0">
+                <a:latin typeface="Calibri" panose="020F0502020204030204" pitchFamily="34" charset="0"/>
+                <a:cs typeface="Calibri" panose="020F0502020204030204" pitchFamily="34" charset="0"/>
+              </a:rPr>
             </a:br>
             <a:r>
-              <a:rPr lang="en-AU" sz="1400" dirty="0"/>
+              <a:rPr lang="en-AU" sz="1600" dirty="0">
+                <a:latin typeface="Calibri" panose="020F0502020204030204" pitchFamily="34" charset="0"/>
+                <a:cs typeface="Calibri" panose="020F0502020204030204" pitchFamily="34" charset="0"/>
+              </a:rPr>
               <a:t>2012 - 2021</a:t>
             </a:r>
           </a:p>
@@ -9563,7 +8914,10 @@
               <a:buChar char="§"/>
             </a:pPr>
             <a:r>
-              <a:rPr lang="en-AU" sz="1400" dirty="0"/>
+              <a:rPr lang="en-AU" sz="1600" dirty="0">
+                <a:latin typeface="Calibri" panose="020F0502020204030204" pitchFamily="34" charset="0"/>
+                <a:cs typeface="Calibri" panose="020F0502020204030204" pitchFamily="34" charset="0"/>
+              </a:rPr>
               <a:t>It also contains the crimes categorised by offence types </a:t>
             </a:r>
           </a:p>
@@ -9573,7 +8927,10 @@
               <a:buChar char="§"/>
             </a:pPr>
             <a:r>
-              <a:rPr lang="en-AU" sz="1400" dirty="0"/>
+              <a:rPr lang="en-AU" sz="1600" dirty="0">
+                <a:latin typeface="Calibri" panose="020F0502020204030204" pitchFamily="34" charset="0"/>
+                <a:cs typeface="Calibri" panose="020F0502020204030204" pitchFamily="34" charset="0"/>
+              </a:rPr>
               <a:t>CSV File</a:t>
             </a:r>
           </a:p>
@@ -9589,6 +8946,8 @@
                     <a:lumMod val="75000"/>
                   </a:schemeClr>
                 </a:solidFill>
+                <a:latin typeface="Calibri" panose="020F0502020204030204" pitchFamily="34" charset="0"/>
+                <a:cs typeface="Calibri" panose="020F0502020204030204" pitchFamily="34" charset="0"/>
               </a:rPr>
               <a:t>Data_Tables_Family_Incidents_Visualisation_Year_Ending_March_2021</a:t>
             </a:r>
@@ -9598,6 +8957,8 @@
                   <a:lumMod val="75000"/>
                 </a:schemeClr>
               </a:solidFill>
+              <a:latin typeface="Calibri" panose="020F0502020204030204" pitchFamily="34" charset="0"/>
+              <a:cs typeface="Calibri" panose="020F0502020204030204" pitchFamily="34" charset="0"/>
             </a:endParaRPr>
           </a:p>
           <a:p>
@@ -9606,7 +8967,10 @@
               <a:buChar char="§"/>
             </a:pPr>
             <a:r>
-              <a:rPr lang="en-AU" sz="1400" dirty="0"/>
+              <a:rPr lang="en-AU" sz="1600" dirty="0">
+                <a:latin typeface="Calibri" panose="020F0502020204030204" pitchFamily="34" charset="0"/>
+                <a:cs typeface="Calibri" panose="020F0502020204030204" pitchFamily="34" charset="0"/>
+              </a:rPr>
               <a:t>This file contains the Family Crimes Victim data categorized by Gender and Age for the period 2017 - 2021</a:t>
             </a:r>
           </a:p>
@@ -9616,9 +8980,57 @@
               <a:buChar char="§"/>
             </a:pPr>
             <a:r>
-              <a:rPr lang="en-AU" sz="1400" dirty="0"/>
+              <a:rPr lang="en-AU" sz="1600" dirty="0">
+                <a:latin typeface="Calibri" panose="020F0502020204030204" pitchFamily="34" charset="0"/>
+                <a:cs typeface="Calibri" panose="020F0502020204030204" pitchFamily="34" charset="0"/>
+              </a:rPr>
               <a:t>CSV file</a:t>
             </a:r>
+          </a:p>
+          <a:p>
+            <a:pPr marL="285750" indent="-285750">
+              <a:buFont typeface="Wingdings" panose="05000000000000000000" pitchFamily="2" charset="2"/>
+              <a:buChar char="§"/>
+            </a:pPr>
+            <a:r>
+              <a:rPr lang="en-GB" sz="1600" dirty="0" err="1">
+                <a:latin typeface="Calibri" panose="020F0502020204030204" pitchFamily="34" charset="0"/>
+                <a:cs typeface="Calibri" panose="020F0502020204030204" pitchFamily="34" charset="0"/>
+              </a:rPr>
+              <a:t>Addiitonal</a:t>
+            </a:r>
+            <a:r>
+              <a:rPr lang="en-GB" sz="1600" dirty="0">
+                <a:latin typeface="Calibri" panose="020F0502020204030204" pitchFamily="34" charset="0"/>
+                <a:cs typeface="Calibri" panose="020F0502020204030204" pitchFamily="34" charset="0"/>
+              </a:rPr>
+              <a:t> GEO JSON LGA polygon data from </a:t>
+            </a:r>
+            <a:r>
+              <a:rPr lang="en-GB" sz="1600" u="sng" dirty="0">
+                <a:solidFill>
+                  <a:schemeClr val="accent3">
+                    <a:lumMod val="75000"/>
+                  </a:schemeClr>
+                </a:solidFill>
+                <a:latin typeface="Calibri" panose="020F0502020204030204" pitchFamily="34" charset="0"/>
+                <a:cs typeface="Calibri" panose="020F0502020204030204" pitchFamily="34" charset="0"/>
+              </a:rPr>
+              <a:t>data.gov.au</a:t>
+            </a:r>
+            <a:endParaRPr lang="en-AU" sz="1600" u="sng" dirty="0">
+              <a:solidFill>
+                <a:schemeClr val="accent3">
+                  <a:lumMod val="75000"/>
+                </a:schemeClr>
+              </a:solidFill>
+              <a:latin typeface="Calibri" panose="020F0502020204030204" pitchFamily="34" charset="0"/>
+              <a:cs typeface="Calibri" panose="020F0502020204030204" pitchFamily="34" charset="0"/>
+            </a:endParaRPr>
+          </a:p>
+          <a:p>
+            <a:pPr lvl="1"/>
+            <a:endParaRPr lang="en-AU" sz="1400" dirty="0"/>
           </a:p>
         </p:txBody>
       </p:sp>
@@ -9626,6 +9038,215 @@
     <p:extLst>
       <p:ext uri="{BB962C8B-B14F-4D97-AF65-F5344CB8AC3E}">
         <p14:creationId xmlns:p14="http://schemas.microsoft.com/office/powerpoint/2010/main" val="3752359841"/>
+      </p:ext>
+    </p:extLst>
+  </p:cSld>
+  <p:clrMapOvr>
+    <a:masterClrMapping/>
+  </p:clrMapOvr>
+</p:sld>
+</file>
+
+<file path=ppt/slides/slide4.xml><?xml version="1.0" encoding="utf-8"?>
+<p:sld xmlns:a="http://schemas.openxmlformats.org/drawingml/2006/main" xmlns:r="http://schemas.openxmlformats.org/officeDocument/2006/relationships" xmlns:p="http://schemas.openxmlformats.org/presentationml/2006/main">
+  <p:cSld>
+    <p:spTree>
+      <p:nvGrpSpPr>
+        <p:cNvPr id="1" name=""/>
+        <p:cNvGrpSpPr/>
+        <p:nvPr/>
+      </p:nvGrpSpPr>
+      <p:grpSpPr>
+        <a:xfrm>
+          <a:off x="0" y="0"/>
+          <a:ext cx="0" cy="0"/>
+          <a:chOff x="0" y="0"/>
+          <a:chExt cx="0" cy="0"/>
+        </a:xfrm>
+      </p:grpSpPr>
+      <p:sp>
+        <p:nvSpPr>
+          <p:cNvPr id="2" name="Title 1"/>
+          <p:cNvSpPr>
+            <a:spLocks noGrp="1"/>
+          </p:cNvSpPr>
+          <p:nvPr>
+            <p:ph type="title"/>
+          </p:nvPr>
+        </p:nvSpPr>
+        <p:spPr/>
+        <p:txBody>
+          <a:bodyPr/>
+          <a:lstStyle/>
+          <a:p>
+            <a:r>
+              <a:rPr lang="en-AU" dirty="0">
+                <a:latin typeface="Calibri" panose="020F0502020204030204" pitchFamily="34" charset="0"/>
+                <a:cs typeface="Calibri" panose="020F0502020204030204" pitchFamily="34" charset="0"/>
+              </a:rPr>
+              <a:t>DATA TRANSFORM</a:t>
+            </a:r>
+            <a:r>
+              <a:rPr lang="en-AU" dirty="0"/>
+              <a:t>	</a:t>
+            </a:r>
+          </a:p>
+        </p:txBody>
+      </p:sp>
+      <p:sp>
+        <p:nvSpPr>
+          <p:cNvPr id="3" name="Content Placeholder 2"/>
+          <p:cNvSpPr>
+            <a:spLocks noGrp="1"/>
+          </p:cNvSpPr>
+          <p:nvPr>
+            <p:ph idx="1"/>
+          </p:nvPr>
+        </p:nvSpPr>
+        <p:spPr>
+          <a:xfrm>
+            <a:off x="227946" y="702156"/>
+            <a:ext cx="11029615" cy="5453687"/>
+          </a:xfrm>
+        </p:spPr>
+        <p:txBody>
+          <a:bodyPr>
+            <a:normAutofit/>
+          </a:bodyPr>
+          <a:lstStyle/>
+          <a:p>
+            <a:r>
+              <a:rPr lang="en-GB" sz="1600" dirty="0">
+                <a:latin typeface="Calibri" panose="020F0502020204030204" pitchFamily="34" charset="0"/>
+                <a:cs typeface="Calibri" panose="020F0502020204030204" pitchFamily="34" charset="0"/>
+              </a:rPr>
+              <a:t>The data was cleaned using Python and only the required fields were selected.</a:t>
+            </a:r>
+          </a:p>
+          <a:p>
+            <a:pPr marL="0" indent="0">
+              <a:buNone/>
+            </a:pPr>
+            <a:endParaRPr lang="en-AU" dirty="0"/>
+          </a:p>
+          <a:p>
+            <a:pPr lvl="1"/>
+            <a:endParaRPr lang="en-AU" dirty="0"/>
+          </a:p>
+          <a:p>
+            <a:endParaRPr lang="en-AU" dirty="0"/>
+          </a:p>
+          <a:p>
+            <a:pPr marL="0" indent="0">
+              <a:buNone/>
+            </a:pPr>
+            <a:endParaRPr lang="en-AU" dirty="0"/>
+          </a:p>
+          <a:p>
+            <a:endParaRPr lang="en-AU" dirty="0"/>
+          </a:p>
+          <a:p>
+            <a:pPr marL="0" indent="0">
+              <a:buNone/>
+            </a:pPr>
+            <a:endParaRPr lang="en-AU" dirty="0"/>
+          </a:p>
+        </p:txBody>
+      </p:sp>
+      <p:pic>
+        <p:nvPicPr>
+          <p:cNvPr id="9" name="Picture 8">
+            <a:extLst>
+              <a:ext uri="{FF2B5EF4-FFF2-40B4-BE49-F238E27FC236}">
+                <a16:creationId xmlns:a16="http://schemas.microsoft.com/office/drawing/2014/main" id="{12B0E6D5-C06A-42F9-9C13-F4FACBA4C544}"/>
+              </a:ext>
+            </a:extLst>
+          </p:cNvPr>
+          <p:cNvPicPr>
+            <a:picLocks noChangeAspect="1"/>
+          </p:cNvPicPr>
+          <p:nvPr/>
+        </p:nvPicPr>
+        <p:blipFill>
+          <a:blip r:embed="rId3"/>
+          <a:stretch>
+            <a:fillRect/>
+          </a:stretch>
+        </p:blipFill>
+        <p:spPr>
+          <a:xfrm>
+            <a:off x="5389675" y="2958946"/>
+            <a:ext cx="5867886" cy="1266825"/>
+          </a:xfrm>
+          <a:prstGeom prst="rect">
+            <a:avLst/>
+          </a:prstGeom>
+        </p:spPr>
+      </p:pic>
+      <p:pic>
+        <p:nvPicPr>
+          <p:cNvPr id="11" name="Picture 10">
+            <a:extLst>
+              <a:ext uri="{FF2B5EF4-FFF2-40B4-BE49-F238E27FC236}">
+                <a16:creationId xmlns:a16="http://schemas.microsoft.com/office/drawing/2014/main" id="{3E4387DE-96DB-4E30-B1CB-8CD57849B33A}"/>
+              </a:ext>
+            </a:extLst>
+          </p:cNvPr>
+          <p:cNvPicPr>
+            <a:picLocks noChangeAspect="1"/>
+          </p:cNvPicPr>
+          <p:nvPr/>
+        </p:nvPicPr>
+        <p:blipFill>
+          <a:blip r:embed="rId4"/>
+          <a:stretch>
+            <a:fillRect/>
+          </a:stretch>
+        </p:blipFill>
+        <p:spPr>
+          <a:xfrm>
+            <a:off x="581192" y="2672178"/>
+            <a:ext cx="4097339" cy="3195961"/>
+          </a:xfrm>
+          <a:prstGeom prst="rect">
+            <a:avLst/>
+          </a:prstGeom>
+        </p:spPr>
+      </p:pic>
+      <p:pic>
+        <p:nvPicPr>
+          <p:cNvPr id="13" name="Picture 12">
+            <a:extLst>
+              <a:ext uri="{FF2B5EF4-FFF2-40B4-BE49-F238E27FC236}">
+                <a16:creationId xmlns:a16="http://schemas.microsoft.com/office/drawing/2014/main" id="{A2FAB0D2-36FF-41D7-A164-60731237ADD8}"/>
+              </a:ext>
+            </a:extLst>
+          </p:cNvPr>
+          <p:cNvPicPr>
+            <a:picLocks noChangeAspect="1"/>
+          </p:cNvPicPr>
+          <p:nvPr/>
+        </p:nvPicPr>
+        <p:blipFill>
+          <a:blip r:embed="rId5"/>
+          <a:stretch>
+            <a:fillRect/>
+          </a:stretch>
+        </p:blipFill>
+        <p:spPr>
+          <a:xfrm>
+            <a:off x="5389675" y="4421080"/>
+            <a:ext cx="5867886" cy="1047750"/>
+          </a:xfrm>
+          <a:prstGeom prst="rect">
+            <a:avLst/>
+          </a:prstGeom>
+        </p:spPr>
+      </p:pic>
+    </p:spTree>
+    <p:extLst>
+      <p:ext uri="{BB962C8B-B14F-4D97-AF65-F5344CB8AC3E}">
+        <p14:creationId xmlns:p14="http://schemas.microsoft.com/office/powerpoint/2010/main" val="1091828665"/>
       </p:ext>
     </p:extLst>
   </p:cSld>
@@ -9668,8 +9289,11 @@
           <a:lstStyle/>
           <a:p>
             <a:r>
-              <a:rPr lang="en-AU" dirty="0"/>
-              <a:t>DATA TRANSFORM	</a:t>
+              <a:rPr lang="en-AU" dirty="0">
+                <a:latin typeface="Calibri" panose="020F0502020204030204" pitchFamily="34" charset="0"/>
+                <a:cs typeface="Calibri" panose="020F0502020204030204" pitchFamily="34" charset="0"/>
+              </a:rPr>
+              <a:t>DATA LOAD</a:t>
             </a:r>
           </a:p>
         </p:txBody>
@@ -9686,8 +9310,8 @@
         </p:nvSpPr>
         <p:spPr>
           <a:xfrm>
-            <a:off x="227946" y="702156"/>
-            <a:ext cx="11029615" cy="5453687"/>
+            <a:off x="485398" y="-656948"/>
+            <a:ext cx="11029615" cy="6855381"/>
           </a:xfrm>
         </p:spPr>
         <p:txBody>
@@ -9696,25 +9320,52 @@
           </a:bodyPr>
           <a:lstStyle/>
           <a:p>
-            <a:r>
-              <a:rPr lang="en-GB" dirty="0"/>
-              <a:t>The data was cleaned using Python and only the required fields were selected.</a:t>
-            </a:r>
-          </a:p>
-          <a:p>
-            <a:endParaRPr lang="en-AU" dirty="0"/>
-          </a:p>
-          <a:p>
-            <a:pPr lvl="1"/>
-            <a:endParaRPr lang="en-AU" dirty="0"/>
-          </a:p>
-          <a:p>
-            <a:endParaRPr lang="en-AU" dirty="0"/>
-          </a:p>
-          <a:p>
             <a:pPr marL="0" indent="0">
               <a:buNone/>
             </a:pPr>
+            <a:endParaRPr lang="en-AU" dirty="0"/>
+          </a:p>
+          <a:p>
+            <a:r>
+              <a:rPr lang="en-GB" dirty="0">
+                <a:latin typeface="Calibri" panose="020F0502020204030204" pitchFamily="34" charset="0"/>
+                <a:cs typeface="Calibri" panose="020F0502020204030204" pitchFamily="34" charset="0"/>
+              </a:rPr>
+              <a:t>The transformed data was loaded into Mongo DB to the database </a:t>
+            </a:r>
+            <a:r>
+              <a:rPr lang="en-GB" dirty="0" err="1">
+                <a:solidFill>
+                  <a:schemeClr val="accent3">
+                    <a:lumMod val="75000"/>
+                  </a:schemeClr>
+                </a:solidFill>
+                <a:latin typeface="Calibri" panose="020F0502020204030204" pitchFamily="34" charset="0"/>
+                <a:cs typeface="Calibri" panose="020F0502020204030204" pitchFamily="34" charset="0"/>
+              </a:rPr>
+              <a:t>crime_database</a:t>
+            </a:r>
+            <a:r>
+              <a:rPr lang="en-GB" dirty="0">
+                <a:solidFill>
+                  <a:schemeClr val="accent3">
+                    <a:lumMod val="75000"/>
+                  </a:schemeClr>
+                </a:solidFill>
+                <a:latin typeface="Calibri" panose="020F0502020204030204" pitchFamily="34" charset="0"/>
+                <a:cs typeface="Calibri" panose="020F0502020204030204" pitchFamily="34" charset="0"/>
+              </a:rPr>
+              <a:t> </a:t>
+            </a:r>
+            <a:r>
+              <a:rPr lang="en-GB" dirty="0">
+                <a:latin typeface="Calibri" panose="020F0502020204030204" pitchFamily="34" charset="0"/>
+                <a:cs typeface="Calibri" panose="020F0502020204030204" pitchFamily="34" charset="0"/>
+              </a:rPr>
+              <a:t>with 4 collections as shown</a:t>
+            </a:r>
+          </a:p>
+          <a:p>
             <a:endParaRPr lang="en-AU" dirty="0"/>
           </a:p>
           <a:p>
@@ -9733,7 +9384,7 @@
           <p:cNvPr id="5" name="Picture 4">
             <a:extLst>
               <a:ext uri="{FF2B5EF4-FFF2-40B4-BE49-F238E27FC236}">
-                <a16:creationId xmlns:a16="http://schemas.microsoft.com/office/drawing/2014/main" id="{D0267FCC-7151-447F-8022-9236ADCC9923}"/>
+                <a16:creationId xmlns:a16="http://schemas.microsoft.com/office/drawing/2014/main" id="{A75F7001-7DDD-4228-9B5A-22E9BDEC1163}"/>
               </a:ext>
             </a:extLst>
           </p:cNvPr>
@@ -9750,8 +9401,8 @@
         </p:blipFill>
         <p:spPr>
           <a:xfrm>
-            <a:off x="698655" y="2463878"/>
-            <a:ext cx="3154254" cy="1707610"/>
+            <a:off x="1333935" y="3054573"/>
+            <a:ext cx="2933978" cy="2397311"/>
           </a:xfrm>
           <a:prstGeom prst="rect">
             <a:avLst/>
@@ -9760,10 +9411,10 @@
       </p:pic>
       <p:pic>
         <p:nvPicPr>
-          <p:cNvPr id="7" name="Picture 6">
+          <p:cNvPr id="9" name="Picture 8">
             <a:extLst>
               <a:ext uri="{FF2B5EF4-FFF2-40B4-BE49-F238E27FC236}">
-                <a16:creationId xmlns:a16="http://schemas.microsoft.com/office/drawing/2014/main" id="{993552A1-9DE5-4566-AEBE-DF24779878FE}"/>
+                <a16:creationId xmlns:a16="http://schemas.microsoft.com/office/drawing/2014/main" id="{C388FE6B-CE7B-4A8D-8884-5D18C74DEE15}"/>
               </a:ext>
             </a:extLst>
           </p:cNvPr>
@@ -9780,98 +9431,8 @@
         </p:blipFill>
         <p:spPr>
           <a:xfrm>
-            <a:off x="5566299" y="2431455"/>
-            <a:ext cx="5761607" cy="1266825"/>
-          </a:xfrm>
-          <a:prstGeom prst="rect">
-            <a:avLst/>
-          </a:prstGeom>
-        </p:spPr>
-      </p:pic>
-      <p:pic>
-        <p:nvPicPr>
-          <p:cNvPr id="9" name="Picture 8">
-            <a:extLst>
-              <a:ext uri="{FF2B5EF4-FFF2-40B4-BE49-F238E27FC236}">
-                <a16:creationId xmlns:a16="http://schemas.microsoft.com/office/drawing/2014/main" id="{12B0E6D5-C06A-42F9-9C13-F4FACBA4C544}"/>
-              </a:ext>
-            </a:extLst>
-          </p:cNvPr>
-          <p:cNvPicPr>
-            <a:picLocks noChangeAspect="1"/>
-          </p:cNvPicPr>
-          <p:nvPr/>
-        </p:nvPicPr>
-        <p:blipFill>
-          <a:blip r:embed="rId5"/>
-          <a:stretch>
-            <a:fillRect/>
-          </a:stretch>
-        </p:blipFill>
-        <p:spPr>
-          <a:xfrm>
-            <a:off x="5566299" y="3875220"/>
-            <a:ext cx="5867886" cy="1266825"/>
-          </a:xfrm>
-          <a:prstGeom prst="rect">
-            <a:avLst/>
-          </a:prstGeom>
-        </p:spPr>
-      </p:pic>
-      <p:pic>
-        <p:nvPicPr>
-          <p:cNvPr id="11" name="Picture 10">
-            <a:extLst>
-              <a:ext uri="{FF2B5EF4-FFF2-40B4-BE49-F238E27FC236}">
-                <a16:creationId xmlns:a16="http://schemas.microsoft.com/office/drawing/2014/main" id="{3E4387DE-96DB-4E30-B1CB-8CD57849B33A}"/>
-              </a:ext>
-            </a:extLst>
-          </p:cNvPr>
-          <p:cNvPicPr>
-            <a:picLocks noChangeAspect="1"/>
-          </p:cNvPicPr>
-          <p:nvPr/>
-        </p:nvPicPr>
-        <p:blipFill>
-          <a:blip r:embed="rId6"/>
-          <a:stretch>
-            <a:fillRect/>
-          </a:stretch>
-        </p:blipFill>
-        <p:spPr>
-          <a:xfrm>
-            <a:off x="698655" y="4413779"/>
-            <a:ext cx="3154254" cy="1365584"/>
-          </a:xfrm>
-          <a:prstGeom prst="rect">
-            <a:avLst/>
-          </a:prstGeom>
-        </p:spPr>
-      </p:pic>
-      <p:pic>
-        <p:nvPicPr>
-          <p:cNvPr id="13" name="Picture 12">
-            <a:extLst>
-              <a:ext uri="{FF2B5EF4-FFF2-40B4-BE49-F238E27FC236}">
-                <a16:creationId xmlns:a16="http://schemas.microsoft.com/office/drawing/2014/main" id="{A2FAB0D2-36FF-41D7-A164-60731237ADD8}"/>
-              </a:ext>
-            </a:extLst>
-          </p:cNvPr>
-          <p:cNvPicPr>
-            <a:picLocks noChangeAspect="1"/>
-          </p:cNvPicPr>
-          <p:nvPr/>
-        </p:nvPicPr>
-        <p:blipFill>
-          <a:blip r:embed="rId7"/>
-          <a:stretch>
-            <a:fillRect/>
-          </a:stretch>
-        </p:blipFill>
-        <p:spPr>
-          <a:xfrm>
-            <a:off x="5566298" y="5318985"/>
-            <a:ext cx="5867886" cy="1047750"/>
+            <a:off x="5381764" y="2620168"/>
+            <a:ext cx="4362450" cy="3645256"/>
           </a:xfrm>
           <a:prstGeom prst="rect">
             <a:avLst/>
@@ -9881,7 +9442,7 @@
     </p:spTree>
     <p:extLst>
       <p:ext uri="{BB962C8B-B14F-4D97-AF65-F5344CB8AC3E}">
-        <p14:creationId xmlns:p14="http://schemas.microsoft.com/office/powerpoint/2010/main" val="1091828665"/>
+        <p14:creationId xmlns:p14="http://schemas.microsoft.com/office/powerpoint/2010/main" val="4288045861"/>
       </p:ext>
     </p:extLst>
   </p:cSld>
@@ -9924,8 +9485,11 @@
           <a:lstStyle/>
           <a:p>
             <a:r>
-              <a:rPr lang="en-AU" dirty="0"/>
-              <a:t>DATA LOAD</a:t>
+              <a:rPr lang="en-AU" dirty="0">
+                <a:latin typeface="Calibri" panose="020F0502020204030204" pitchFamily="34" charset="0"/>
+                <a:cs typeface="Calibri" panose="020F0502020204030204" pitchFamily="34" charset="0"/>
+              </a:rPr>
+              <a:t>API – PYTHON FLASK POWERED API</a:t>
             </a:r>
           </a:p>
         </p:txBody>
@@ -9959,221 +9523,11 @@
           </a:p>
           <a:p>
             <a:r>
-              <a:rPr lang="en-GB" dirty="0"/>
-              <a:t>The transformed data was loaded into Mongo DB under database </a:t>
-            </a:r>
-            <a:r>
-              <a:rPr lang="en-GB" dirty="0" err="1">
-                <a:solidFill>
-                  <a:schemeClr val="accent3">
-                    <a:lumMod val="75000"/>
-                  </a:schemeClr>
-                </a:solidFill>
+              <a:rPr lang="en-GB" dirty="0">
+                <a:latin typeface="Calibri" panose="020F0502020204030204" pitchFamily="34" charset="0"/>
+                <a:cs typeface="Calibri" panose="020F0502020204030204" pitchFamily="34" charset="0"/>
               </a:rPr>
-              <a:t>crime_database</a:t>
-            </a:r>
-            <a:r>
-              <a:rPr lang="en-GB" dirty="0">
-                <a:solidFill>
-                  <a:schemeClr val="accent3">
-                    <a:lumMod val="75000"/>
-                  </a:schemeClr>
-                </a:solidFill>
-              </a:rPr>
-              <a:t> </a:t>
-            </a:r>
-            <a:r>
-              <a:rPr lang="en-GB" dirty="0"/>
-              <a:t>with 4 collections as shown</a:t>
-            </a:r>
-          </a:p>
-          <a:p>
-            <a:endParaRPr lang="en-AU" dirty="0"/>
-          </a:p>
-          <a:p>
-            <a:endParaRPr lang="en-AU" dirty="0"/>
-          </a:p>
-          <a:p>
-            <a:pPr marL="0" indent="0">
-              <a:buNone/>
-            </a:pPr>
-            <a:endParaRPr lang="en-AU" dirty="0"/>
-          </a:p>
-        </p:txBody>
-      </p:sp>
-      <p:pic>
-        <p:nvPicPr>
-          <p:cNvPr id="5" name="Picture 4">
-            <a:extLst>
-              <a:ext uri="{FF2B5EF4-FFF2-40B4-BE49-F238E27FC236}">
-                <a16:creationId xmlns:a16="http://schemas.microsoft.com/office/drawing/2014/main" id="{A75F7001-7DDD-4228-9B5A-22E9BDEC1163}"/>
-              </a:ext>
-            </a:extLst>
-          </p:cNvPr>
-          <p:cNvPicPr>
-            <a:picLocks noChangeAspect="1"/>
-          </p:cNvPicPr>
-          <p:nvPr/>
-        </p:nvPicPr>
-        <p:blipFill>
-          <a:blip r:embed="rId3"/>
-          <a:stretch>
-            <a:fillRect/>
-          </a:stretch>
-        </p:blipFill>
-        <p:spPr>
-          <a:xfrm>
-            <a:off x="676987" y="2744734"/>
-            <a:ext cx="2933978" cy="2397311"/>
-          </a:xfrm>
-          <a:prstGeom prst="rect">
-            <a:avLst/>
-          </a:prstGeom>
-        </p:spPr>
-      </p:pic>
-      <p:pic>
-        <p:nvPicPr>
-          <p:cNvPr id="7" name="Picture 6">
-            <a:extLst>
-              <a:ext uri="{FF2B5EF4-FFF2-40B4-BE49-F238E27FC236}">
-                <a16:creationId xmlns:a16="http://schemas.microsoft.com/office/drawing/2014/main" id="{12CA876E-49D8-473B-B2AE-C98081163696}"/>
-              </a:ext>
-            </a:extLst>
-          </p:cNvPr>
-          <p:cNvPicPr>
-            <a:picLocks noChangeAspect="1"/>
-          </p:cNvPicPr>
-          <p:nvPr/>
-        </p:nvPicPr>
-        <p:blipFill>
-          <a:blip r:embed="rId4"/>
-          <a:stretch>
-            <a:fillRect/>
-          </a:stretch>
-        </p:blipFill>
-        <p:spPr>
-          <a:xfrm>
-            <a:off x="4000811" y="2781289"/>
-            <a:ext cx="2933978" cy="3486150"/>
-          </a:xfrm>
-          <a:prstGeom prst="rect">
-            <a:avLst/>
-          </a:prstGeom>
-        </p:spPr>
-      </p:pic>
-      <p:pic>
-        <p:nvPicPr>
-          <p:cNvPr id="9" name="Picture 8">
-            <a:extLst>
-              <a:ext uri="{FF2B5EF4-FFF2-40B4-BE49-F238E27FC236}">
-                <a16:creationId xmlns:a16="http://schemas.microsoft.com/office/drawing/2014/main" id="{C388FE6B-CE7B-4A8D-8884-5D18C74DEE15}"/>
-              </a:ext>
-            </a:extLst>
-          </p:cNvPr>
-          <p:cNvPicPr>
-            <a:picLocks noChangeAspect="1"/>
-          </p:cNvPicPr>
-          <p:nvPr/>
-        </p:nvPicPr>
-        <p:blipFill>
-          <a:blip r:embed="rId5"/>
-          <a:stretch>
-            <a:fillRect/>
-          </a:stretch>
-        </p:blipFill>
-        <p:spPr>
-          <a:xfrm>
-            <a:off x="7450057" y="2691189"/>
-            <a:ext cx="4362450" cy="3645256"/>
-          </a:xfrm>
-          <a:prstGeom prst="rect">
-            <a:avLst/>
-          </a:prstGeom>
-        </p:spPr>
-      </p:pic>
-    </p:spTree>
-    <p:extLst>
-      <p:ext uri="{BB962C8B-B14F-4D97-AF65-F5344CB8AC3E}">
-        <p14:creationId xmlns:p14="http://schemas.microsoft.com/office/powerpoint/2010/main" val="4288045861"/>
-      </p:ext>
-    </p:extLst>
-  </p:cSld>
-  <p:clrMapOvr>
-    <a:masterClrMapping/>
-  </p:clrMapOvr>
-</p:sld>
-</file>
-
-<file path=ppt/slides/slide7.xml><?xml version="1.0" encoding="utf-8"?>
-<p:sld xmlns:a="http://schemas.openxmlformats.org/drawingml/2006/main" xmlns:r="http://schemas.openxmlformats.org/officeDocument/2006/relationships" xmlns:p="http://schemas.openxmlformats.org/presentationml/2006/main">
-  <p:cSld>
-    <p:spTree>
-      <p:nvGrpSpPr>
-        <p:cNvPr id="1" name=""/>
-        <p:cNvGrpSpPr/>
-        <p:nvPr/>
-      </p:nvGrpSpPr>
-      <p:grpSpPr>
-        <a:xfrm>
-          <a:off x="0" y="0"/>
-          <a:ext cx="0" cy="0"/>
-          <a:chOff x="0" y="0"/>
-          <a:chExt cx="0" cy="0"/>
-        </a:xfrm>
-      </p:grpSpPr>
-      <p:sp>
-        <p:nvSpPr>
-          <p:cNvPr id="2" name="Title 1"/>
-          <p:cNvSpPr>
-            <a:spLocks noGrp="1"/>
-          </p:cNvSpPr>
-          <p:nvPr>
-            <p:ph type="title"/>
-          </p:nvPr>
-        </p:nvSpPr>
-        <p:spPr/>
-        <p:txBody>
-          <a:bodyPr/>
-          <a:lstStyle/>
-          <a:p>
-            <a:r>
-              <a:rPr lang="en-AU" dirty="0"/>
-              <a:t>API – PYTHON FLASK POWERED API</a:t>
-            </a:r>
-          </a:p>
-        </p:txBody>
-      </p:sp>
-      <p:sp>
-        <p:nvSpPr>
-          <p:cNvPr id="3" name="Content Placeholder 2"/>
-          <p:cNvSpPr>
-            <a:spLocks noGrp="1"/>
-          </p:cNvSpPr>
-          <p:nvPr>
-            <p:ph idx="1"/>
-          </p:nvPr>
-        </p:nvSpPr>
-        <p:spPr>
-          <a:xfrm>
-            <a:off x="485398" y="-656948"/>
-            <a:ext cx="11029615" cy="6855381"/>
-          </a:xfrm>
-        </p:spPr>
-        <p:txBody>
-          <a:bodyPr>
-            <a:normAutofit/>
-          </a:bodyPr>
-          <a:lstStyle/>
-          <a:p>
-            <a:pPr marL="0" indent="0">
-              <a:buNone/>
-            </a:pPr>
-            <a:endParaRPr lang="en-AU" dirty="0"/>
-          </a:p>
-          <a:p>
-            <a:r>
-              <a:rPr lang="en-GB" dirty="0"/>
-              <a:t>The data from the 4 MongoDB collections were converted to JSON format and loaded into APIs using the Flask Application</a:t>
+              <a:t>The data from the four MongoDB collections were converted to JSON format and loaded into APIs using the Flask Application</a:t>
             </a:r>
           </a:p>
           <a:p>
@@ -10215,7 +9569,7 @@
         </p:blipFill>
         <p:spPr>
           <a:xfrm>
-            <a:off x="543228" y="2699182"/>
+            <a:off x="485398" y="2689434"/>
             <a:ext cx="4244805" cy="2290068"/>
           </a:xfrm>
           <a:prstGeom prst="rect">
@@ -10266,7 +9620,7 @@
 </p:sld>
 </file>
 
-<file path=ppt/slides/slide8.xml><?xml version="1.0" encoding="utf-8"?>
+<file path=ppt/slides/slide7.xml><?xml version="1.0" encoding="utf-8"?>
 <p:sld xmlns:a="http://schemas.openxmlformats.org/drawingml/2006/main" xmlns:r="http://schemas.openxmlformats.org/officeDocument/2006/relationships" xmlns:p="http://schemas.openxmlformats.org/presentationml/2006/main">
   <p:cSld>
     <p:spTree>
@@ -10299,10 +9653,16 @@
           <a:lstStyle/>
           <a:p>
             <a:r>
-              <a:rPr lang="en-US" dirty="0"/>
+              <a:rPr lang="en-US" dirty="0">
+                <a:latin typeface="Calibri" panose="020F0502020204030204" pitchFamily="34" charset="0"/>
+                <a:cs typeface="Calibri" panose="020F0502020204030204" pitchFamily="34" charset="0"/>
+              </a:rPr>
               <a:t>GEO spatial representation of crime rates</a:t>
             </a:r>
-            <a:endParaRPr lang="en-AU" dirty="0"/>
+            <a:endParaRPr lang="en-AU" dirty="0">
+              <a:latin typeface="Calibri" panose="020F0502020204030204" pitchFamily="34" charset="0"/>
+              <a:cs typeface="Calibri" panose="020F0502020204030204" pitchFamily="34" charset="0"/>
+            </a:endParaRPr>
           </a:p>
         </p:txBody>
       </p:sp>
@@ -10530,8 +9890,8 @@
         </p:blipFill>
         <p:spPr>
           <a:xfrm>
-            <a:off x="230819" y="2268474"/>
-            <a:ext cx="9198674" cy="3992393"/>
+            <a:off x="230819" y="2268475"/>
+            <a:ext cx="9198674" cy="3759464"/>
           </a:xfrm>
           <a:prstGeom prst="rect">
             <a:avLst/>
@@ -10561,7 +9921,7 @@
         <p:spPr>
           <a:xfrm>
             <a:off x="9824070" y="2268473"/>
-            <a:ext cx="1971675" cy="3992394"/>
+            <a:ext cx="1971675" cy="3759464"/>
           </a:xfrm>
           <a:prstGeom prst="rect">
             <a:avLst/>
@@ -10581,7 +9941,7 @@
 </p:sld>
 </file>
 
-<file path=ppt/slides/slide9.xml><?xml version="1.0" encoding="utf-8"?>
+<file path=ppt/slides/slide8.xml><?xml version="1.0" encoding="utf-8"?>
 <p:sld xmlns:a="http://schemas.openxmlformats.org/drawingml/2006/main" xmlns:r="http://schemas.openxmlformats.org/officeDocument/2006/relationships" xmlns:p="http://schemas.openxmlformats.org/presentationml/2006/main">
   <p:cSld>
     <p:spTree>
@@ -10614,18 +9974,30 @@
           <a:lstStyle/>
           <a:p>
             <a:r>
-              <a:rPr lang="en-US" dirty="0"/>
+              <a:rPr lang="en-US" dirty="0">
+                <a:latin typeface="Calibri" panose="020F0502020204030204" pitchFamily="34" charset="0"/>
+                <a:cs typeface="Calibri" panose="020F0502020204030204" pitchFamily="34" charset="0"/>
+              </a:rPr>
               <a:t>TOP 10 </a:t>
             </a:r>
             <a:r>
-              <a:rPr lang="en-US" dirty="0" err="1"/>
+              <a:rPr lang="en-US" dirty="0" err="1">
+                <a:latin typeface="Calibri" panose="020F0502020204030204" pitchFamily="34" charset="0"/>
+                <a:cs typeface="Calibri" panose="020F0502020204030204" pitchFamily="34" charset="0"/>
+              </a:rPr>
               <a:t>lgas</a:t>
             </a:r>
             <a:r>
-              <a:rPr lang="en-US" dirty="0"/>
+              <a:rPr lang="en-US" dirty="0">
+                <a:latin typeface="Calibri" panose="020F0502020204030204" pitchFamily="34" charset="0"/>
+                <a:cs typeface="Calibri" panose="020F0502020204030204" pitchFamily="34" charset="0"/>
+              </a:rPr>
               <a:t> With most and least crimes</a:t>
             </a:r>
-            <a:endParaRPr lang="en-AU" dirty="0"/>
+            <a:endParaRPr lang="en-AU" dirty="0">
+              <a:latin typeface="Calibri" panose="020F0502020204030204" pitchFamily="34" charset="0"/>
+              <a:cs typeface="Calibri" panose="020F0502020204030204" pitchFamily="34" charset="0"/>
+            </a:endParaRPr>
           </a:p>
         </p:txBody>
       </p:sp>
@@ -10811,7 +10183,7 @@
         <p:spPr>
           <a:xfrm>
             <a:off x="307976" y="2086384"/>
-            <a:ext cx="4450072" cy="2031325"/>
+            <a:ext cx="4450072" cy="1908215"/>
           </a:xfrm>
           <a:prstGeom prst="rect">
             <a:avLst/>
@@ -10825,16 +10197,21 @@
           <a:lstStyle/>
           <a:p>
             <a:r>
-              <a:rPr lang="en-US" dirty="0"/>
-              <a:t>Top 3 LGAs with Maximum Crime Rates</a:t>
-            </a:r>
-            <a:endParaRPr lang="en-US" dirty="0">
+              <a:rPr lang="en-US" sz="1600" dirty="0">
+                <a:latin typeface="Calibri" panose="020F0502020204030204" pitchFamily="34" charset="0"/>
+                <a:cs typeface="Calibri" panose="020F0502020204030204" pitchFamily="34" charset="0"/>
+              </a:rPr>
+              <a:t>LGAs with Maximum Crime Rates</a:t>
+            </a:r>
+            <a:endParaRPr lang="en-US" sz="1600" dirty="0">
               <a:solidFill>
                 <a:schemeClr val="accent1">
                   <a:lumMod val="25000"/>
                   <a:lumOff val="75000"/>
                 </a:schemeClr>
               </a:solidFill>
+              <a:latin typeface="Calibri" panose="020F0502020204030204" pitchFamily="34" charset="0"/>
+              <a:cs typeface="Calibri" panose="020F0502020204030204" pitchFamily="34" charset="0"/>
             </a:endParaRPr>
           </a:p>
           <a:p>
@@ -10850,6 +10227,8 @@
                     <a:lumOff val="25000"/>
                   </a:schemeClr>
                 </a:solidFill>
+                <a:latin typeface="Calibri" panose="020F0502020204030204" pitchFamily="34" charset="0"/>
+                <a:cs typeface="Calibri" panose="020F0502020204030204" pitchFamily="34" charset="0"/>
               </a:rPr>
               <a:t>Melbourne</a:t>
             </a:r>
@@ -10867,6 +10246,8 @@
                     <a:lumOff val="25000"/>
                   </a:schemeClr>
                 </a:solidFill>
+                <a:latin typeface="Calibri" panose="020F0502020204030204" pitchFamily="34" charset="0"/>
+                <a:cs typeface="Calibri" panose="020F0502020204030204" pitchFamily="34" charset="0"/>
               </a:rPr>
               <a:t>LaTorbe</a:t>
             </a:r>
@@ -10877,6 +10258,8 @@
                   <a:lumOff val="25000"/>
                 </a:schemeClr>
               </a:solidFill>
+              <a:latin typeface="Calibri" panose="020F0502020204030204" pitchFamily="34" charset="0"/>
+              <a:cs typeface="Calibri" panose="020F0502020204030204" pitchFamily="34" charset="0"/>
             </a:endParaRPr>
           </a:p>
           <a:p>
@@ -10892,17 +10275,21 @@
                     <a:lumOff val="25000"/>
                   </a:schemeClr>
                 </a:solidFill>
+                <a:latin typeface="Calibri" panose="020F0502020204030204" pitchFamily="34" charset="0"/>
+                <a:cs typeface="Calibri" panose="020F0502020204030204" pitchFamily="34" charset="0"/>
               </a:rPr>
               <a:t>Yarra</a:t>
             </a:r>
             <a:r>
-              <a:rPr lang="en-US" dirty="0">
+              <a:rPr lang="en-US" sz="1600" dirty="0">
                 <a:solidFill>
                   <a:schemeClr val="accent1">
                     <a:lumMod val="75000"/>
                     <a:lumOff val="25000"/>
                   </a:schemeClr>
                 </a:solidFill>
+                <a:latin typeface="Calibri" panose="020F0502020204030204" pitchFamily="34" charset="0"/>
+                <a:cs typeface="Calibri" panose="020F0502020204030204" pitchFamily="34" charset="0"/>
               </a:rPr>
               <a:t>	</a:t>
             </a:r>
@@ -10951,8 +10338,8 @@
         </p:blipFill>
         <p:spPr>
           <a:xfrm>
-            <a:off x="4468506" y="3841366"/>
-            <a:ext cx="3254987" cy="2809012"/>
+            <a:off x="4345554" y="3715356"/>
+            <a:ext cx="3377939" cy="2809012"/>
           </a:xfrm>
           <a:prstGeom prst="rect">
             <a:avLst/>
@@ -10981,8 +10368,8 @@
         </p:blipFill>
         <p:spPr>
           <a:xfrm>
-            <a:off x="307975" y="3989601"/>
-            <a:ext cx="3254986" cy="2512541"/>
+            <a:off x="202408" y="3800680"/>
+            <a:ext cx="3332142" cy="2512541"/>
           </a:xfrm>
           <a:prstGeom prst="rect">
             <a:avLst/>
@@ -11011,7 +10398,7 @@
         </p:blipFill>
         <p:spPr>
           <a:xfrm>
-            <a:off x="8241743" y="3747414"/>
+            <a:off x="8160450" y="3429000"/>
             <a:ext cx="3377939" cy="2809012"/>
           </a:xfrm>
           <a:prstGeom prst="rect">
@@ -11033,8 +10420,8 @@
         </p:nvSpPr>
         <p:spPr>
           <a:xfrm>
-            <a:off x="6653813" y="2086384"/>
-            <a:ext cx="9721048" cy="1138773"/>
+            <a:off x="4168772" y="2086383"/>
+            <a:ext cx="12029307" cy="1138773"/>
           </a:xfrm>
           <a:prstGeom prst="rect">
             <a:avLst/>
@@ -11048,16 +10435,21 @@
           <a:lstStyle/>
           <a:p>
             <a:r>
-              <a:rPr lang="en-US" dirty="0"/>
-              <a:t>Top 3 LGAs with Least Crime Rates</a:t>
-            </a:r>
-            <a:endParaRPr lang="en-US" dirty="0">
+              <a:rPr lang="en-US" sz="1600" dirty="0">
+                <a:latin typeface="Calibri" panose="020F0502020204030204" pitchFamily="34" charset="0"/>
+                <a:cs typeface="Calibri" panose="020F0502020204030204" pitchFamily="34" charset="0"/>
+              </a:rPr>
+              <a:t>LGAs with Least Crime Rates</a:t>
+            </a:r>
+            <a:endParaRPr lang="en-US" sz="1600" dirty="0">
               <a:solidFill>
                 <a:schemeClr val="accent1">
                   <a:lumMod val="25000"/>
                   <a:lumOff val="75000"/>
                 </a:schemeClr>
               </a:solidFill>
+              <a:latin typeface="Calibri" panose="020F0502020204030204" pitchFamily="34" charset="0"/>
+              <a:cs typeface="Calibri" panose="020F0502020204030204" pitchFamily="34" charset="0"/>
             </a:endParaRPr>
           </a:p>
           <a:p>
@@ -11073,6 +10465,8 @@
                     <a:lumOff val="25000"/>
                   </a:schemeClr>
                 </a:solidFill>
+                <a:latin typeface="Calibri" panose="020F0502020204030204" pitchFamily="34" charset="0"/>
+                <a:cs typeface="Calibri" panose="020F0502020204030204" pitchFamily="34" charset="0"/>
               </a:rPr>
               <a:t>Golden Plains</a:t>
             </a:r>
@@ -11090,6 +10484,8 @@
                     <a:lumOff val="25000"/>
                   </a:schemeClr>
                 </a:solidFill>
+                <a:latin typeface="Calibri" panose="020F0502020204030204" pitchFamily="34" charset="0"/>
+                <a:cs typeface="Calibri" panose="020F0502020204030204" pitchFamily="34" charset="0"/>
               </a:rPr>
               <a:t>Nilumbik</a:t>
             </a:r>
@@ -11100,6 +10496,8 @@
                   <a:lumOff val="25000"/>
                 </a:schemeClr>
               </a:solidFill>
+              <a:latin typeface="Calibri" panose="020F0502020204030204" pitchFamily="34" charset="0"/>
+              <a:cs typeface="Calibri" panose="020F0502020204030204" pitchFamily="34" charset="0"/>
             </a:endParaRPr>
           </a:p>
           <a:p>
@@ -11115,6 +10513,8 @@
                     <a:lumOff val="25000"/>
                   </a:schemeClr>
                 </a:solidFill>
+                <a:latin typeface="Calibri" panose="020F0502020204030204" pitchFamily="34" charset="0"/>
+                <a:cs typeface="Calibri" panose="020F0502020204030204" pitchFamily="34" charset="0"/>
               </a:rPr>
               <a:t>Towong</a:t>
             </a:r>
@@ -11136,6 +10536,632 @@
     <p:extLst>
       <p:ext uri="{BB962C8B-B14F-4D97-AF65-F5344CB8AC3E}">
         <p14:creationId xmlns:p14="http://schemas.microsoft.com/office/powerpoint/2010/main" val="1420332343"/>
+      </p:ext>
+    </p:extLst>
+  </p:cSld>
+  <p:clrMapOvr>
+    <a:masterClrMapping/>
+  </p:clrMapOvr>
+</p:sld>
+</file>
+
+<file path=ppt/slides/slide9.xml><?xml version="1.0" encoding="utf-8"?>
+<p:sld xmlns:a="http://schemas.openxmlformats.org/drawingml/2006/main" xmlns:r="http://schemas.openxmlformats.org/officeDocument/2006/relationships" xmlns:p="http://schemas.openxmlformats.org/presentationml/2006/main">
+  <p:cSld>
+    <p:spTree>
+      <p:nvGrpSpPr>
+        <p:cNvPr id="1" name=""/>
+        <p:cNvGrpSpPr/>
+        <p:nvPr/>
+      </p:nvGrpSpPr>
+      <p:grpSpPr>
+        <a:xfrm>
+          <a:off x="0" y="0"/>
+          <a:ext cx="0" cy="0"/>
+          <a:chOff x="0" y="0"/>
+          <a:chExt cx="0" cy="0"/>
+        </a:xfrm>
+      </p:grpSpPr>
+      <p:sp>
+        <p:nvSpPr>
+          <p:cNvPr id="2" name="Title 1"/>
+          <p:cNvSpPr>
+            <a:spLocks noGrp="1"/>
+          </p:cNvSpPr>
+          <p:nvPr>
+            <p:ph type="title"/>
+          </p:nvPr>
+        </p:nvSpPr>
+        <p:spPr/>
+        <p:txBody>
+          <a:bodyPr/>
+          <a:lstStyle/>
+          <a:p>
+            <a:r>
+              <a:rPr lang="en-US" dirty="0">
+                <a:latin typeface="Calibri" panose="020F0502020204030204" pitchFamily="34" charset="0"/>
+                <a:cs typeface="Calibri" panose="020F0502020204030204" pitchFamily="34" charset="0"/>
+              </a:rPr>
+              <a:t>CRIME INCIDENTS BY OFFENCE TYPES	</a:t>
+            </a:r>
+            <a:endParaRPr lang="en-AU" dirty="0">
+              <a:latin typeface="Calibri" panose="020F0502020204030204" pitchFamily="34" charset="0"/>
+              <a:cs typeface="Calibri" panose="020F0502020204030204" pitchFamily="34" charset="0"/>
+            </a:endParaRPr>
+          </a:p>
+        </p:txBody>
+      </p:sp>
+      <p:sp>
+        <p:nvSpPr>
+          <p:cNvPr id="3" name="Content Placeholder 2"/>
+          <p:cNvSpPr>
+            <a:spLocks noGrp="1"/>
+          </p:cNvSpPr>
+          <p:nvPr>
+            <p:ph idx="1"/>
+          </p:nvPr>
+        </p:nvSpPr>
+        <p:spPr>
+          <a:xfrm>
+            <a:off x="155575" y="4693920"/>
+            <a:ext cx="4344464" cy="1738583"/>
+          </a:xfrm>
+        </p:spPr>
+        <p:txBody>
+          <a:bodyPr>
+            <a:noAutofit/>
+          </a:bodyPr>
+          <a:lstStyle/>
+          <a:p>
+            <a:pPr marL="0" indent="0">
+              <a:buNone/>
+            </a:pPr>
+            <a:r>
+              <a:rPr lang="en-US" sz="1600" dirty="0">
+                <a:solidFill>
+                  <a:schemeClr val="accent2">
+                    <a:lumMod val="60000"/>
+                    <a:lumOff val="40000"/>
+                  </a:schemeClr>
+                </a:solidFill>
+                <a:latin typeface="Calibri" panose="020F0502020204030204" pitchFamily="34" charset="0"/>
+                <a:cs typeface="Calibri" panose="020F0502020204030204" pitchFamily="34" charset="0"/>
+              </a:rPr>
+              <a:t>2021 Data</a:t>
+            </a:r>
+            <a:br>
+              <a:rPr lang="en-US" sz="1600" dirty="0">
+                <a:solidFill>
+                  <a:schemeClr val="accent2">
+                    <a:lumMod val="60000"/>
+                    <a:lumOff val="40000"/>
+                  </a:schemeClr>
+                </a:solidFill>
+                <a:latin typeface="Calibri" panose="020F0502020204030204" pitchFamily="34" charset="0"/>
+                <a:cs typeface="Calibri" panose="020F0502020204030204" pitchFamily="34" charset="0"/>
+              </a:rPr>
+            </a:br>
+            <a:r>
+              <a:rPr lang="en-US" sz="1600" dirty="0">
+                <a:solidFill>
+                  <a:schemeClr val="tx1"/>
+                </a:solidFill>
+                <a:latin typeface="Calibri" panose="020F0502020204030204" pitchFamily="34" charset="0"/>
+                <a:cs typeface="Calibri" panose="020F0502020204030204" pitchFamily="34" charset="0"/>
+              </a:rPr>
+              <a:t>Property and Deception Offences: </a:t>
+            </a:r>
+            <a:r>
+              <a:rPr lang="en-US" sz="1600" dirty="0">
+                <a:solidFill>
+                  <a:schemeClr val="accent2">
+                    <a:lumMod val="60000"/>
+                    <a:lumOff val="40000"/>
+                  </a:schemeClr>
+                </a:solidFill>
+                <a:latin typeface="Calibri" panose="020F0502020204030204" pitchFamily="34" charset="0"/>
+                <a:cs typeface="Calibri" panose="020F0502020204030204" pitchFamily="34" charset="0"/>
+              </a:rPr>
+              <a:t>50.2 %</a:t>
+            </a:r>
+          </a:p>
+          <a:p>
+            <a:pPr marL="0" indent="0">
+              <a:buNone/>
+            </a:pPr>
+            <a:r>
+              <a:rPr lang="en-US" sz="1600" dirty="0">
+                <a:solidFill>
+                  <a:schemeClr val="accent2">
+                    <a:lumMod val="60000"/>
+                    <a:lumOff val="40000"/>
+                  </a:schemeClr>
+                </a:solidFill>
+                <a:latin typeface="Calibri" panose="020F0502020204030204" pitchFamily="34" charset="0"/>
+                <a:cs typeface="Calibri" panose="020F0502020204030204" pitchFamily="34" charset="0"/>
+              </a:rPr>
+              <a:t>Slight Decline </a:t>
+            </a:r>
+            <a:r>
+              <a:rPr lang="en-US" sz="1600" dirty="0">
+                <a:solidFill>
+                  <a:schemeClr val="tx1"/>
+                </a:solidFill>
+                <a:latin typeface="Calibri" panose="020F0502020204030204" pitchFamily="34" charset="0"/>
+                <a:cs typeface="Calibri" panose="020F0502020204030204" pitchFamily="34" charset="0"/>
+              </a:rPr>
+              <a:t>in Property and deception offences</a:t>
+            </a:r>
+          </a:p>
+          <a:p>
+            <a:pPr marL="0" indent="0">
+              <a:buNone/>
+            </a:pPr>
+            <a:r>
+              <a:rPr lang="en-US" sz="1600" dirty="0">
+                <a:solidFill>
+                  <a:schemeClr val="accent2">
+                    <a:lumMod val="60000"/>
+                    <a:lumOff val="40000"/>
+                  </a:schemeClr>
+                </a:solidFill>
+                <a:latin typeface="Calibri" panose="020F0502020204030204" pitchFamily="34" charset="0"/>
+                <a:cs typeface="Calibri" panose="020F0502020204030204" pitchFamily="34" charset="0"/>
+              </a:rPr>
+              <a:t>Increase </a:t>
+            </a:r>
+            <a:r>
+              <a:rPr lang="en-US" sz="1600" dirty="0">
+                <a:solidFill>
+                  <a:schemeClr val="tx1"/>
+                </a:solidFill>
+                <a:latin typeface="Calibri" panose="020F0502020204030204" pitchFamily="34" charset="0"/>
+                <a:cs typeface="Calibri" panose="020F0502020204030204" pitchFamily="34" charset="0"/>
+              </a:rPr>
+              <a:t>in Other Offences – including transport/government/miscellaneous offences</a:t>
+            </a:r>
+          </a:p>
+        </p:txBody>
+      </p:sp>
+      <p:sp>
+        <p:nvSpPr>
+          <p:cNvPr id="13" name="TextBox 12"/>
+          <p:cNvSpPr txBox="1"/>
+          <p:nvPr/>
+        </p:nvSpPr>
+        <p:spPr>
+          <a:xfrm>
+            <a:off x="16492540" y="5482816"/>
+            <a:ext cx="2952382" cy="369332"/>
+          </a:xfrm>
+          <a:prstGeom prst="rect">
+            <a:avLst/>
+          </a:prstGeom>
+          <a:noFill/>
+        </p:spPr>
+        <p:txBody>
+          <a:bodyPr wrap="square" rtlCol="0">
+            <a:spAutoFit/>
+          </a:bodyPr>
+          <a:lstStyle/>
+          <a:p>
+            <a:r>
+              <a:rPr lang="en-US" dirty="0"/>
+              <a:t>Gender: </a:t>
+            </a:r>
+            <a:endParaRPr lang="en-AU" dirty="0"/>
+          </a:p>
+        </p:txBody>
+      </p:sp>
+      <p:sp>
+        <p:nvSpPr>
+          <p:cNvPr id="5" name="TextBox 4"/>
+          <p:cNvSpPr txBox="1"/>
+          <p:nvPr/>
+        </p:nvSpPr>
+        <p:spPr>
+          <a:xfrm>
+            <a:off x="8460259" y="4011827"/>
+            <a:ext cx="2940909" cy="2512541"/>
+          </a:xfrm>
+          <a:prstGeom prst="rect">
+            <a:avLst/>
+          </a:prstGeom>
+          <a:noFill/>
+        </p:spPr>
+        <p:txBody>
+          <a:bodyPr wrap="square" rtlCol="0">
+            <a:spAutoFit/>
+          </a:bodyPr>
+          <a:lstStyle/>
+          <a:p>
+            <a:endParaRPr lang="en-AU" dirty="0"/>
+          </a:p>
+        </p:txBody>
+      </p:sp>
+      <p:sp>
+        <p:nvSpPr>
+          <p:cNvPr id="7" name="AutoShape 2" descr="Image result for silhouette young man"/>
+          <p:cNvSpPr>
+            <a:spLocks noChangeAspect="1" noChangeArrowheads="1"/>
+          </p:cNvSpPr>
+          <p:nvPr/>
+        </p:nvSpPr>
+        <p:spPr bwMode="auto">
+          <a:xfrm>
+            <a:off x="155575" y="-144463"/>
+            <a:ext cx="304800" cy="304801"/>
+          </a:xfrm>
+          <a:prstGeom prst="rect">
+            <a:avLst/>
+          </a:prstGeom>
+          <a:noFill/>
+          <a:extLst>
+            <a:ext uri="{909E8E84-426E-40DD-AFC4-6F175D3DCCD1}">
+              <a14:hiddenFill xmlns:a14="http://schemas.microsoft.com/office/drawing/2010/main">
+                <a:solidFill>
+                  <a:srgbClr val="FFFFFF"/>
+                </a:solidFill>
+              </a14:hiddenFill>
+            </a:ext>
+          </a:extLst>
+        </p:spPr>
+        <p:txBody>
+          <a:bodyPr vert="horz" wrap="square" lIns="91440" tIns="45720" rIns="91440" bIns="45720" numCol="1" anchor="t" anchorCtr="0" compatLnSpc="1">
+            <a:prstTxWarp prst="textNoShape">
+              <a:avLst/>
+            </a:prstTxWarp>
+          </a:bodyPr>
+          <a:lstStyle/>
+          <a:p>
+            <a:endParaRPr lang="en-AU"/>
+          </a:p>
+        </p:txBody>
+      </p:sp>
+      <p:sp>
+        <p:nvSpPr>
+          <p:cNvPr id="10" name="AutoShape 6" descr="Image result for silhouette young man"/>
+          <p:cNvSpPr>
+            <a:spLocks noChangeAspect="1" noChangeArrowheads="1"/>
+          </p:cNvSpPr>
+          <p:nvPr/>
+        </p:nvSpPr>
+        <p:spPr bwMode="auto">
+          <a:xfrm>
+            <a:off x="307975" y="7937"/>
+            <a:ext cx="304800" cy="304801"/>
+          </a:xfrm>
+          <a:prstGeom prst="rect">
+            <a:avLst/>
+          </a:prstGeom>
+          <a:noFill/>
+          <a:extLst>
+            <a:ext uri="{909E8E84-426E-40DD-AFC4-6F175D3DCCD1}">
+              <a14:hiddenFill xmlns:a14="http://schemas.microsoft.com/office/drawing/2010/main">
+                <a:solidFill>
+                  <a:srgbClr val="FFFFFF"/>
+                </a:solidFill>
+              </a14:hiddenFill>
+            </a:ext>
+          </a:extLst>
+        </p:spPr>
+        <p:txBody>
+          <a:bodyPr vert="horz" wrap="square" lIns="91440" tIns="45720" rIns="91440" bIns="45720" numCol="1" anchor="t" anchorCtr="0" compatLnSpc="1">
+            <a:prstTxWarp prst="textNoShape">
+              <a:avLst/>
+            </a:prstTxWarp>
+          </a:bodyPr>
+          <a:lstStyle/>
+          <a:p>
+            <a:endParaRPr lang="en-AU"/>
+          </a:p>
+        </p:txBody>
+      </p:sp>
+      <p:sp>
+        <p:nvSpPr>
+          <p:cNvPr id="11" name="AutoShape 8" descr="Image result for silhouette young man"/>
+          <p:cNvSpPr>
+            <a:spLocks noChangeAspect="1" noChangeArrowheads="1"/>
+          </p:cNvSpPr>
+          <p:nvPr/>
+        </p:nvSpPr>
+        <p:spPr bwMode="auto">
+          <a:xfrm>
+            <a:off x="460375" y="160337"/>
+            <a:ext cx="304800" cy="304801"/>
+          </a:xfrm>
+          <a:prstGeom prst="rect">
+            <a:avLst/>
+          </a:prstGeom>
+          <a:noFill/>
+          <a:extLst>
+            <a:ext uri="{909E8E84-426E-40DD-AFC4-6F175D3DCCD1}">
+              <a14:hiddenFill xmlns:a14="http://schemas.microsoft.com/office/drawing/2010/main">
+                <a:solidFill>
+                  <a:srgbClr val="FFFFFF"/>
+                </a:solidFill>
+              </a14:hiddenFill>
+            </a:ext>
+          </a:extLst>
+        </p:spPr>
+        <p:txBody>
+          <a:bodyPr vert="horz" wrap="square" lIns="91440" tIns="45720" rIns="91440" bIns="45720" numCol="1" anchor="t" anchorCtr="0" compatLnSpc="1">
+            <a:prstTxWarp prst="textNoShape">
+              <a:avLst/>
+            </a:prstTxWarp>
+          </a:bodyPr>
+          <a:lstStyle/>
+          <a:p>
+            <a:endParaRPr lang="en-AU"/>
+          </a:p>
+        </p:txBody>
+      </p:sp>
+      <p:sp>
+        <p:nvSpPr>
+          <p:cNvPr id="20" name="TextBox 19"/>
+          <p:cNvSpPr txBox="1"/>
+          <p:nvPr/>
+        </p:nvSpPr>
+        <p:spPr>
+          <a:xfrm>
+            <a:off x="307975" y="2004609"/>
+            <a:ext cx="3832983" cy="2585323"/>
+          </a:xfrm>
+          <a:prstGeom prst="rect">
+            <a:avLst/>
+          </a:prstGeom>
+          <a:noFill/>
+        </p:spPr>
+        <p:txBody>
+          <a:bodyPr wrap="square" rtlCol="0">
+            <a:spAutoFit/>
+          </a:bodyPr>
+          <a:lstStyle/>
+          <a:p>
+            <a:r>
+              <a:rPr lang="en-US" dirty="0">
+                <a:latin typeface="Calibri" panose="020F0502020204030204" pitchFamily="34" charset="0"/>
+                <a:cs typeface="Calibri" panose="020F0502020204030204" pitchFamily="34" charset="0"/>
+              </a:rPr>
+              <a:t>Most common Crime Incidents…</a:t>
+            </a:r>
+            <a:endParaRPr lang="en-US" dirty="0">
+              <a:solidFill>
+                <a:schemeClr val="accent1">
+                  <a:lumMod val="25000"/>
+                  <a:lumOff val="75000"/>
+                </a:schemeClr>
+              </a:solidFill>
+              <a:latin typeface="Calibri" panose="020F0502020204030204" pitchFamily="34" charset="0"/>
+              <a:cs typeface="Calibri" panose="020F0502020204030204" pitchFamily="34" charset="0"/>
+            </a:endParaRPr>
+          </a:p>
+          <a:p>
+            <a:pPr marL="285750" indent="-285750">
+              <a:buFont typeface="Arial" panose="020B0604020202020204" pitchFamily="34" charset="0"/>
+              <a:buChar char="•"/>
+            </a:pPr>
+            <a:r>
+              <a:rPr lang="en-US" dirty="0">
+                <a:solidFill>
+                  <a:schemeClr val="accent1">
+                    <a:lumMod val="75000"/>
+                    <a:lumOff val="25000"/>
+                  </a:schemeClr>
+                </a:solidFill>
+                <a:latin typeface="Calibri" panose="020F0502020204030204" pitchFamily="34" charset="0"/>
+                <a:cs typeface="Calibri" panose="020F0502020204030204" pitchFamily="34" charset="0"/>
+              </a:rPr>
+              <a:t>Crimes against the person</a:t>
+            </a:r>
+          </a:p>
+          <a:p>
+            <a:pPr marL="285750" indent="-285750">
+              <a:buFont typeface="Arial" panose="020B0604020202020204" pitchFamily="34" charset="0"/>
+              <a:buChar char="•"/>
+            </a:pPr>
+            <a:r>
+              <a:rPr lang="en-US" dirty="0">
+                <a:solidFill>
+                  <a:schemeClr val="accent1">
+                    <a:lumMod val="75000"/>
+                    <a:lumOff val="25000"/>
+                  </a:schemeClr>
+                </a:solidFill>
+                <a:latin typeface="Calibri" panose="020F0502020204030204" pitchFamily="34" charset="0"/>
+                <a:cs typeface="Calibri" panose="020F0502020204030204" pitchFamily="34" charset="0"/>
+              </a:rPr>
+              <a:t>Property and deception offences</a:t>
+            </a:r>
+          </a:p>
+          <a:p>
+            <a:pPr marL="285750" indent="-285750">
+              <a:buFont typeface="Arial" panose="020B0604020202020204" pitchFamily="34" charset="0"/>
+              <a:buChar char="•"/>
+            </a:pPr>
+            <a:r>
+              <a:rPr lang="en-US" dirty="0">
+                <a:solidFill>
+                  <a:schemeClr val="accent1">
+                    <a:lumMod val="75000"/>
+                    <a:lumOff val="25000"/>
+                  </a:schemeClr>
+                </a:solidFill>
+                <a:latin typeface="Calibri" panose="020F0502020204030204" pitchFamily="34" charset="0"/>
+                <a:cs typeface="Calibri" panose="020F0502020204030204" pitchFamily="34" charset="0"/>
+              </a:rPr>
+              <a:t>Drug offences</a:t>
+            </a:r>
+          </a:p>
+          <a:p>
+            <a:pPr marL="285750" indent="-285750">
+              <a:buFont typeface="Arial" panose="020B0604020202020204" pitchFamily="34" charset="0"/>
+              <a:buChar char="•"/>
+            </a:pPr>
+            <a:r>
+              <a:rPr lang="en-GB" dirty="0">
+                <a:solidFill>
+                  <a:schemeClr val="accent1">
+                    <a:lumMod val="75000"/>
+                    <a:lumOff val="25000"/>
+                  </a:schemeClr>
+                </a:solidFill>
+                <a:latin typeface="Calibri" panose="020F0502020204030204" pitchFamily="34" charset="0"/>
+                <a:cs typeface="Calibri" panose="020F0502020204030204" pitchFamily="34" charset="0"/>
+              </a:rPr>
+              <a:t>Public order and security offences</a:t>
+            </a:r>
+            <a:endParaRPr lang="en-US" dirty="0">
+              <a:solidFill>
+                <a:schemeClr val="accent1">
+                  <a:lumMod val="75000"/>
+                  <a:lumOff val="25000"/>
+                </a:schemeClr>
+              </a:solidFill>
+              <a:latin typeface="Calibri" panose="020F0502020204030204" pitchFamily="34" charset="0"/>
+              <a:cs typeface="Calibri" panose="020F0502020204030204" pitchFamily="34" charset="0"/>
+            </a:endParaRPr>
+          </a:p>
+          <a:p>
+            <a:pPr marL="285750" indent="-285750">
+              <a:buFont typeface="Arial" panose="020B0604020202020204" pitchFamily="34" charset="0"/>
+              <a:buChar char="•"/>
+            </a:pPr>
+            <a:r>
+              <a:rPr lang="en-US" dirty="0">
+                <a:solidFill>
+                  <a:schemeClr val="accent1">
+                    <a:lumMod val="75000"/>
+                    <a:lumOff val="25000"/>
+                  </a:schemeClr>
+                </a:solidFill>
+                <a:latin typeface="Calibri" panose="020F0502020204030204" pitchFamily="34" charset="0"/>
+                <a:cs typeface="Calibri" panose="020F0502020204030204" pitchFamily="34" charset="0"/>
+              </a:rPr>
+              <a:t>Justice procedures offences</a:t>
+            </a:r>
+          </a:p>
+          <a:p>
+            <a:pPr marL="285750" indent="-285750">
+              <a:buFont typeface="Arial" panose="020B0604020202020204" pitchFamily="34" charset="0"/>
+              <a:buChar char="•"/>
+            </a:pPr>
+            <a:r>
+              <a:rPr lang="en-US" dirty="0">
+                <a:solidFill>
+                  <a:schemeClr val="accent1">
+                    <a:lumMod val="75000"/>
+                    <a:lumOff val="25000"/>
+                  </a:schemeClr>
+                </a:solidFill>
+                <a:latin typeface="Calibri" panose="020F0502020204030204" pitchFamily="34" charset="0"/>
+                <a:cs typeface="Calibri" panose="020F0502020204030204" pitchFamily="34" charset="0"/>
+              </a:rPr>
+              <a:t>Other Offences	</a:t>
+            </a:r>
+          </a:p>
+          <a:p>
+            <a:pPr marL="285750" indent="-285750">
+              <a:buFont typeface="Arial" panose="020B0604020202020204" pitchFamily="34" charset="0"/>
+              <a:buChar char="•"/>
+            </a:pPr>
+            <a:endParaRPr lang="en-US" dirty="0"/>
+          </a:p>
+          <a:p>
+            <a:endParaRPr lang="en-AU" dirty="0"/>
+          </a:p>
+        </p:txBody>
+      </p:sp>
+      <p:sp>
+        <p:nvSpPr>
+          <p:cNvPr id="8" name="TextBox 7"/>
+          <p:cNvSpPr txBox="1"/>
+          <p:nvPr/>
+        </p:nvSpPr>
+        <p:spPr>
+          <a:xfrm>
+            <a:off x="3332480" y="4693920"/>
+            <a:ext cx="2245360" cy="1940560"/>
+          </a:xfrm>
+          <a:prstGeom prst="rect">
+            <a:avLst/>
+          </a:prstGeom>
+          <a:noFill/>
+        </p:spPr>
+        <p:txBody>
+          <a:bodyPr wrap="square" rtlCol="0">
+            <a:spAutoFit/>
+          </a:bodyPr>
+          <a:lstStyle/>
+          <a:p>
+            <a:endParaRPr lang="en-AU" dirty="0"/>
+          </a:p>
+        </p:txBody>
+      </p:sp>
+      <p:pic>
+        <p:nvPicPr>
+          <p:cNvPr id="9" name="Picture 8">
+            <a:extLst>
+              <a:ext uri="{FF2B5EF4-FFF2-40B4-BE49-F238E27FC236}">
+                <a16:creationId xmlns:a16="http://schemas.microsoft.com/office/drawing/2014/main" id="{93B22DF5-9061-450A-81E9-2DAC0249A1FB}"/>
+              </a:ext>
+            </a:extLst>
+          </p:cNvPr>
+          <p:cNvPicPr>
+            <a:picLocks noChangeAspect="1"/>
+          </p:cNvPicPr>
+          <p:nvPr/>
+        </p:nvPicPr>
+        <p:blipFill>
+          <a:blip r:embed="rId3"/>
+          <a:stretch>
+            <a:fillRect/>
+          </a:stretch>
+        </p:blipFill>
+        <p:spPr>
+          <a:xfrm>
+            <a:off x="5796116" y="2213982"/>
+            <a:ext cx="4509855" cy="2092449"/>
+          </a:xfrm>
+          <a:prstGeom prst="rect">
+            <a:avLst/>
+          </a:prstGeom>
+        </p:spPr>
+      </p:pic>
+      <p:pic>
+        <p:nvPicPr>
+          <p:cNvPr id="16" name="Picture 15">
+            <a:extLst>
+              <a:ext uri="{FF2B5EF4-FFF2-40B4-BE49-F238E27FC236}">
+                <a16:creationId xmlns:a16="http://schemas.microsoft.com/office/drawing/2014/main" id="{17198CF5-5F8D-4289-9AE6-5273624A65E3}"/>
+              </a:ext>
+            </a:extLst>
+          </p:cNvPr>
+          <p:cNvPicPr>
+            <a:picLocks noChangeAspect="1"/>
+          </p:cNvPicPr>
+          <p:nvPr/>
+        </p:nvPicPr>
+        <p:blipFill>
+          <a:blip r:embed="rId4"/>
+          <a:stretch>
+            <a:fillRect/>
+          </a:stretch>
+        </p:blipFill>
+        <p:spPr>
+          <a:xfrm>
+            <a:off x="5577840" y="4408142"/>
+            <a:ext cx="5563636" cy="2204524"/>
+          </a:xfrm>
+          <a:prstGeom prst="rect">
+            <a:avLst/>
+          </a:prstGeom>
+        </p:spPr>
+      </p:pic>
+    </p:spTree>
+    <p:extLst>
+      <p:ext uri="{BB962C8B-B14F-4D97-AF65-F5344CB8AC3E}">
+        <p14:creationId xmlns:p14="http://schemas.microsoft.com/office/powerpoint/2010/main" val="2696884258"/>
       </p:ext>
     </p:extLst>
   </p:cSld>

--- a/Project 2 Presentation.pptx
+++ b/Project 2 Presentation.pptx
@@ -5,21 +5,21 @@
     <p:sldMasterId id="2147483648" r:id="rId1"/>
   </p:sldMasterIdLst>
   <p:notesMasterIdLst>
-    <p:notesMasterId r:id="rId14"/>
+    <p:notesMasterId r:id="rId4"/>
   </p:notesMasterIdLst>
   <p:sldIdLst>
-    <p:sldId id="256" r:id="rId2"/>
-    <p:sldId id="283" r:id="rId3"/>
-    <p:sldId id="285" r:id="rId4"/>
-    <p:sldId id="286" r:id="rId5"/>
-    <p:sldId id="284" r:id="rId6"/>
-    <p:sldId id="287" r:id="rId7"/>
-    <p:sldId id="272" r:id="rId8"/>
-    <p:sldId id="266" r:id="rId9"/>
-    <p:sldId id="273" r:id="rId10"/>
-    <p:sldId id="274" r:id="rId11"/>
-    <p:sldId id="276" r:id="rId12"/>
-    <p:sldId id="282" r:id="rId13"/>
+    <p:sldId id="256" r:id="rId3"/>
+    <p:sldId id="283" r:id="rId5"/>
+    <p:sldId id="285" r:id="rId6"/>
+    <p:sldId id="286" r:id="rId7"/>
+    <p:sldId id="284" r:id="rId8"/>
+    <p:sldId id="287" r:id="rId9"/>
+    <p:sldId id="272" r:id="rId10"/>
+    <p:sldId id="266" r:id="rId11"/>
+    <p:sldId id="273" r:id="rId12"/>
+    <p:sldId id="274" r:id="rId13"/>
+    <p:sldId id="276" r:id="rId14"/>
+    <p:sldId id="282" r:id="rId15"/>
   </p:sldIdLst>
   <p:sldSz cx="12192000" cy="6858000"/>
   <p:notesSz cx="6858000" cy="9144000"/>
@@ -118,26 +118,12 @@
       </a:defRPr>
     </a:lvl9pPr>
   </p:defaultTextStyle>
-  <p:extLst>
-    <p:ext uri="{EFAFB233-063F-42B5-8137-9DF3F51BA10A}">
-      <p15:sldGuideLst xmlns:p15="http://schemas.microsoft.com/office/powerpoint/2012/main"/>
-    </p:ext>
-    <p:ext uri="{2D200454-40CA-4A62-9FC3-DE9A4176ACB9}">
-      <p15:notesGuideLst xmlns:p15="http://schemas.microsoft.com/office/powerpoint/2012/main"/>
-    </p:ext>
-  </p:extLst>
 </p:presentation>
 </file>
 
 <file path=ppt/commentAuthors.xml><?xml version="1.0" encoding="utf-8"?>
 <p:cmAuthorLst xmlns:a="http://schemas.openxmlformats.org/drawingml/2006/main" xmlns:r="http://schemas.openxmlformats.org/officeDocument/2006/relationships" xmlns:p="http://schemas.openxmlformats.org/presentationml/2006/main">
-  <p:cmAuthor id="1" name="Rosy Jolic" initials="RJ" lastIdx="3" clrIdx="0">
-    <p:extLst>
-      <p:ext uri="{19B8F6BF-5375-455C-9EA6-DF929625EA0E}">
-        <p15:presenceInfo xmlns:p15="http://schemas.microsoft.com/office/powerpoint/2012/main" userId="S-1-5-21-2123399481-3922744232-3379064061-1575" providerId="AD"/>
-      </p:ext>
-    </p:extLst>
-  </p:cmAuthor>
+  <p:cmAuthor id="1" name="Rosy Jolic" initials="RJ" lastIdx="3" clrIdx="0"/>
 </p:cmAuthorLst>
 </file>
 
@@ -148,117 +134,39 @@
   <dgm:catLst>
     <dgm:cat type="accent1" pri="11200"/>
   </dgm:catLst>
-  <dgm:styleLbl name="node0">
+  <dgm:styleLbl name="alignAcc1">
     <dgm:fillClrLst meth="repeat">
-      <a:schemeClr val="accent1"/>
-    </dgm:fillClrLst>
-    <dgm:linClrLst meth="repeat">
-      <a:schemeClr val="lt1"/>
-    </dgm:linClrLst>
-    <dgm:effectClrLst/>
-    <dgm:txLinClrLst/>
-    <dgm:txFillClrLst/>
-    <dgm:txEffectClrLst/>
-  </dgm:styleLbl>
-  <dgm:styleLbl name="alignNode1">
-    <dgm:fillClrLst meth="repeat">
-      <a:schemeClr val="accent1"/>
+      <a:schemeClr val="lt1">
+        <a:alpha val="90000"/>
+      </a:schemeClr>
     </dgm:fillClrLst>
     <dgm:linClrLst meth="repeat">
       <a:schemeClr val="accent1"/>
     </dgm:linClrLst>
     <dgm:effectClrLst/>
     <dgm:txLinClrLst/>
-    <dgm:txFillClrLst/>
+    <dgm:txFillClrLst meth="repeat">
+      <a:schemeClr val="dk1"/>
+    </dgm:txFillClrLst>
     <dgm:txEffectClrLst/>
   </dgm:styleLbl>
-  <dgm:styleLbl name="node1">
-    <dgm:fillClrLst meth="repeat">
-      <a:schemeClr val="accent1"/>
-    </dgm:fillClrLst>
-    <dgm:linClrLst meth="repeat">
-      <a:schemeClr val="lt1"/>
-    </dgm:linClrLst>
-    <dgm:effectClrLst/>
-    <dgm:txLinClrLst/>
-    <dgm:txFillClrLst/>
-    <dgm:txEffectClrLst/>
-  </dgm:styleLbl>
-  <dgm:styleLbl name="lnNode1">
-    <dgm:fillClrLst meth="repeat">
-      <a:schemeClr val="accent1"/>
-    </dgm:fillClrLst>
-    <dgm:linClrLst meth="repeat">
-      <a:schemeClr val="lt1"/>
-    </dgm:linClrLst>
-    <dgm:effectClrLst/>
-    <dgm:txLinClrLst/>
-    <dgm:txFillClrLst/>
-    <dgm:txEffectClrLst/>
-  </dgm:styleLbl>
-  <dgm:styleLbl name="vennNode1">
+  <dgm:styleLbl name="alignAccFollowNode1">
     <dgm:fillClrLst meth="repeat">
       <a:schemeClr val="accent1">
-        <a:alpha val="50000"/>
+        <a:alpha val="90000"/>
+        <a:tint val="40000"/>
       </a:schemeClr>
     </dgm:fillClrLst>
     <dgm:linClrLst meth="repeat">
-      <a:schemeClr val="lt1"/>
-    </dgm:linClrLst>
-    <dgm:effectClrLst/>
-    <dgm:txLinClrLst/>
-    <dgm:txFillClrLst/>
-    <dgm:txEffectClrLst/>
-  </dgm:styleLbl>
-  <dgm:styleLbl name="node2">
-    <dgm:fillClrLst meth="repeat">
-      <a:schemeClr val="accent1"/>
-    </dgm:fillClrLst>
-    <dgm:linClrLst meth="repeat">
-      <a:schemeClr val="lt1"/>
-    </dgm:linClrLst>
-    <dgm:effectClrLst/>
-    <dgm:txLinClrLst/>
-    <dgm:txFillClrLst/>
-    <dgm:txEffectClrLst/>
-  </dgm:styleLbl>
-  <dgm:styleLbl name="node3">
-    <dgm:fillClrLst meth="repeat">
-      <a:schemeClr val="accent1"/>
-    </dgm:fillClrLst>
-    <dgm:linClrLst meth="repeat">
-      <a:schemeClr val="lt1"/>
-    </dgm:linClrLst>
-    <dgm:effectClrLst/>
-    <dgm:txLinClrLst/>
-    <dgm:txFillClrLst/>
-    <dgm:txEffectClrLst/>
-  </dgm:styleLbl>
-  <dgm:styleLbl name="node4">
-    <dgm:fillClrLst meth="repeat">
-      <a:schemeClr val="accent1"/>
-    </dgm:fillClrLst>
-    <dgm:linClrLst meth="repeat">
-      <a:schemeClr val="lt1"/>
-    </dgm:linClrLst>
-    <dgm:effectClrLst/>
-    <dgm:txLinClrLst/>
-    <dgm:txFillClrLst/>
-    <dgm:txEffectClrLst/>
-  </dgm:styleLbl>
-  <dgm:styleLbl name="fgImgPlace1">
-    <dgm:fillClrLst meth="repeat">
       <a:schemeClr val="accent1">
-        <a:tint val="50000"/>
+        <a:alpha val="90000"/>
+        <a:tint val="40000"/>
       </a:schemeClr>
-    </dgm:fillClrLst>
-    <dgm:linClrLst meth="repeat">
-      <a:schemeClr val="lt1"/>
     </dgm:linClrLst>
     <dgm:effectClrLst/>
     <dgm:txLinClrLst/>
     <dgm:txFillClrLst meth="repeat">
-      <a:schemeClr val="lt1"/>
+      <a:schemeClr val="dk1"/>
     </dgm:txFillClrLst>
     <dgm:txEffectClrLst/>
   </dgm:styleLbl>
@@ -278,71 +186,7 @@
     </dgm:txFillClrLst>
     <dgm:txEffectClrLst/>
   </dgm:styleLbl>
-  <dgm:styleLbl name="bgImgPlace1">
-    <dgm:fillClrLst meth="repeat">
-      <a:schemeClr val="accent1">
-        <a:tint val="50000"/>
-      </a:schemeClr>
-    </dgm:fillClrLst>
-    <dgm:linClrLst meth="repeat">
-      <a:schemeClr val="lt1"/>
-    </dgm:linClrLst>
-    <dgm:effectClrLst/>
-    <dgm:txLinClrLst/>
-    <dgm:txFillClrLst meth="repeat">
-      <a:schemeClr val="lt1"/>
-    </dgm:txFillClrLst>
-    <dgm:txEffectClrLst/>
-  </dgm:styleLbl>
-  <dgm:styleLbl name="sibTrans2D1">
-    <dgm:fillClrLst meth="repeat">
-      <a:schemeClr val="accent1">
-        <a:tint val="60000"/>
-      </a:schemeClr>
-    </dgm:fillClrLst>
-    <dgm:linClrLst meth="repeat">
-      <a:schemeClr val="accent1">
-        <a:tint val="60000"/>
-      </a:schemeClr>
-    </dgm:linClrLst>
-    <dgm:effectClrLst/>
-    <dgm:txLinClrLst/>
-    <dgm:txFillClrLst/>
-    <dgm:txEffectClrLst/>
-  </dgm:styleLbl>
-  <dgm:styleLbl name="fgSibTrans2D1">
-    <dgm:fillClrLst meth="repeat">
-      <a:schemeClr val="accent1">
-        <a:tint val="60000"/>
-      </a:schemeClr>
-    </dgm:fillClrLst>
-    <dgm:linClrLst meth="repeat">
-      <a:schemeClr val="accent1">
-        <a:tint val="60000"/>
-      </a:schemeClr>
-    </dgm:linClrLst>
-    <dgm:effectClrLst/>
-    <dgm:txLinClrLst/>
-    <dgm:txFillClrLst/>
-    <dgm:txEffectClrLst/>
-  </dgm:styleLbl>
-  <dgm:styleLbl name="bgSibTrans2D1">
-    <dgm:fillClrLst meth="repeat">
-      <a:schemeClr val="accent1">
-        <a:tint val="60000"/>
-      </a:schemeClr>
-    </dgm:fillClrLst>
-    <dgm:linClrLst meth="repeat">
-      <a:schemeClr val="accent1">
-        <a:tint val="60000"/>
-      </a:schemeClr>
-    </dgm:linClrLst>
-    <dgm:effectClrLst/>
-    <dgm:txLinClrLst/>
-    <dgm:txFillClrLst/>
-    <dgm:txEffectClrLst/>
-  </dgm:styleLbl>
-  <dgm:styleLbl name="sibTrans1D1">
+  <dgm:styleLbl name="alignNode1">
     <dgm:fillClrLst meth="repeat">
       <a:schemeClr val="accent1"/>
     </dgm:fillClrLst>
@@ -351,25 +195,7 @@
     </dgm:linClrLst>
     <dgm:effectClrLst/>
     <dgm:txLinClrLst/>
-    <dgm:txFillClrLst meth="repeat">
-      <a:schemeClr val="tx1"/>
-    </dgm:txFillClrLst>
-    <dgm:txEffectClrLst/>
-  </dgm:styleLbl>
-  <dgm:styleLbl name="callout">
-    <dgm:fillClrLst meth="repeat">
-      <a:schemeClr val="accent1"/>
-    </dgm:fillClrLst>
-    <dgm:linClrLst meth="repeat">
-      <a:schemeClr val="accent1">
-        <a:tint val="50000"/>
-      </a:schemeClr>
-    </dgm:linClrLst>
-    <dgm:effectClrLst/>
-    <dgm:txLinClrLst/>
-    <dgm:txFillClrLst meth="repeat">
-      <a:schemeClr val="tx1"/>
-    </dgm:txFillClrLst>
+    <dgm:txFillClrLst/>
     <dgm:txEffectClrLst/>
   </dgm:styleLbl>
   <dgm:styleLbl name="asst0">
@@ -432,7 +258,75 @@
     <dgm:txFillClrLst/>
     <dgm:txEffectClrLst/>
   </dgm:styleLbl>
-  <dgm:styleLbl name="parChTrans2D1">
+  <dgm:styleLbl name="bgAcc1">
+    <dgm:fillClrLst meth="repeat">
+      <a:schemeClr val="lt1">
+        <a:alpha val="90000"/>
+      </a:schemeClr>
+    </dgm:fillClrLst>
+    <dgm:linClrLst meth="repeat">
+      <a:schemeClr val="accent1"/>
+    </dgm:linClrLst>
+    <dgm:effectClrLst/>
+    <dgm:txLinClrLst/>
+    <dgm:txFillClrLst meth="repeat">
+      <a:schemeClr val="dk1"/>
+    </dgm:txFillClrLst>
+    <dgm:txEffectClrLst/>
+  </dgm:styleLbl>
+  <dgm:styleLbl name="bgAccFollowNode1">
+    <dgm:fillClrLst meth="repeat">
+      <a:schemeClr val="accent1">
+        <a:alpha val="90000"/>
+        <a:tint val="40000"/>
+      </a:schemeClr>
+    </dgm:fillClrLst>
+    <dgm:linClrLst meth="repeat">
+      <a:schemeClr val="accent1">
+        <a:alpha val="90000"/>
+        <a:tint val="40000"/>
+      </a:schemeClr>
+    </dgm:linClrLst>
+    <dgm:effectClrLst/>
+    <dgm:txLinClrLst/>
+    <dgm:txFillClrLst meth="repeat">
+      <a:schemeClr val="dk1"/>
+    </dgm:txFillClrLst>
+    <dgm:txEffectClrLst/>
+  </dgm:styleLbl>
+  <dgm:styleLbl name="bgImgPlace1">
+    <dgm:fillClrLst meth="repeat">
+      <a:schemeClr val="accent1">
+        <a:tint val="50000"/>
+      </a:schemeClr>
+    </dgm:fillClrLst>
+    <dgm:linClrLst meth="repeat">
+      <a:schemeClr val="lt1"/>
+    </dgm:linClrLst>
+    <dgm:effectClrLst/>
+    <dgm:txLinClrLst/>
+    <dgm:txFillClrLst meth="repeat">
+      <a:schemeClr val="lt1"/>
+    </dgm:txFillClrLst>
+    <dgm:txEffectClrLst/>
+  </dgm:styleLbl>
+  <dgm:styleLbl name="bgShp">
+    <dgm:fillClrLst meth="repeat">
+      <a:schemeClr val="accent1">
+        <a:tint val="40000"/>
+      </a:schemeClr>
+    </dgm:fillClrLst>
+    <dgm:linClrLst meth="repeat">
+      <a:schemeClr val="accent1"/>
+    </dgm:linClrLst>
+    <dgm:effectClrLst/>
+    <dgm:txLinClrLst/>
+    <dgm:txFillClrLst meth="repeat">
+      <a:schemeClr val="dk1"/>
+    </dgm:txFillClrLst>
+    <dgm:txEffectClrLst/>
+  </dgm:styleLbl>
+  <dgm:styleLbl name="bgSibTrans2D1">
     <dgm:fillClrLst meth="repeat">
       <a:schemeClr val="accent1">
         <a:tint val="60000"/>
@@ -445,14 +339,46 @@
     </dgm:linClrLst>
     <dgm:effectClrLst/>
     <dgm:txLinClrLst/>
+    <dgm:txFillClrLst/>
+    <dgm:txEffectClrLst/>
+  </dgm:styleLbl>
+  <dgm:styleLbl name="callout">
+    <dgm:fillClrLst meth="repeat">
+      <a:schemeClr val="accent1"/>
+    </dgm:fillClrLst>
+    <dgm:linClrLst meth="repeat">
+      <a:schemeClr val="accent1">
+        <a:tint val="50000"/>
+      </a:schemeClr>
+    </dgm:linClrLst>
+    <dgm:effectClrLst/>
+    <dgm:txLinClrLst/>
     <dgm:txFillClrLst meth="repeat">
-      <a:schemeClr val="lt1"/>
+      <a:schemeClr val="tx1"/>
     </dgm:txFillClrLst>
     <dgm:txEffectClrLst/>
   </dgm:styleLbl>
-  <dgm:styleLbl name="parChTrans2D2">
+  <dgm:styleLbl name="conFgAcc1">
     <dgm:fillClrLst meth="repeat">
+      <a:schemeClr val="lt1">
+        <a:alpha val="90000"/>
+      </a:schemeClr>
+    </dgm:fillClrLst>
+    <dgm:linClrLst meth="repeat">
       <a:schemeClr val="accent1"/>
+    </dgm:linClrLst>
+    <dgm:effectClrLst/>
+    <dgm:txLinClrLst/>
+    <dgm:txFillClrLst meth="repeat">
+      <a:schemeClr val="dk1"/>
+    </dgm:txFillClrLst>
+    <dgm:txEffectClrLst/>
+  </dgm:styleLbl>
+  <dgm:styleLbl name="dkBgShp">
+    <dgm:fillClrLst meth="repeat">
+      <a:schemeClr val="accent1">
+        <a:shade val="80000"/>
+      </a:schemeClr>
     </dgm:fillClrLst>
     <dgm:linClrLst meth="repeat">
       <a:schemeClr val="accent1"/>
@@ -464,12 +390,114 @@
     </dgm:txFillClrLst>
     <dgm:txEffectClrLst/>
   </dgm:styleLbl>
-  <dgm:styleLbl name="parChTrans2D3">
+  <dgm:styleLbl name="fgAcc0">
     <dgm:fillClrLst meth="repeat">
-      <a:schemeClr val="accent1"/>
+      <a:schemeClr val="lt1">
+        <a:alpha val="90000"/>
+      </a:schemeClr>
     </dgm:fillClrLst>
     <dgm:linClrLst meth="repeat">
       <a:schemeClr val="accent1"/>
+    </dgm:linClrLst>
+    <dgm:effectClrLst/>
+    <dgm:txLinClrLst/>
+    <dgm:txFillClrLst meth="repeat">
+      <a:schemeClr val="dk1"/>
+    </dgm:txFillClrLst>
+    <dgm:txEffectClrLst/>
+  </dgm:styleLbl>
+  <dgm:styleLbl name="fgAcc1">
+    <dgm:fillClrLst meth="repeat">
+      <a:schemeClr val="lt1">
+        <a:alpha val="90000"/>
+      </a:schemeClr>
+    </dgm:fillClrLst>
+    <dgm:linClrLst meth="repeat">
+      <a:schemeClr val="accent1"/>
+    </dgm:linClrLst>
+    <dgm:effectClrLst/>
+    <dgm:txLinClrLst/>
+    <dgm:txFillClrLst meth="repeat">
+      <a:schemeClr val="dk1"/>
+    </dgm:txFillClrLst>
+    <dgm:txEffectClrLst/>
+  </dgm:styleLbl>
+  <dgm:styleLbl name="fgAcc2">
+    <dgm:fillClrLst meth="repeat">
+      <a:schemeClr val="lt1">
+        <a:alpha val="90000"/>
+      </a:schemeClr>
+    </dgm:fillClrLst>
+    <dgm:linClrLst meth="repeat">
+      <a:schemeClr val="accent1"/>
+    </dgm:linClrLst>
+    <dgm:effectClrLst/>
+    <dgm:txLinClrLst/>
+    <dgm:txFillClrLst meth="repeat">
+      <a:schemeClr val="dk1"/>
+    </dgm:txFillClrLst>
+    <dgm:txEffectClrLst/>
+  </dgm:styleLbl>
+  <dgm:styleLbl name="fgAcc3">
+    <dgm:fillClrLst meth="repeat">
+      <a:schemeClr val="lt1">
+        <a:alpha val="90000"/>
+      </a:schemeClr>
+    </dgm:fillClrLst>
+    <dgm:linClrLst meth="repeat">
+      <a:schemeClr val="accent1"/>
+    </dgm:linClrLst>
+    <dgm:effectClrLst/>
+    <dgm:txLinClrLst/>
+    <dgm:txFillClrLst meth="repeat">
+      <a:schemeClr val="dk1"/>
+    </dgm:txFillClrLst>
+    <dgm:txEffectClrLst/>
+  </dgm:styleLbl>
+  <dgm:styleLbl name="fgAcc4">
+    <dgm:fillClrLst meth="repeat">
+      <a:schemeClr val="lt1">
+        <a:alpha val="90000"/>
+      </a:schemeClr>
+    </dgm:fillClrLst>
+    <dgm:linClrLst meth="repeat">
+      <a:schemeClr val="accent1"/>
+    </dgm:linClrLst>
+    <dgm:effectClrLst/>
+    <dgm:txLinClrLst/>
+    <dgm:txFillClrLst meth="repeat">
+      <a:schemeClr val="dk1"/>
+    </dgm:txFillClrLst>
+    <dgm:txEffectClrLst/>
+  </dgm:styleLbl>
+  <dgm:styleLbl name="fgAccFollowNode1">
+    <dgm:fillClrLst meth="repeat">
+      <a:schemeClr val="accent1">
+        <a:alpha val="90000"/>
+        <a:tint val="40000"/>
+      </a:schemeClr>
+    </dgm:fillClrLst>
+    <dgm:linClrLst meth="repeat">
+      <a:schemeClr val="accent1">
+        <a:alpha val="90000"/>
+        <a:tint val="40000"/>
+      </a:schemeClr>
+    </dgm:linClrLst>
+    <dgm:effectClrLst/>
+    <dgm:txLinClrLst/>
+    <dgm:txFillClrLst meth="repeat">
+      <a:schemeClr val="dk1"/>
+    </dgm:txFillClrLst>
+    <dgm:txEffectClrLst/>
+  </dgm:styleLbl>
+  <dgm:styleLbl name="fgImgPlace1">
+    <dgm:fillClrLst meth="repeat">
+      <a:schemeClr val="accent1">
+        <a:tint val="50000"/>
+      </a:schemeClr>
+    </dgm:fillClrLst>
+    <dgm:linClrLst meth="repeat">
+      <a:schemeClr val="lt1"/>
     </dgm:linClrLst>
     <dgm:effectClrLst/>
     <dgm:txLinClrLst/>
@@ -478,18 +506,108 @@
     </dgm:txFillClrLst>
     <dgm:txEffectClrLst/>
   </dgm:styleLbl>
-  <dgm:styleLbl name="parChTrans2D4">
+  <dgm:styleLbl name="fgShp">
+    <dgm:fillClrLst meth="repeat">
+      <a:schemeClr val="accent1">
+        <a:tint val="60000"/>
+      </a:schemeClr>
+    </dgm:fillClrLst>
+    <dgm:linClrLst meth="repeat">
+      <a:schemeClr val="lt1"/>
+    </dgm:linClrLst>
+    <dgm:effectClrLst/>
+    <dgm:txLinClrLst/>
+    <dgm:txFillClrLst meth="repeat">
+      <a:schemeClr val="dk1"/>
+    </dgm:txFillClrLst>
+    <dgm:txEffectClrLst/>
+  </dgm:styleLbl>
+  <dgm:styleLbl name="fgSibTrans2D1">
+    <dgm:fillClrLst meth="repeat">
+      <a:schemeClr val="accent1">
+        <a:tint val="60000"/>
+      </a:schemeClr>
+    </dgm:fillClrLst>
+    <dgm:linClrLst meth="repeat">
+      <a:schemeClr val="accent1">
+        <a:tint val="60000"/>
+      </a:schemeClr>
+    </dgm:linClrLst>
+    <dgm:effectClrLst/>
+    <dgm:txLinClrLst/>
+    <dgm:txFillClrLst/>
+    <dgm:txEffectClrLst/>
+  </dgm:styleLbl>
+  <dgm:styleLbl name="lnNode1">
     <dgm:fillClrLst meth="repeat">
       <a:schemeClr val="accent1"/>
     </dgm:fillClrLst>
     <dgm:linClrLst meth="repeat">
-      <a:schemeClr val="accent1"/>
+      <a:schemeClr val="lt1"/>
     </dgm:linClrLst>
     <dgm:effectClrLst/>
     <dgm:txLinClrLst/>
-    <dgm:txFillClrLst meth="repeat">
+    <dgm:txFillClrLst/>
+    <dgm:txEffectClrLst/>
+  </dgm:styleLbl>
+  <dgm:styleLbl name="node0">
+    <dgm:fillClrLst meth="repeat">
+      <a:schemeClr val="accent1"/>
+    </dgm:fillClrLst>
+    <dgm:linClrLst meth="repeat">
       <a:schemeClr val="lt1"/>
-    </dgm:txFillClrLst>
+    </dgm:linClrLst>
+    <dgm:effectClrLst/>
+    <dgm:txLinClrLst/>
+    <dgm:txFillClrLst/>
+    <dgm:txEffectClrLst/>
+  </dgm:styleLbl>
+  <dgm:styleLbl name="node1">
+    <dgm:fillClrLst meth="repeat">
+      <a:schemeClr val="accent1"/>
+    </dgm:fillClrLst>
+    <dgm:linClrLst meth="repeat">
+      <a:schemeClr val="lt1"/>
+    </dgm:linClrLst>
+    <dgm:effectClrLst/>
+    <dgm:txLinClrLst/>
+    <dgm:txFillClrLst/>
+    <dgm:txEffectClrLst/>
+  </dgm:styleLbl>
+  <dgm:styleLbl name="node2">
+    <dgm:fillClrLst meth="repeat">
+      <a:schemeClr val="accent1"/>
+    </dgm:fillClrLst>
+    <dgm:linClrLst meth="repeat">
+      <a:schemeClr val="lt1"/>
+    </dgm:linClrLst>
+    <dgm:effectClrLst/>
+    <dgm:txLinClrLst/>
+    <dgm:txFillClrLst/>
+    <dgm:txEffectClrLst/>
+  </dgm:styleLbl>
+  <dgm:styleLbl name="node3">
+    <dgm:fillClrLst meth="repeat">
+      <a:schemeClr val="accent1"/>
+    </dgm:fillClrLst>
+    <dgm:linClrLst meth="repeat">
+      <a:schemeClr val="lt1"/>
+    </dgm:linClrLst>
+    <dgm:effectClrLst/>
+    <dgm:txLinClrLst/>
+    <dgm:txFillClrLst/>
+    <dgm:txEffectClrLst/>
+  </dgm:styleLbl>
+  <dgm:styleLbl name="node4">
+    <dgm:fillClrLst meth="repeat">
+      <a:schemeClr val="accent1"/>
+    </dgm:fillClrLst>
+    <dgm:linClrLst meth="repeat">
+      <a:schemeClr val="lt1"/>
+    </dgm:linClrLst>
+    <dgm:effectClrLst/>
+    <dgm:txLinClrLst/>
+    <dgm:txFillClrLst/>
     <dgm:txEffectClrLst/>
   </dgm:styleLbl>
   <dgm:styleLbl name="parChTrans1D1">
@@ -556,11 +674,27 @@
     </dgm:txFillClrLst>
     <dgm:txEffectClrLst/>
   </dgm:styleLbl>
-  <dgm:styleLbl name="fgAcc1">
+  <dgm:styleLbl name="parChTrans2D1">
     <dgm:fillClrLst meth="repeat">
-      <a:schemeClr val="lt1">
-        <a:alpha val="90000"/>
+      <a:schemeClr val="accent1">
+        <a:tint val="60000"/>
       </a:schemeClr>
+    </dgm:fillClrLst>
+    <dgm:linClrLst meth="repeat">
+      <a:schemeClr val="accent1">
+        <a:tint val="60000"/>
+      </a:schemeClr>
+    </dgm:linClrLst>
+    <dgm:effectClrLst/>
+    <dgm:txLinClrLst/>
+    <dgm:txFillClrLst meth="repeat">
+      <a:schemeClr val="lt1"/>
+    </dgm:txFillClrLst>
+    <dgm:txEffectClrLst/>
+  </dgm:styleLbl>
+  <dgm:styleLbl name="parChTrans2D2">
+    <dgm:fillClrLst meth="repeat">
+      <a:schemeClr val="accent1"/>
     </dgm:fillClrLst>
     <dgm:linClrLst meth="repeat">
       <a:schemeClr val="accent1"/>
@@ -568,15 +702,13 @@
     <dgm:effectClrLst/>
     <dgm:txLinClrLst/>
     <dgm:txFillClrLst meth="repeat">
-      <a:schemeClr val="dk1"/>
+      <a:schemeClr val="lt1"/>
     </dgm:txFillClrLst>
     <dgm:txEffectClrLst/>
   </dgm:styleLbl>
-  <dgm:styleLbl name="conFgAcc1">
+  <dgm:styleLbl name="parChTrans2D3">
     <dgm:fillClrLst meth="repeat">
-      <a:schemeClr val="lt1">
-        <a:alpha val="90000"/>
-      </a:schemeClr>
+      <a:schemeClr val="accent1"/>
     </dgm:fillClrLst>
     <dgm:linClrLst meth="repeat">
       <a:schemeClr val="accent1"/>
@@ -584,15 +716,13 @@
     <dgm:effectClrLst/>
     <dgm:txLinClrLst/>
     <dgm:txFillClrLst meth="repeat">
-      <a:schemeClr val="dk1"/>
+      <a:schemeClr val="lt1"/>
     </dgm:txFillClrLst>
     <dgm:txEffectClrLst/>
   </dgm:styleLbl>
-  <dgm:styleLbl name="alignAcc1">
+  <dgm:styleLbl name="parChTrans2D4">
     <dgm:fillClrLst meth="repeat">
-      <a:schemeClr val="lt1">
-        <a:alpha val="90000"/>
-      </a:schemeClr>
+      <a:schemeClr val="accent1"/>
     </dgm:fillClrLst>
     <dgm:linClrLst meth="repeat">
       <a:schemeClr val="accent1"/>
@@ -600,15 +730,31 @@
     <dgm:effectClrLst/>
     <dgm:txLinClrLst/>
     <dgm:txFillClrLst meth="repeat">
-      <a:schemeClr val="dk1"/>
+      <a:schemeClr val="lt1"/>
     </dgm:txFillClrLst>
     <dgm:txEffectClrLst/>
   </dgm:styleLbl>
-  <dgm:styleLbl name="trAlignAcc1">
+  <dgm:styleLbl name="revTx">
     <dgm:fillClrLst meth="repeat">
       <a:schemeClr val="lt1">
-        <a:alpha val="40000"/>
+        <a:alpha val="0"/>
       </a:schemeClr>
+    </dgm:fillClrLst>
+    <dgm:linClrLst meth="repeat">
+      <a:schemeClr val="dk1">
+        <a:alpha val="0"/>
+      </a:schemeClr>
+    </dgm:linClrLst>
+    <dgm:effectClrLst/>
+    <dgm:txLinClrLst/>
+    <dgm:txFillClrLst meth="repeat">
+      <a:schemeClr val="tx1"/>
+    </dgm:txFillClrLst>
+    <dgm:txEffectClrLst/>
+  </dgm:styleLbl>
+  <dgm:styleLbl name="sibTrans1D1">
+    <dgm:fillClrLst meth="repeat">
+      <a:schemeClr val="accent1"/>
     </dgm:fillClrLst>
     <dgm:linClrLst meth="repeat">
       <a:schemeClr val="accent1"/>
@@ -616,38 +762,24 @@
     <dgm:effectClrLst/>
     <dgm:txLinClrLst/>
     <dgm:txFillClrLst meth="repeat">
-      <a:schemeClr val="dk1"/>
+      <a:schemeClr val="tx1"/>
     </dgm:txFillClrLst>
     <dgm:txEffectClrLst/>
   </dgm:styleLbl>
-  <dgm:styleLbl name="bgAcc1">
+  <dgm:styleLbl name="sibTrans2D1">
     <dgm:fillClrLst meth="repeat">
-      <a:schemeClr val="lt1">
-        <a:alpha val="90000"/>
+      <a:schemeClr val="accent1">
+        <a:tint val="60000"/>
       </a:schemeClr>
     </dgm:fillClrLst>
     <dgm:linClrLst meth="repeat">
-      <a:schemeClr val="accent1"/>
+      <a:schemeClr val="accent1">
+        <a:tint val="60000"/>
+      </a:schemeClr>
     </dgm:linClrLst>
     <dgm:effectClrLst/>
     <dgm:txLinClrLst/>
-    <dgm:txFillClrLst meth="repeat">
-      <a:schemeClr val="dk1"/>
-    </dgm:txFillClrLst>
-    <dgm:txEffectClrLst/>
-  </dgm:styleLbl>
-  <dgm:styleLbl name="solidFgAcc1">
-    <dgm:fillClrLst meth="repeat">
-      <a:schemeClr val="lt1"/>
-    </dgm:fillClrLst>
-    <dgm:linClrLst meth="repeat">
-      <a:schemeClr val="accent1"/>
-    </dgm:linClrLst>
-    <dgm:effectClrLst/>
-    <dgm:txLinClrLst/>
-    <dgm:txFillClrLst meth="repeat">
-      <a:schemeClr val="dk1"/>
-    </dgm:txFillClrLst>
+    <dgm:txFillClrLst/>
     <dgm:txEffectClrLst/>
   </dgm:styleLbl>
   <dgm:styleLbl name="solidAlignAcc1">
@@ -678,71 +810,9 @@
     </dgm:txFillClrLst>
     <dgm:txEffectClrLst/>
   </dgm:styleLbl>
-  <dgm:styleLbl name="fgAccFollowNode1">
+  <dgm:styleLbl name="solidFgAcc1">
     <dgm:fillClrLst meth="repeat">
-      <a:schemeClr val="accent1">
-        <a:alpha val="90000"/>
-        <a:tint val="40000"/>
-      </a:schemeClr>
-    </dgm:fillClrLst>
-    <dgm:linClrLst meth="repeat">
-      <a:schemeClr val="accent1">
-        <a:alpha val="90000"/>
-        <a:tint val="40000"/>
-      </a:schemeClr>
-    </dgm:linClrLst>
-    <dgm:effectClrLst/>
-    <dgm:txLinClrLst/>
-    <dgm:txFillClrLst meth="repeat">
-      <a:schemeClr val="dk1"/>
-    </dgm:txFillClrLst>
-    <dgm:txEffectClrLst/>
-  </dgm:styleLbl>
-  <dgm:styleLbl name="alignAccFollowNode1">
-    <dgm:fillClrLst meth="repeat">
-      <a:schemeClr val="accent1">
-        <a:alpha val="90000"/>
-        <a:tint val="40000"/>
-      </a:schemeClr>
-    </dgm:fillClrLst>
-    <dgm:linClrLst meth="repeat">
-      <a:schemeClr val="accent1">
-        <a:alpha val="90000"/>
-        <a:tint val="40000"/>
-      </a:schemeClr>
-    </dgm:linClrLst>
-    <dgm:effectClrLst/>
-    <dgm:txLinClrLst/>
-    <dgm:txFillClrLst meth="repeat">
-      <a:schemeClr val="dk1"/>
-    </dgm:txFillClrLst>
-    <dgm:txEffectClrLst/>
-  </dgm:styleLbl>
-  <dgm:styleLbl name="bgAccFollowNode1">
-    <dgm:fillClrLst meth="repeat">
-      <a:schemeClr val="accent1">
-        <a:alpha val="90000"/>
-        <a:tint val="40000"/>
-      </a:schemeClr>
-    </dgm:fillClrLst>
-    <dgm:linClrLst meth="repeat">
-      <a:schemeClr val="accent1">
-        <a:alpha val="90000"/>
-        <a:tint val="40000"/>
-      </a:schemeClr>
-    </dgm:linClrLst>
-    <dgm:effectClrLst/>
-    <dgm:txLinClrLst/>
-    <dgm:txFillClrLst meth="repeat">
-      <a:schemeClr val="dk1"/>
-    </dgm:txFillClrLst>
-    <dgm:txEffectClrLst/>
-  </dgm:styleLbl>
-  <dgm:styleLbl name="fgAcc0">
-    <dgm:fillClrLst meth="repeat">
-      <a:schemeClr val="lt1">
-        <a:alpha val="90000"/>
-      </a:schemeClr>
+      <a:schemeClr val="lt1"/>
     </dgm:fillClrLst>
     <dgm:linClrLst meth="repeat">
       <a:schemeClr val="accent1"/>
@@ -754,10 +824,10 @@
     </dgm:txFillClrLst>
     <dgm:txEffectClrLst/>
   </dgm:styleLbl>
-  <dgm:styleLbl name="fgAcc2">
+  <dgm:styleLbl name="trAlignAcc1">
     <dgm:fillClrLst meth="repeat">
       <a:schemeClr val="lt1">
-        <a:alpha val="90000"/>
+        <a:alpha val="40000"/>
       </a:schemeClr>
     </dgm:fillClrLst>
     <dgm:linClrLst meth="repeat">
@@ -767,70 +837,6 @@
     <dgm:txLinClrLst/>
     <dgm:txFillClrLst meth="repeat">
       <a:schemeClr val="dk1"/>
-    </dgm:txFillClrLst>
-    <dgm:txEffectClrLst/>
-  </dgm:styleLbl>
-  <dgm:styleLbl name="fgAcc3">
-    <dgm:fillClrLst meth="repeat">
-      <a:schemeClr val="lt1">
-        <a:alpha val="90000"/>
-      </a:schemeClr>
-    </dgm:fillClrLst>
-    <dgm:linClrLst meth="repeat">
-      <a:schemeClr val="accent1"/>
-    </dgm:linClrLst>
-    <dgm:effectClrLst/>
-    <dgm:txLinClrLst/>
-    <dgm:txFillClrLst meth="repeat">
-      <a:schemeClr val="dk1"/>
-    </dgm:txFillClrLst>
-    <dgm:txEffectClrLst/>
-  </dgm:styleLbl>
-  <dgm:styleLbl name="fgAcc4">
-    <dgm:fillClrLst meth="repeat">
-      <a:schemeClr val="lt1">
-        <a:alpha val="90000"/>
-      </a:schemeClr>
-    </dgm:fillClrLst>
-    <dgm:linClrLst meth="repeat">
-      <a:schemeClr val="accent1"/>
-    </dgm:linClrLst>
-    <dgm:effectClrLst/>
-    <dgm:txLinClrLst/>
-    <dgm:txFillClrLst meth="repeat">
-      <a:schemeClr val="dk1"/>
-    </dgm:txFillClrLst>
-    <dgm:txEffectClrLst/>
-  </dgm:styleLbl>
-  <dgm:styleLbl name="bgShp">
-    <dgm:fillClrLst meth="repeat">
-      <a:schemeClr val="accent1">
-        <a:tint val="40000"/>
-      </a:schemeClr>
-    </dgm:fillClrLst>
-    <dgm:linClrLst meth="repeat">
-      <a:schemeClr val="accent1"/>
-    </dgm:linClrLst>
-    <dgm:effectClrLst/>
-    <dgm:txLinClrLst/>
-    <dgm:txFillClrLst meth="repeat">
-      <a:schemeClr val="dk1"/>
-    </dgm:txFillClrLst>
-    <dgm:txEffectClrLst/>
-  </dgm:styleLbl>
-  <dgm:styleLbl name="dkBgShp">
-    <dgm:fillClrLst meth="repeat">
-      <a:schemeClr val="accent1">
-        <a:shade val="80000"/>
-      </a:schemeClr>
-    </dgm:fillClrLst>
-    <dgm:linClrLst meth="repeat">
-      <a:schemeClr val="accent1"/>
-    </dgm:linClrLst>
-    <dgm:effectClrLst/>
-    <dgm:txLinClrLst/>
-    <dgm:txFillClrLst meth="repeat">
-      <a:schemeClr val="lt1"/>
     </dgm:txFillClrLst>
     <dgm:txEffectClrLst/>
   </dgm:styleLbl>
@@ -851,10 +857,10 @@
     </dgm:txFillClrLst>
     <dgm:txEffectClrLst/>
   </dgm:styleLbl>
-  <dgm:styleLbl name="fgShp">
+  <dgm:styleLbl name="vennNode1">
     <dgm:fillClrLst meth="repeat">
       <a:schemeClr val="accent1">
-        <a:tint val="60000"/>
+        <a:alpha val="50000"/>
       </a:schemeClr>
     </dgm:fillClrLst>
     <dgm:linClrLst meth="repeat">
@@ -862,27 +868,7 @@
     </dgm:linClrLst>
     <dgm:effectClrLst/>
     <dgm:txLinClrLst/>
-    <dgm:txFillClrLst meth="repeat">
-      <a:schemeClr val="dk1"/>
-    </dgm:txFillClrLst>
-    <dgm:txEffectClrLst/>
-  </dgm:styleLbl>
-  <dgm:styleLbl name="revTx">
-    <dgm:fillClrLst meth="repeat">
-      <a:schemeClr val="lt1">
-        <a:alpha val="0"/>
-      </a:schemeClr>
-    </dgm:fillClrLst>
-    <dgm:linClrLst meth="repeat">
-      <a:schemeClr val="dk1">
-        <a:alpha val="0"/>
-      </a:schemeClr>
-    </dgm:linClrLst>
-    <dgm:effectClrLst/>
-    <dgm:txLinClrLst/>
-    <dgm:txFillClrLst meth="repeat">
-      <a:schemeClr val="tx1"/>
-    </dgm:txFillClrLst>
+    <dgm:txFillClrLst/>
     <dgm:txEffectClrLst/>
   </dgm:styleLbl>
 </dgm:colorsDef>
@@ -919,22 +905,10 @@
   <dgm:whole/>
   <dgm:extLst>
     <a:ext uri="http://schemas.microsoft.com/office/drawing/2008/diagram">
-      <dsp:dataModelExt xmlns:dsp="http://schemas.microsoft.com/office/drawing/2008/diagram" relId="rId7" minVer="http://schemas.openxmlformats.org/drawingml/2006/diagram"/>
+      <dsp:dataModelExt xmlns:dsp="http://schemas.microsoft.com/office/drawing/2008/diagram" relId="rId5" minVer="http://schemas.openxmlformats.org/drawingml/2006/diagram"/>
     </a:ext>
   </dgm:extLst>
 </dgm:dataModel>
-</file>
-
-<file path=ppt/diagrams/drawing1.xml><?xml version="1.0" encoding="utf-8"?>
-<dsp:drawing xmlns:dgm="http://schemas.openxmlformats.org/drawingml/2006/diagram" xmlns:dsp="http://schemas.microsoft.com/office/drawing/2008/diagram" xmlns:a="http://schemas.openxmlformats.org/drawingml/2006/main">
-  <dsp:spTree>
-    <dsp:nvGrpSpPr>
-      <dsp:cNvPr id="0" name=""/>
-      <dsp:cNvGrpSpPr/>
-    </dsp:nvGrpSpPr>
-    <dsp:grpSpPr/>
-  </dsp:spTree>
-</dsp:drawing>
 </file>
 
 <file path=ppt/diagrams/layout1.xml><?xml version="1.0" encoding="utf-8"?>
@@ -1071,18 +1045,18 @@
               <dgm:choose name="Name6">
                 <dgm:if name="Name7" axis="par ch" ptType="doc node" func="posEven" op="equ" val="1">
                   <dgm:alg type="conn">
+                    <dgm:param type="begSty" val="arr"/>
+                    <dgm:param type="endSty" val="arr"/>
                     <dgm:param type="begPts" val="radial"/>
                     <dgm:param type="endPts" val="radial"/>
-                    <dgm:param type="begSty" val="arr"/>
-                    <dgm:param type="endSty" val="arr"/>
                   </dgm:alg>
                 </dgm:if>
                 <dgm:else name="Name8">
                   <dgm:alg type="conn">
+                    <dgm:param type="begSty" val="arr"/>
+                    <dgm:param type="endSty" val="arr"/>
                     <dgm:param type="begPts" val="auto"/>
                     <dgm:param type="endPts" val="auto"/>
-                    <dgm:param type="begSty" val="arr"/>
-                    <dgm:param type="endSty" val="arr"/>
                   </dgm:alg>
                 </dgm:else>
               </dgm:choose>
@@ -1136,15 +1110,503 @@
     <a:camera prst="orthographicFront"/>
     <a:lightRig rig="threePt" dir="t"/>
   </dgm:scene3d>
-  <dgm:styleLbl name="node0">
+  <dgm:styleLbl name="alignAcc1">
     <dgm:scene3d>
       <a:camera prst="orthographicFront"/>
       <a:lightRig rig="threePt" dir="t"/>
     </dgm:scene3d>
-    <dgm:sp3d/>
     <dgm:txPr/>
     <dgm:style>
       <a:lnRef idx="2">
+        <a:scrgbClr r="0" g="0" b="0"/>
+      </a:lnRef>
+      <a:fillRef idx="1">
+        <a:scrgbClr r="0" g="0" b="0"/>
+      </a:fillRef>
+      <a:effectRef idx="0">
+        <a:scrgbClr r="0" g="0" b="0"/>
+      </a:effectRef>
+      <a:fontRef idx="minor"/>
+    </dgm:style>
+  </dgm:styleLbl>
+  <dgm:styleLbl name="alignAccFollowNode1">
+    <dgm:scene3d>
+      <a:camera prst="orthographicFront"/>
+      <a:lightRig rig="threePt" dir="t"/>
+    </dgm:scene3d>
+    <dgm:txPr/>
+    <dgm:style>
+      <a:lnRef idx="2">
+        <a:scrgbClr r="0" g="0" b="0"/>
+      </a:lnRef>
+      <a:fillRef idx="1">
+        <a:scrgbClr r="0" g="0" b="0"/>
+      </a:fillRef>
+      <a:effectRef idx="0">
+        <a:scrgbClr r="0" g="0" b="0"/>
+      </a:effectRef>
+      <a:fontRef idx="minor"/>
+    </dgm:style>
+  </dgm:styleLbl>
+  <dgm:styleLbl name="alignImgPlace1">
+    <dgm:scene3d>
+      <a:camera prst="orthographicFront"/>
+      <a:lightRig rig="threePt" dir="t"/>
+    </dgm:scene3d>
+    <dgm:txPr/>
+    <dgm:style>
+      <a:lnRef idx="2">
+        <a:scrgbClr r="0" g="0" b="0"/>
+      </a:lnRef>
+      <a:fillRef idx="1">
+        <a:scrgbClr r="0" g="0" b="0"/>
+      </a:fillRef>
+      <a:effectRef idx="0">
+        <a:scrgbClr r="0" g="0" b="0"/>
+      </a:effectRef>
+      <a:fontRef idx="minor"/>
+    </dgm:style>
+  </dgm:styleLbl>
+  <dgm:styleLbl name="alignNode1">
+    <dgm:scene3d>
+      <a:camera prst="orthographicFront"/>
+      <a:lightRig rig="threePt" dir="t"/>
+    </dgm:scene3d>
+    <dgm:txPr/>
+    <dgm:style>
+      <a:lnRef idx="2">
+        <a:scrgbClr r="0" g="0" b="0"/>
+      </a:lnRef>
+      <a:fillRef idx="1">
+        <a:scrgbClr r="0" g="0" b="0"/>
+      </a:fillRef>
+      <a:effectRef idx="0">
+        <a:scrgbClr r="0" g="0" b="0"/>
+      </a:effectRef>
+      <a:fontRef idx="minor">
+        <a:schemeClr val="lt1"/>
+      </a:fontRef>
+    </dgm:style>
+  </dgm:styleLbl>
+  <dgm:styleLbl name="asst0">
+    <dgm:scene3d>
+      <a:camera prst="orthographicFront"/>
+      <a:lightRig rig="threePt" dir="t"/>
+    </dgm:scene3d>
+    <dgm:txPr/>
+    <dgm:style>
+      <a:lnRef idx="2">
+        <a:scrgbClr r="0" g="0" b="0"/>
+      </a:lnRef>
+      <a:fillRef idx="1">
+        <a:scrgbClr r="0" g="0" b="0"/>
+      </a:fillRef>
+      <a:effectRef idx="0">
+        <a:scrgbClr r="0" g="0" b="0"/>
+      </a:effectRef>
+      <a:fontRef idx="minor">
+        <a:schemeClr val="lt1"/>
+      </a:fontRef>
+    </dgm:style>
+  </dgm:styleLbl>
+  <dgm:styleLbl name="asst1">
+    <dgm:scene3d>
+      <a:camera prst="orthographicFront"/>
+      <a:lightRig rig="threePt" dir="t"/>
+    </dgm:scene3d>
+    <dgm:txPr/>
+    <dgm:style>
+      <a:lnRef idx="2">
+        <a:scrgbClr r="0" g="0" b="0"/>
+      </a:lnRef>
+      <a:fillRef idx="1">
+        <a:scrgbClr r="0" g="0" b="0"/>
+      </a:fillRef>
+      <a:effectRef idx="0">
+        <a:scrgbClr r="0" g="0" b="0"/>
+      </a:effectRef>
+      <a:fontRef idx="minor">
+        <a:schemeClr val="lt1"/>
+      </a:fontRef>
+    </dgm:style>
+  </dgm:styleLbl>
+  <dgm:styleLbl name="asst2">
+    <dgm:scene3d>
+      <a:camera prst="orthographicFront"/>
+      <a:lightRig rig="threePt" dir="t"/>
+    </dgm:scene3d>
+    <dgm:txPr/>
+    <dgm:style>
+      <a:lnRef idx="2">
+        <a:scrgbClr r="0" g="0" b="0"/>
+      </a:lnRef>
+      <a:fillRef idx="1">
+        <a:scrgbClr r="0" g="0" b="0"/>
+      </a:fillRef>
+      <a:effectRef idx="0">
+        <a:scrgbClr r="0" g="0" b="0"/>
+      </a:effectRef>
+      <a:fontRef idx="minor">
+        <a:schemeClr val="lt1"/>
+      </a:fontRef>
+    </dgm:style>
+  </dgm:styleLbl>
+  <dgm:styleLbl name="asst3">
+    <dgm:scene3d>
+      <a:camera prst="orthographicFront"/>
+      <a:lightRig rig="threePt" dir="t"/>
+    </dgm:scene3d>
+    <dgm:txPr/>
+    <dgm:style>
+      <a:lnRef idx="2">
+        <a:scrgbClr r="0" g="0" b="0"/>
+      </a:lnRef>
+      <a:fillRef idx="1">
+        <a:scrgbClr r="0" g="0" b="0"/>
+      </a:fillRef>
+      <a:effectRef idx="0">
+        <a:scrgbClr r="0" g="0" b="0"/>
+      </a:effectRef>
+      <a:fontRef idx="minor">
+        <a:schemeClr val="lt1"/>
+      </a:fontRef>
+    </dgm:style>
+  </dgm:styleLbl>
+  <dgm:styleLbl name="asst4">
+    <dgm:scene3d>
+      <a:camera prst="orthographicFront"/>
+      <a:lightRig rig="threePt" dir="t"/>
+    </dgm:scene3d>
+    <dgm:txPr/>
+    <dgm:style>
+      <a:lnRef idx="2">
+        <a:scrgbClr r="0" g="0" b="0"/>
+      </a:lnRef>
+      <a:fillRef idx="1">
+        <a:scrgbClr r="0" g="0" b="0"/>
+      </a:fillRef>
+      <a:effectRef idx="0">
+        <a:scrgbClr r="0" g="0" b="0"/>
+      </a:effectRef>
+      <a:fontRef idx="minor">
+        <a:schemeClr val="lt1"/>
+      </a:fontRef>
+    </dgm:style>
+  </dgm:styleLbl>
+  <dgm:styleLbl name="bgAcc1">
+    <dgm:scene3d>
+      <a:camera prst="orthographicFront"/>
+      <a:lightRig rig="threePt" dir="t"/>
+    </dgm:scene3d>
+    <dgm:txPr/>
+    <dgm:style>
+      <a:lnRef idx="2">
+        <a:scrgbClr r="0" g="0" b="0"/>
+      </a:lnRef>
+      <a:fillRef idx="1">
+        <a:scrgbClr r="0" g="0" b="0"/>
+      </a:fillRef>
+      <a:effectRef idx="0">
+        <a:scrgbClr r="0" g="0" b="0"/>
+      </a:effectRef>
+      <a:fontRef idx="minor"/>
+    </dgm:style>
+  </dgm:styleLbl>
+  <dgm:styleLbl name="bgAccFollowNode1">
+    <dgm:scene3d>
+      <a:camera prst="orthographicFront"/>
+      <a:lightRig rig="threePt" dir="t"/>
+    </dgm:scene3d>
+    <dgm:txPr/>
+    <dgm:style>
+      <a:lnRef idx="2">
+        <a:scrgbClr r="0" g="0" b="0"/>
+      </a:lnRef>
+      <a:fillRef idx="1">
+        <a:scrgbClr r="0" g="0" b="0"/>
+      </a:fillRef>
+      <a:effectRef idx="0">
+        <a:scrgbClr r="0" g="0" b="0"/>
+      </a:effectRef>
+      <a:fontRef idx="minor"/>
+    </dgm:style>
+  </dgm:styleLbl>
+  <dgm:styleLbl name="bgImgPlace1">
+    <dgm:scene3d>
+      <a:camera prst="orthographicFront"/>
+      <a:lightRig rig="threePt" dir="t"/>
+    </dgm:scene3d>
+    <dgm:txPr/>
+    <dgm:style>
+      <a:lnRef idx="2">
+        <a:scrgbClr r="0" g="0" b="0"/>
+      </a:lnRef>
+      <a:fillRef idx="1">
+        <a:scrgbClr r="0" g="0" b="0"/>
+      </a:fillRef>
+      <a:effectRef idx="0">
+        <a:scrgbClr r="0" g="0" b="0"/>
+      </a:effectRef>
+      <a:fontRef idx="minor"/>
+    </dgm:style>
+  </dgm:styleLbl>
+  <dgm:styleLbl name="bgShp">
+    <dgm:scene3d>
+      <a:camera prst="orthographicFront"/>
+      <a:lightRig rig="threePt" dir="t"/>
+    </dgm:scene3d>
+    <dgm:txPr/>
+    <dgm:style>
+      <a:lnRef idx="0">
+        <a:scrgbClr r="0" g="0" b="0"/>
+      </a:lnRef>
+      <a:fillRef idx="1">
+        <a:scrgbClr r="0" g="0" b="0"/>
+      </a:fillRef>
+      <a:effectRef idx="0">
+        <a:scrgbClr r="0" g="0" b="0"/>
+      </a:effectRef>
+      <a:fontRef idx="minor"/>
+    </dgm:style>
+  </dgm:styleLbl>
+  <dgm:styleLbl name="bgSibTrans2D1">
+    <dgm:scene3d>
+      <a:camera prst="orthographicFront"/>
+      <a:lightRig rig="threePt" dir="t"/>
+    </dgm:scene3d>
+    <dgm:txPr/>
+    <dgm:style>
+      <a:lnRef idx="0">
+        <a:scrgbClr r="0" g="0" b="0"/>
+      </a:lnRef>
+      <a:fillRef idx="1">
+        <a:scrgbClr r="0" g="0" b="0"/>
+      </a:fillRef>
+      <a:effectRef idx="0">
+        <a:scrgbClr r="0" g="0" b="0"/>
+      </a:effectRef>
+      <a:fontRef idx="minor">
+        <a:schemeClr val="lt1"/>
+      </a:fontRef>
+    </dgm:style>
+  </dgm:styleLbl>
+  <dgm:styleLbl name="callout">
+    <dgm:scene3d>
+      <a:camera prst="orthographicFront"/>
+      <a:lightRig rig="threePt" dir="t"/>
+    </dgm:scene3d>
+    <dgm:txPr/>
+    <dgm:style>
+      <a:lnRef idx="2">
+        <a:scrgbClr r="0" g="0" b="0"/>
+      </a:lnRef>
+      <a:fillRef idx="1">
+        <a:scrgbClr r="0" g="0" b="0"/>
+      </a:fillRef>
+      <a:effectRef idx="0">
+        <a:scrgbClr r="0" g="0" b="0"/>
+      </a:effectRef>
+      <a:fontRef idx="minor"/>
+    </dgm:style>
+  </dgm:styleLbl>
+  <dgm:styleLbl name="conFgAcc1">
+    <dgm:scene3d>
+      <a:camera prst="orthographicFront"/>
+      <a:lightRig rig="threePt" dir="t"/>
+    </dgm:scene3d>
+    <dgm:txPr/>
+    <dgm:style>
+      <a:lnRef idx="2">
+        <a:scrgbClr r="0" g="0" b="0"/>
+      </a:lnRef>
+      <a:fillRef idx="1">
+        <a:scrgbClr r="0" g="0" b="0"/>
+      </a:fillRef>
+      <a:effectRef idx="0">
+        <a:scrgbClr r="0" g="0" b="0"/>
+      </a:effectRef>
+      <a:fontRef idx="minor"/>
+    </dgm:style>
+  </dgm:styleLbl>
+  <dgm:styleLbl name="dkBgShp">
+    <dgm:scene3d>
+      <a:camera prst="orthographicFront"/>
+      <a:lightRig rig="threePt" dir="t"/>
+    </dgm:scene3d>
+    <dgm:txPr/>
+    <dgm:style>
+      <a:lnRef idx="0">
+        <a:scrgbClr r="0" g="0" b="0"/>
+      </a:lnRef>
+      <a:fillRef idx="1">
+        <a:scrgbClr r="0" g="0" b="0"/>
+      </a:fillRef>
+      <a:effectRef idx="0">
+        <a:scrgbClr r="0" g="0" b="0"/>
+      </a:effectRef>
+      <a:fontRef idx="minor"/>
+    </dgm:style>
+  </dgm:styleLbl>
+  <dgm:styleLbl name="fgAcc0">
+    <dgm:scene3d>
+      <a:camera prst="orthographicFront"/>
+      <a:lightRig rig="threePt" dir="t"/>
+    </dgm:scene3d>
+    <dgm:txPr/>
+    <dgm:style>
+      <a:lnRef idx="2">
+        <a:scrgbClr r="0" g="0" b="0"/>
+      </a:lnRef>
+      <a:fillRef idx="1">
+        <a:scrgbClr r="0" g="0" b="0"/>
+      </a:fillRef>
+      <a:effectRef idx="0">
+        <a:scrgbClr r="0" g="0" b="0"/>
+      </a:effectRef>
+      <a:fontRef idx="minor"/>
+    </dgm:style>
+  </dgm:styleLbl>
+  <dgm:styleLbl name="fgAcc1">
+    <dgm:scene3d>
+      <a:camera prst="orthographicFront"/>
+      <a:lightRig rig="threePt" dir="t"/>
+    </dgm:scene3d>
+    <dgm:txPr/>
+    <dgm:style>
+      <a:lnRef idx="2">
+        <a:scrgbClr r="0" g="0" b="0"/>
+      </a:lnRef>
+      <a:fillRef idx="1">
+        <a:scrgbClr r="0" g="0" b="0"/>
+      </a:fillRef>
+      <a:effectRef idx="0">
+        <a:scrgbClr r="0" g="0" b="0"/>
+      </a:effectRef>
+      <a:fontRef idx="minor"/>
+    </dgm:style>
+  </dgm:styleLbl>
+  <dgm:styleLbl name="fgAcc2">
+    <dgm:scene3d>
+      <a:camera prst="orthographicFront"/>
+      <a:lightRig rig="threePt" dir="t"/>
+    </dgm:scene3d>
+    <dgm:txPr/>
+    <dgm:style>
+      <a:lnRef idx="2">
+        <a:scrgbClr r="0" g="0" b="0"/>
+      </a:lnRef>
+      <a:fillRef idx="1">
+        <a:scrgbClr r="0" g="0" b="0"/>
+      </a:fillRef>
+      <a:effectRef idx="0">
+        <a:scrgbClr r="0" g="0" b="0"/>
+      </a:effectRef>
+      <a:fontRef idx="minor"/>
+    </dgm:style>
+  </dgm:styleLbl>
+  <dgm:styleLbl name="fgAcc3">
+    <dgm:scene3d>
+      <a:camera prst="orthographicFront"/>
+      <a:lightRig rig="threePt" dir="t"/>
+    </dgm:scene3d>
+    <dgm:txPr/>
+    <dgm:style>
+      <a:lnRef idx="2">
+        <a:scrgbClr r="0" g="0" b="0"/>
+      </a:lnRef>
+      <a:fillRef idx="1">
+        <a:scrgbClr r="0" g="0" b="0"/>
+      </a:fillRef>
+      <a:effectRef idx="0">
+        <a:scrgbClr r="0" g="0" b="0"/>
+      </a:effectRef>
+      <a:fontRef idx="minor"/>
+    </dgm:style>
+  </dgm:styleLbl>
+  <dgm:styleLbl name="fgAcc4">
+    <dgm:scene3d>
+      <a:camera prst="orthographicFront"/>
+      <a:lightRig rig="threePt" dir="t"/>
+    </dgm:scene3d>
+    <dgm:txPr/>
+    <dgm:style>
+      <a:lnRef idx="2">
+        <a:scrgbClr r="0" g="0" b="0"/>
+      </a:lnRef>
+      <a:fillRef idx="1">
+        <a:scrgbClr r="0" g="0" b="0"/>
+      </a:fillRef>
+      <a:effectRef idx="0">
+        <a:scrgbClr r="0" g="0" b="0"/>
+      </a:effectRef>
+      <a:fontRef idx="minor"/>
+    </dgm:style>
+  </dgm:styleLbl>
+  <dgm:styleLbl name="fgAccFollowNode1">
+    <dgm:scene3d>
+      <a:camera prst="orthographicFront"/>
+      <a:lightRig rig="threePt" dir="t"/>
+    </dgm:scene3d>
+    <dgm:txPr/>
+    <dgm:style>
+      <a:lnRef idx="2">
+        <a:scrgbClr r="0" g="0" b="0"/>
+      </a:lnRef>
+      <a:fillRef idx="1">
+        <a:scrgbClr r="0" g="0" b="0"/>
+      </a:fillRef>
+      <a:effectRef idx="0">
+        <a:scrgbClr r="0" g="0" b="0"/>
+      </a:effectRef>
+      <a:fontRef idx="minor"/>
+    </dgm:style>
+  </dgm:styleLbl>
+  <dgm:styleLbl name="fgImgPlace1">
+    <dgm:scene3d>
+      <a:camera prst="orthographicFront"/>
+      <a:lightRig rig="threePt" dir="t"/>
+    </dgm:scene3d>
+    <dgm:txPr/>
+    <dgm:style>
+      <a:lnRef idx="2">
+        <a:scrgbClr r="0" g="0" b="0"/>
+      </a:lnRef>
+      <a:fillRef idx="1">
+        <a:scrgbClr r="0" g="0" b="0"/>
+      </a:fillRef>
+      <a:effectRef idx="0">
+        <a:scrgbClr r="0" g="0" b="0"/>
+      </a:effectRef>
+      <a:fontRef idx="minor"/>
+    </dgm:style>
+  </dgm:styleLbl>
+  <dgm:styleLbl name="fgShp">
+    <dgm:scene3d>
+      <a:camera prst="orthographicFront"/>
+      <a:lightRig rig="threePt" dir="t"/>
+    </dgm:scene3d>
+    <dgm:txPr/>
+    <dgm:style>
+      <a:lnRef idx="2">
+        <a:scrgbClr r="0" g="0" b="0"/>
+      </a:lnRef>
+      <a:fillRef idx="1">
+        <a:scrgbClr r="0" g="0" b="0"/>
+      </a:fillRef>
+      <a:effectRef idx="0">
+        <a:scrgbClr r="0" g="0" b="0"/>
+      </a:effectRef>
+      <a:fontRef idx="minor"/>
+    </dgm:style>
+  </dgm:styleLbl>
+  <dgm:styleLbl name="fgSibTrans2D1">
+    <dgm:scene3d>
+      <a:camera prst="orthographicFront"/>
+      <a:lightRig rig="threePt" dir="t"/>
+    </dgm:scene3d>
+    <dgm:txPr/>
+    <dgm:style>
+      <a:lnRef idx="0">
         <a:scrgbClr r="0" g="0" b="0"/>
       </a:lnRef>
       <a:fillRef idx="1">
@@ -1163,7 +1625,6 @@
       <a:camera prst="orthographicFront"/>
       <a:lightRig rig="threePt" dir="t"/>
     </dgm:scene3d>
-    <dgm:sp3d/>
     <dgm:txPr/>
     <dgm:style>
       <a:lnRef idx="2">
@@ -1180,34 +1641,11 @@
       </a:fontRef>
     </dgm:style>
   </dgm:styleLbl>
-  <dgm:styleLbl name="vennNode1">
+  <dgm:styleLbl name="node0">
     <dgm:scene3d>
       <a:camera prst="orthographicFront"/>
       <a:lightRig rig="threePt" dir="t"/>
     </dgm:scene3d>
-    <dgm:sp3d/>
-    <dgm:txPr/>
-    <dgm:style>
-      <a:lnRef idx="2">
-        <a:scrgbClr r="0" g="0" b="0"/>
-      </a:lnRef>
-      <a:fillRef idx="1">
-        <a:scrgbClr r="0" g="0" b="0"/>
-      </a:fillRef>
-      <a:effectRef idx="0">
-        <a:scrgbClr r="0" g="0" b="0"/>
-      </a:effectRef>
-      <a:fontRef idx="minor">
-        <a:schemeClr val="tx1"/>
-      </a:fontRef>
-    </dgm:style>
-  </dgm:styleLbl>
-  <dgm:styleLbl name="alignNode1">
-    <dgm:scene3d>
-      <a:camera prst="orthographicFront"/>
-      <a:lightRig rig="threePt" dir="t"/>
-    </dgm:scene3d>
-    <dgm:sp3d/>
     <dgm:txPr/>
     <dgm:style>
       <a:lnRef idx="2">
@@ -1229,7 +1667,6 @@
       <a:camera prst="orthographicFront"/>
       <a:lightRig rig="threePt" dir="t"/>
     </dgm:scene3d>
-    <dgm:sp3d/>
     <dgm:txPr/>
     <dgm:style>
       <a:lnRef idx="2">
@@ -1251,7 +1688,6 @@
       <a:camera prst="orthographicFront"/>
       <a:lightRig rig="threePt" dir="t"/>
     </dgm:scene3d>
-    <dgm:sp3d/>
     <dgm:txPr/>
     <dgm:style>
       <a:lnRef idx="2">
@@ -1273,7 +1709,6 @@
       <a:camera prst="orthographicFront"/>
       <a:lightRig rig="threePt" dir="t"/>
     </dgm:scene3d>
-    <dgm:sp3d/>
     <dgm:txPr/>
     <dgm:style>
       <a:lnRef idx="2">
@@ -1295,7 +1730,6 @@
       <a:camera prst="orthographicFront"/>
       <a:lightRig rig="threePt" dir="t"/>
     </dgm:scene3d>
-    <dgm:sp3d/>
     <dgm:txPr/>
     <dgm:style>
       <a:lnRef idx="2">
@@ -1312,18 +1746,17 @@
       </a:fontRef>
     </dgm:style>
   </dgm:styleLbl>
-  <dgm:styleLbl name="fgImgPlace1">
+  <dgm:styleLbl name="parChTrans1D1">
     <dgm:scene3d>
       <a:camera prst="orthographicFront"/>
       <a:lightRig rig="threePt" dir="t"/>
     </dgm:scene3d>
-    <dgm:sp3d/>
     <dgm:txPr/>
     <dgm:style>
       <a:lnRef idx="2">
         <a:scrgbClr r="0" g="0" b="0"/>
       </a:lnRef>
-      <a:fillRef idx="1">
+      <a:fillRef idx="0">
         <a:scrgbClr r="0" g="0" b="0"/>
       </a:fillRef>
       <a:effectRef idx="0">
@@ -1332,18 +1765,17 @@
       <a:fontRef idx="minor"/>
     </dgm:style>
   </dgm:styleLbl>
-  <dgm:styleLbl name="alignImgPlace1">
+  <dgm:styleLbl name="parChTrans1D2">
     <dgm:scene3d>
       <a:camera prst="orthographicFront"/>
       <a:lightRig rig="threePt" dir="t"/>
     </dgm:scene3d>
-    <dgm:sp3d/>
     <dgm:txPr/>
     <dgm:style>
       <a:lnRef idx="2">
         <a:scrgbClr r="0" g="0" b="0"/>
       </a:lnRef>
-      <a:fillRef idx="1">
+      <a:fillRef idx="0">
         <a:scrgbClr r="0" g="0" b="0"/>
       </a:fillRef>
       <a:effectRef idx="0">
@@ -1352,18 +1784,17 @@
       <a:fontRef idx="minor"/>
     </dgm:style>
   </dgm:styleLbl>
-  <dgm:styleLbl name="bgImgPlace1">
+  <dgm:styleLbl name="parChTrans1D3">
     <dgm:scene3d>
       <a:camera prst="orthographicFront"/>
       <a:lightRig rig="threePt" dir="t"/>
     </dgm:scene3d>
-    <dgm:sp3d/>
     <dgm:txPr/>
     <dgm:style>
       <a:lnRef idx="2">
         <a:scrgbClr r="0" g="0" b="0"/>
       </a:lnRef>
-      <a:fillRef idx="1">
+      <a:fillRef idx="0">
         <a:scrgbClr r="0" g="0" b="0"/>
       </a:fillRef>
       <a:effectRef idx="0">
@@ -1372,220 +1803,23 @@
       <a:fontRef idx="minor"/>
     </dgm:style>
   </dgm:styleLbl>
-  <dgm:styleLbl name="sibTrans2D1">
+  <dgm:styleLbl name="parChTrans1D4">
     <dgm:scene3d>
       <a:camera prst="orthographicFront"/>
       <a:lightRig rig="threePt" dir="t"/>
     </dgm:scene3d>
-    <dgm:sp3d/>
-    <dgm:txPr/>
-    <dgm:style>
-      <a:lnRef idx="0">
-        <a:scrgbClr r="0" g="0" b="0"/>
-      </a:lnRef>
-      <a:fillRef idx="1">
-        <a:scrgbClr r="0" g="0" b="0"/>
-      </a:fillRef>
-      <a:effectRef idx="0">
-        <a:scrgbClr r="0" g="0" b="0"/>
-      </a:effectRef>
-      <a:fontRef idx="minor">
-        <a:schemeClr val="lt1"/>
-      </a:fontRef>
-    </dgm:style>
-  </dgm:styleLbl>
-  <dgm:styleLbl name="fgSibTrans2D1">
-    <dgm:scene3d>
-      <a:camera prst="orthographicFront"/>
-      <a:lightRig rig="threePt" dir="t"/>
-    </dgm:scene3d>
-    <dgm:sp3d/>
-    <dgm:txPr/>
-    <dgm:style>
-      <a:lnRef idx="0">
-        <a:scrgbClr r="0" g="0" b="0"/>
-      </a:lnRef>
-      <a:fillRef idx="1">
-        <a:scrgbClr r="0" g="0" b="0"/>
-      </a:fillRef>
-      <a:effectRef idx="0">
-        <a:scrgbClr r="0" g="0" b="0"/>
-      </a:effectRef>
-      <a:fontRef idx="minor">
-        <a:schemeClr val="lt1"/>
-      </a:fontRef>
-    </dgm:style>
-  </dgm:styleLbl>
-  <dgm:styleLbl name="bgSibTrans2D1">
-    <dgm:scene3d>
-      <a:camera prst="orthographicFront"/>
-      <a:lightRig rig="threePt" dir="t"/>
-    </dgm:scene3d>
-    <dgm:sp3d/>
-    <dgm:txPr/>
-    <dgm:style>
-      <a:lnRef idx="0">
-        <a:scrgbClr r="0" g="0" b="0"/>
-      </a:lnRef>
-      <a:fillRef idx="1">
-        <a:scrgbClr r="0" g="0" b="0"/>
-      </a:fillRef>
-      <a:effectRef idx="0">
-        <a:scrgbClr r="0" g="0" b="0"/>
-      </a:effectRef>
-      <a:fontRef idx="minor">
-        <a:schemeClr val="lt1"/>
-      </a:fontRef>
-    </dgm:style>
-  </dgm:styleLbl>
-  <dgm:styleLbl name="sibTrans1D1">
-    <dgm:scene3d>
-      <a:camera prst="orthographicFront"/>
-      <a:lightRig rig="threePt" dir="t"/>
-    </dgm:scene3d>
-    <dgm:sp3d/>
-    <dgm:txPr/>
-    <dgm:style>
-      <a:lnRef idx="1">
-        <a:scrgbClr r="0" g="0" b="0"/>
-      </a:lnRef>
-      <a:fillRef idx="0">
-        <a:scrgbClr r="0" g="0" b="0"/>
-      </a:fillRef>
-      <a:effectRef idx="0">
-        <a:scrgbClr r="0" g="0" b="0"/>
-      </a:effectRef>
-      <a:fontRef idx="minor"/>
-    </dgm:style>
-  </dgm:styleLbl>
-  <dgm:styleLbl name="callout">
-    <dgm:scene3d>
-      <a:camera prst="orthographicFront"/>
-      <a:lightRig rig="threePt" dir="t"/>
-    </dgm:scene3d>
-    <dgm:sp3d/>
     <dgm:txPr/>
     <dgm:style>
       <a:lnRef idx="2">
         <a:scrgbClr r="0" g="0" b="0"/>
       </a:lnRef>
-      <a:fillRef idx="1">
+      <a:fillRef idx="0">
         <a:scrgbClr r="0" g="0" b="0"/>
       </a:fillRef>
       <a:effectRef idx="0">
         <a:scrgbClr r="0" g="0" b="0"/>
       </a:effectRef>
       <a:fontRef idx="minor"/>
-    </dgm:style>
-  </dgm:styleLbl>
-  <dgm:styleLbl name="asst0">
-    <dgm:scene3d>
-      <a:camera prst="orthographicFront"/>
-      <a:lightRig rig="threePt" dir="t"/>
-    </dgm:scene3d>
-    <dgm:sp3d/>
-    <dgm:txPr/>
-    <dgm:style>
-      <a:lnRef idx="2">
-        <a:scrgbClr r="0" g="0" b="0"/>
-      </a:lnRef>
-      <a:fillRef idx="1">
-        <a:scrgbClr r="0" g="0" b="0"/>
-      </a:fillRef>
-      <a:effectRef idx="0">
-        <a:scrgbClr r="0" g="0" b="0"/>
-      </a:effectRef>
-      <a:fontRef idx="minor">
-        <a:schemeClr val="lt1"/>
-      </a:fontRef>
-    </dgm:style>
-  </dgm:styleLbl>
-  <dgm:styleLbl name="asst1">
-    <dgm:scene3d>
-      <a:camera prst="orthographicFront"/>
-      <a:lightRig rig="threePt" dir="t"/>
-    </dgm:scene3d>
-    <dgm:sp3d/>
-    <dgm:txPr/>
-    <dgm:style>
-      <a:lnRef idx="2">
-        <a:scrgbClr r="0" g="0" b="0"/>
-      </a:lnRef>
-      <a:fillRef idx="1">
-        <a:scrgbClr r="0" g="0" b="0"/>
-      </a:fillRef>
-      <a:effectRef idx="0">
-        <a:scrgbClr r="0" g="0" b="0"/>
-      </a:effectRef>
-      <a:fontRef idx="minor">
-        <a:schemeClr val="lt1"/>
-      </a:fontRef>
-    </dgm:style>
-  </dgm:styleLbl>
-  <dgm:styleLbl name="asst2">
-    <dgm:scene3d>
-      <a:camera prst="orthographicFront"/>
-      <a:lightRig rig="threePt" dir="t"/>
-    </dgm:scene3d>
-    <dgm:sp3d/>
-    <dgm:txPr/>
-    <dgm:style>
-      <a:lnRef idx="2">
-        <a:scrgbClr r="0" g="0" b="0"/>
-      </a:lnRef>
-      <a:fillRef idx="1">
-        <a:scrgbClr r="0" g="0" b="0"/>
-      </a:fillRef>
-      <a:effectRef idx="0">
-        <a:scrgbClr r="0" g="0" b="0"/>
-      </a:effectRef>
-      <a:fontRef idx="minor">
-        <a:schemeClr val="lt1"/>
-      </a:fontRef>
-    </dgm:style>
-  </dgm:styleLbl>
-  <dgm:styleLbl name="asst3">
-    <dgm:scene3d>
-      <a:camera prst="orthographicFront"/>
-      <a:lightRig rig="threePt" dir="t"/>
-    </dgm:scene3d>
-    <dgm:sp3d/>
-    <dgm:txPr/>
-    <dgm:style>
-      <a:lnRef idx="2">
-        <a:scrgbClr r="0" g="0" b="0"/>
-      </a:lnRef>
-      <a:fillRef idx="1">
-        <a:scrgbClr r="0" g="0" b="0"/>
-      </a:fillRef>
-      <a:effectRef idx="0">
-        <a:scrgbClr r="0" g="0" b="0"/>
-      </a:effectRef>
-      <a:fontRef idx="minor">
-        <a:schemeClr val="lt1"/>
-      </a:fontRef>
-    </dgm:style>
-  </dgm:styleLbl>
-  <dgm:styleLbl name="asst4">
-    <dgm:scene3d>
-      <a:camera prst="orthographicFront"/>
-      <a:lightRig rig="threePt" dir="t"/>
-    </dgm:scene3d>
-    <dgm:sp3d/>
-    <dgm:txPr/>
-    <dgm:style>
-      <a:lnRef idx="2">
-        <a:scrgbClr r="0" g="0" b="0"/>
-      </a:lnRef>
-      <a:fillRef idx="1">
-        <a:scrgbClr r="0" g="0" b="0"/>
-      </a:fillRef>
-      <a:effectRef idx="0">
-        <a:scrgbClr r="0" g="0" b="0"/>
-      </a:effectRef>
-      <a:fontRef idx="minor">
-        <a:schemeClr val="lt1"/>
-      </a:fontRef>
     </dgm:style>
   </dgm:styleLbl>
   <dgm:styleLbl name="parChTrans2D1">
@@ -1593,7 +1827,6 @@
       <a:camera prst="orthographicFront"/>
       <a:lightRig rig="threePt" dir="t"/>
     </dgm:scene3d>
-    <dgm:sp3d/>
     <dgm:txPr/>
     <dgm:style>
       <a:lnRef idx="2">
@@ -1615,7 +1848,6 @@
       <a:camera prst="orthographicFront"/>
       <a:lightRig rig="threePt" dir="t"/>
     </dgm:scene3d>
-    <dgm:sp3d/>
     <dgm:txPr/>
     <dgm:style>
       <a:lnRef idx="2">
@@ -1637,7 +1869,6 @@
       <a:camera prst="orthographicFront"/>
       <a:lightRig rig="threePt" dir="t"/>
     </dgm:scene3d>
-    <dgm:sp3d/>
     <dgm:txPr/>
     <dgm:style>
       <a:lnRef idx="2">
@@ -1659,7 +1890,6 @@
       <a:camera prst="orthographicFront"/>
       <a:lightRig rig="threePt" dir="t"/>
     </dgm:scene3d>
-    <dgm:sp3d/>
     <dgm:txPr/>
     <dgm:style>
       <a:lnRef idx="2">
@@ -1676,15 +1906,14 @@
       </a:fontRef>
     </dgm:style>
   </dgm:styleLbl>
-  <dgm:styleLbl name="parChTrans1D1">
+  <dgm:styleLbl name="revTx">
     <dgm:scene3d>
       <a:camera prst="orthographicFront"/>
       <a:lightRig rig="threePt" dir="t"/>
     </dgm:scene3d>
-    <dgm:sp3d/>
     <dgm:txPr/>
     <dgm:style>
-      <a:lnRef idx="2">
+      <a:lnRef idx="0">
         <a:scrgbClr r="0" g="0" b="0"/>
       </a:lnRef>
       <a:fillRef idx="0">
@@ -1696,15 +1925,14 @@
       <a:fontRef idx="minor"/>
     </dgm:style>
   </dgm:styleLbl>
-  <dgm:styleLbl name="parChTrans1D2">
+  <dgm:styleLbl name="sibTrans1D1">
     <dgm:scene3d>
       <a:camera prst="orthographicFront"/>
       <a:lightRig rig="threePt" dir="t"/>
     </dgm:scene3d>
-    <dgm:sp3d/>
     <dgm:txPr/>
     <dgm:style>
-      <a:lnRef idx="2">
+      <a:lnRef idx="1">
         <a:scrgbClr r="0" g="0" b="0"/>
       </a:lnRef>
       <a:fillRef idx="0">
@@ -1716,18 +1944,38 @@
       <a:fontRef idx="minor"/>
     </dgm:style>
   </dgm:styleLbl>
-  <dgm:styleLbl name="parChTrans1D3">
+  <dgm:styleLbl name="sibTrans2D1">
     <dgm:scene3d>
       <a:camera prst="orthographicFront"/>
       <a:lightRig rig="threePt" dir="t"/>
     </dgm:scene3d>
-    <dgm:sp3d/>
+    <dgm:txPr/>
+    <dgm:style>
+      <a:lnRef idx="0">
+        <a:scrgbClr r="0" g="0" b="0"/>
+      </a:lnRef>
+      <a:fillRef idx="1">
+        <a:scrgbClr r="0" g="0" b="0"/>
+      </a:fillRef>
+      <a:effectRef idx="0">
+        <a:scrgbClr r="0" g="0" b="0"/>
+      </a:effectRef>
+      <a:fontRef idx="minor">
+        <a:schemeClr val="lt1"/>
+      </a:fontRef>
+    </dgm:style>
+  </dgm:styleLbl>
+  <dgm:styleLbl name="solidAlignAcc1">
+    <dgm:scene3d>
+      <a:camera prst="orthographicFront"/>
+      <a:lightRig rig="threePt" dir="t"/>
+    </dgm:scene3d>
     <dgm:txPr/>
     <dgm:style>
       <a:lnRef idx="2">
         <a:scrgbClr r="0" g="0" b="0"/>
       </a:lnRef>
-      <a:fillRef idx="0">
+      <a:fillRef idx="1">
         <a:scrgbClr r="0" g="0" b="0"/>
       </a:fillRef>
       <a:effectRef idx="0">
@@ -1736,18 +1984,17 @@
       <a:fontRef idx="minor"/>
     </dgm:style>
   </dgm:styleLbl>
-  <dgm:styleLbl name="parChTrans1D4">
+  <dgm:styleLbl name="solidBgAcc1">
     <dgm:scene3d>
       <a:camera prst="orthographicFront"/>
       <a:lightRig rig="threePt" dir="t"/>
     </dgm:scene3d>
-    <dgm:sp3d/>
     <dgm:txPr/>
     <dgm:style>
       <a:lnRef idx="2">
         <a:scrgbClr r="0" g="0" b="0"/>
       </a:lnRef>
-      <a:fillRef idx="0">
+      <a:fillRef idx="1">
         <a:scrgbClr r="0" g="0" b="0"/>
       </a:fillRef>
       <a:effectRef idx="0">
@@ -1756,52 +2003,11 @@
       <a:fontRef idx="minor"/>
     </dgm:style>
   </dgm:styleLbl>
-  <dgm:styleLbl name="fgAcc1">
+  <dgm:styleLbl name="solidFgAcc1">
     <dgm:scene3d>
       <a:camera prst="orthographicFront"/>
       <a:lightRig rig="threePt" dir="t"/>
     </dgm:scene3d>
-    <dgm:sp3d/>
-    <dgm:txPr/>
-    <dgm:style>
-      <a:lnRef idx="2">
-        <a:scrgbClr r="0" g="0" b="0"/>
-      </a:lnRef>
-      <a:fillRef idx="1">
-        <a:scrgbClr r="0" g="0" b="0"/>
-      </a:fillRef>
-      <a:effectRef idx="0">
-        <a:scrgbClr r="0" g="0" b="0"/>
-      </a:effectRef>
-      <a:fontRef idx="minor"/>
-    </dgm:style>
-  </dgm:styleLbl>
-  <dgm:styleLbl name="conFgAcc1">
-    <dgm:scene3d>
-      <a:camera prst="orthographicFront"/>
-      <a:lightRig rig="threePt" dir="t"/>
-    </dgm:scene3d>
-    <dgm:sp3d/>
-    <dgm:txPr/>
-    <dgm:style>
-      <a:lnRef idx="2">
-        <a:scrgbClr r="0" g="0" b="0"/>
-      </a:lnRef>
-      <a:fillRef idx="1">
-        <a:scrgbClr r="0" g="0" b="0"/>
-      </a:fillRef>
-      <a:effectRef idx="0">
-        <a:scrgbClr r="0" g="0" b="0"/>
-      </a:effectRef>
-      <a:fontRef idx="minor"/>
-    </dgm:style>
-  </dgm:styleLbl>
-  <dgm:styleLbl name="alignAcc1">
-    <dgm:scene3d>
-      <a:camera prst="orthographicFront"/>
-      <a:lightRig rig="threePt" dir="t"/>
-    </dgm:scene3d>
-    <dgm:sp3d/>
     <dgm:txPr/>
     <dgm:style>
       <a:lnRef idx="2">
@@ -1821,270 +2027,9 @@
       <a:camera prst="orthographicFront"/>
       <a:lightRig rig="threePt" dir="t"/>
     </dgm:scene3d>
-    <dgm:sp3d/>
     <dgm:txPr/>
     <dgm:style>
       <a:lnRef idx="1">
-        <a:scrgbClr r="0" g="0" b="0"/>
-      </a:lnRef>
-      <a:fillRef idx="1">
-        <a:scrgbClr r="0" g="0" b="0"/>
-      </a:fillRef>
-      <a:effectRef idx="0">
-        <a:scrgbClr r="0" g="0" b="0"/>
-      </a:effectRef>
-      <a:fontRef idx="minor"/>
-    </dgm:style>
-  </dgm:styleLbl>
-  <dgm:styleLbl name="bgAcc1">
-    <dgm:scene3d>
-      <a:camera prst="orthographicFront"/>
-      <a:lightRig rig="threePt" dir="t"/>
-    </dgm:scene3d>
-    <dgm:sp3d/>
-    <dgm:txPr/>
-    <dgm:style>
-      <a:lnRef idx="2">
-        <a:scrgbClr r="0" g="0" b="0"/>
-      </a:lnRef>
-      <a:fillRef idx="1">
-        <a:scrgbClr r="0" g="0" b="0"/>
-      </a:fillRef>
-      <a:effectRef idx="0">
-        <a:scrgbClr r="0" g="0" b="0"/>
-      </a:effectRef>
-      <a:fontRef idx="minor"/>
-    </dgm:style>
-  </dgm:styleLbl>
-  <dgm:styleLbl name="solidFgAcc1">
-    <dgm:scene3d>
-      <a:camera prst="orthographicFront"/>
-      <a:lightRig rig="threePt" dir="t"/>
-    </dgm:scene3d>
-    <dgm:sp3d/>
-    <dgm:txPr/>
-    <dgm:style>
-      <a:lnRef idx="2">
-        <a:scrgbClr r="0" g="0" b="0"/>
-      </a:lnRef>
-      <a:fillRef idx="1">
-        <a:scrgbClr r="0" g="0" b="0"/>
-      </a:fillRef>
-      <a:effectRef idx="0">
-        <a:scrgbClr r="0" g="0" b="0"/>
-      </a:effectRef>
-      <a:fontRef idx="minor"/>
-    </dgm:style>
-  </dgm:styleLbl>
-  <dgm:styleLbl name="solidAlignAcc1">
-    <dgm:scene3d>
-      <a:camera prst="orthographicFront"/>
-      <a:lightRig rig="threePt" dir="t"/>
-    </dgm:scene3d>
-    <dgm:sp3d/>
-    <dgm:txPr/>
-    <dgm:style>
-      <a:lnRef idx="2">
-        <a:scrgbClr r="0" g="0" b="0"/>
-      </a:lnRef>
-      <a:fillRef idx="1">
-        <a:scrgbClr r="0" g="0" b="0"/>
-      </a:fillRef>
-      <a:effectRef idx="0">
-        <a:scrgbClr r="0" g="0" b="0"/>
-      </a:effectRef>
-      <a:fontRef idx="minor"/>
-    </dgm:style>
-  </dgm:styleLbl>
-  <dgm:styleLbl name="solidBgAcc1">
-    <dgm:scene3d>
-      <a:camera prst="orthographicFront"/>
-      <a:lightRig rig="threePt" dir="t"/>
-    </dgm:scene3d>
-    <dgm:sp3d/>
-    <dgm:txPr/>
-    <dgm:style>
-      <a:lnRef idx="2">
-        <a:scrgbClr r="0" g="0" b="0"/>
-      </a:lnRef>
-      <a:fillRef idx="1">
-        <a:scrgbClr r="0" g="0" b="0"/>
-      </a:fillRef>
-      <a:effectRef idx="0">
-        <a:scrgbClr r="0" g="0" b="0"/>
-      </a:effectRef>
-      <a:fontRef idx="minor"/>
-    </dgm:style>
-  </dgm:styleLbl>
-  <dgm:styleLbl name="fgAccFollowNode1">
-    <dgm:scene3d>
-      <a:camera prst="orthographicFront"/>
-      <a:lightRig rig="threePt" dir="t"/>
-    </dgm:scene3d>
-    <dgm:sp3d/>
-    <dgm:txPr/>
-    <dgm:style>
-      <a:lnRef idx="2">
-        <a:scrgbClr r="0" g="0" b="0"/>
-      </a:lnRef>
-      <a:fillRef idx="1">
-        <a:scrgbClr r="0" g="0" b="0"/>
-      </a:fillRef>
-      <a:effectRef idx="0">
-        <a:scrgbClr r="0" g="0" b="0"/>
-      </a:effectRef>
-      <a:fontRef idx="minor"/>
-    </dgm:style>
-  </dgm:styleLbl>
-  <dgm:styleLbl name="alignAccFollowNode1">
-    <dgm:scene3d>
-      <a:camera prst="orthographicFront"/>
-      <a:lightRig rig="threePt" dir="t"/>
-    </dgm:scene3d>
-    <dgm:sp3d/>
-    <dgm:txPr/>
-    <dgm:style>
-      <a:lnRef idx="2">
-        <a:scrgbClr r="0" g="0" b="0"/>
-      </a:lnRef>
-      <a:fillRef idx="1">
-        <a:scrgbClr r="0" g="0" b="0"/>
-      </a:fillRef>
-      <a:effectRef idx="0">
-        <a:scrgbClr r="0" g="0" b="0"/>
-      </a:effectRef>
-      <a:fontRef idx="minor"/>
-    </dgm:style>
-  </dgm:styleLbl>
-  <dgm:styleLbl name="bgAccFollowNode1">
-    <dgm:scene3d>
-      <a:camera prst="orthographicFront"/>
-      <a:lightRig rig="threePt" dir="t"/>
-    </dgm:scene3d>
-    <dgm:sp3d/>
-    <dgm:txPr/>
-    <dgm:style>
-      <a:lnRef idx="2">
-        <a:scrgbClr r="0" g="0" b="0"/>
-      </a:lnRef>
-      <a:fillRef idx="1">
-        <a:scrgbClr r="0" g="0" b="0"/>
-      </a:fillRef>
-      <a:effectRef idx="0">
-        <a:scrgbClr r="0" g="0" b="0"/>
-      </a:effectRef>
-      <a:fontRef idx="minor"/>
-    </dgm:style>
-  </dgm:styleLbl>
-  <dgm:styleLbl name="fgAcc0">
-    <dgm:scene3d>
-      <a:camera prst="orthographicFront"/>
-      <a:lightRig rig="threePt" dir="t"/>
-    </dgm:scene3d>
-    <dgm:sp3d/>
-    <dgm:txPr/>
-    <dgm:style>
-      <a:lnRef idx="2">
-        <a:scrgbClr r="0" g="0" b="0"/>
-      </a:lnRef>
-      <a:fillRef idx="1">
-        <a:scrgbClr r="0" g="0" b="0"/>
-      </a:fillRef>
-      <a:effectRef idx="0">
-        <a:scrgbClr r="0" g="0" b="0"/>
-      </a:effectRef>
-      <a:fontRef idx="minor"/>
-    </dgm:style>
-  </dgm:styleLbl>
-  <dgm:styleLbl name="fgAcc2">
-    <dgm:scene3d>
-      <a:camera prst="orthographicFront"/>
-      <a:lightRig rig="threePt" dir="t"/>
-    </dgm:scene3d>
-    <dgm:sp3d/>
-    <dgm:txPr/>
-    <dgm:style>
-      <a:lnRef idx="2">
-        <a:scrgbClr r="0" g="0" b="0"/>
-      </a:lnRef>
-      <a:fillRef idx="1">
-        <a:scrgbClr r="0" g="0" b="0"/>
-      </a:fillRef>
-      <a:effectRef idx="0">
-        <a:scrgbClr r="0" g="0" b="0"/>
-      </a:effectRef>
-      <a:fontRef idx="minor"/>
-    </dgm:style>
-  </dgm:styleLbl>
-  <dgm:styleLbl name="fgAcc3">
-    <dgm:scene3d>
-      <a:camera prst="orthographicFront"/>
-      <a:lightRig rig="threePt" dir="t"/>
-    </dgm:scene3d>
-    <dgm:sp3d/>
-    <dgm:txPr/>
-    <dgm:style>
-      <a:lnRef idx="2">
-        <a:scrgbClr r="0" g="0" b="0"/>
-      </a:lnRef>
-      <a:fillRef idx="1">
-        <a:scrgbClr r="0" g="0" b="0"/>
-      </a:fillRef>
-      <a:effectRef idx="0">
-        <a:scrgbClr r="0" g="0" b="0"/>
-      </a:effectRef>
-      <a:fontRef idx="minor"/>
-    </dgm:style>
-  </dgm:styleLbl>
-  <dgm:styleLbl name="fgAcc4">
-    <dgm:scene3d>
-      <a:camera prst="orthographicFront"/>
-      <a:lightRig rig="threePt" dir="t"/>
-    </dgm:scene3d>
-    <dgm:sp3d/>
-    <dgm:txPr/>
-    <dgm:style>
-      <a:lnRef idx="2">
-        <a:scrgbClr r="0" g="0" b="0"/>
-      </a:lnRef>
-      <a:fillRef idx="1">
-        <a:scrgbClr r="0" g="0" b="0"/>
-      </a:fillRef>
-      <a:effectRef idx="0">
-        <a:scrgbClr r="0" g="0" b="0"/>
-      </a:effectRef>
-      <a:fontRef idx="minor"/>
-    </dgm:style>
-  </dgm:styleLbl>
-  <dgm:styleLbl name="bgShp">
-    <dgm:scene3d>
-      <a:camera prst="orthographicFront"/>
-      <a:lightRig rig="threePt" dir="t"/>
-    </dgm:scene3d>
-    <dgm:sp3d/>
-    <dgm:txPr/>
-    <dgm:style>
-      <a:lnRef idx="0">
-        <a:scrgbClr r="0" g="0" b="0"/>
-      </a:lnRef>
-      <a:fillRef idx="1">
-        <a:scrgbClr r="0" g="0" b="0"/>
-      </a:fillRef>
-      <a:effectRef idx="0">
-        <a:scrgbClr r="0" g="0" b="0"/>
-      </a:effectRef>
-      <a:fontRef idx="minor"/>
-    </dgm:style>
-  </dgm:styleLbl>
-  <dgm:styleLbl name="dkBgShp">
-    <dgm:scene3d>
-      <a:camera prst="orthographicFront"/>
-      <a:lightRig rig="threePt" dir="t"/>
-    </dgm:scene3d>
-    <dgm:sp3d/>
-    <dgm:txPr/>
-    <dgm:style>
-      <a:lnRef idx="0">
         <a:scrgbClr r="0" g="0" b="0"/>
       </a:lnRef>
       <a:fillRef idx="1">
@@ -2101,7 +2046,6 @@
       <a:camera prst="orthographicFront"/>
       <a:lightRig rig="threePt" dir="t"/>
     </dgm:scene3d>
-    <dgm:sp3d/>
     <dgm:txPr/>
     <dgm:style>
       <a:lnRef idx="0">
@@ -2116,12 +2060,11 @@
       <a:fontRef idx="minor"/>
     </dgm:style>
   </dgm:styleLbl>
-  <dgm:styleLbl name="fgShp">
+  <dgm:styleLbl name="vennNode1">
     <dgm:scene3d>
       <a:camera prst="orthographicFront"/>
       <a:lightRig rig="threePt" dir="t"/>
     </dgm:scene3d>
-    <dgm:sp3d/>
     <dgm:txPr/>
     <dgm:style>
       <a:lnRef idx="2">
@@ -2133,27 +2076,9 @@
       <a:effectRef idx="0">
         <a:scrgbClr r="0" g="0" b="0"/>
       </a:effectRef>
-      <a:fontRef idx="minor"/>
-    </dgm:style>
-  </dgm:styleLbl>
-  <dgm:styleLbl name="revTx">
-    <dgm:scene3d>
-      <a:camera prst="orthographicFront"/>
-      <a:lightRig rig="threePt" dir="t"/>
-    </dgm:scene3d>
-    <dgm:sp3d/>
-    <dgm:txPr/>
-    <dgm:style>
-      <a:lnRef idx="0">
-        <a:scrgbClr r="0" g="0" b="0"/>
-      </a:lnRef>
-      <a:fillRef idx="0">
-        <a:scrgbClr r="0" g="0" b="0"/>
-      </a:fillRef>
-      <a:effectRef idx="0">
-        <a:scrgbClr r="0" g="0" b="0"/>
-      </a:effectRef>
-      <a:fontRef idx="minor"/>
+      <a:fontRef idx="minor">
+        <a:schemeClr val="tx1"/>
+      </a:fontRef>
     </dgm:style>
   </dgm:styleLbl>
 </dgm:styleDef>
@@ -2241,7 +2166,6 @@
           <a:p>
             <a:fld id="{00F1C03A-7D5E-40A2-ACC7-487BBAD490CE}" type="datetimeFigureOut">
               <a:rPr lang="en-AU" smtClean="0"/>
-              <a:t>12/09/2021</a:t>
             </a:fld>
             <a:endParaRPr lang="en-AU"/>
           </a:p>
@@ -2308,6 +2232,7 @@
               <a:rPr lang="en-US"/>
               <a:t>Edit Master text styles</a:t>
             </a:r>
+            <a:endParaRPr lang="en-US"/>
           </a:p>
           <a:p>
             <a:pPr lvl="1"/>
@@ -2315,6 +2240,7 @@
               <a:rPr lang="en-US"/>
               <a:t>Second level</a:t>
             </a:r>
+            <a:endParaRPr lang="en-US"/>
           </a:p>
           <a:p>
             <a:pPr lvl="2"/>
@@ -2322,6 +2248,7 @@
               <a:rPr lang="en-US"/>
               <a:t>Third level</a:t>
             </a:r>
+            <a:endParaRPr lang="en-US"/>
           </a:p>
           <a:p>
             <a:pPr lvl="3"/>
@@ -2329,6 +2256,7 @@
               <a:rPr lang="en-US"/>
               <a:t>Fourth level</a:t>
             </a:r>
+            <a:endParaRPr lang="en-US"/>
           </a:p>
           <a:p>
             <a:pPr lvl="4"/>
@@ -2400,18 +2328,12 @@
           <a:p>
             <a:fld id="{559202B5-69D8-4A0F-B314-779986B766BD}" type="slidenum">
               <a:rPr lang="en-AU" smtClean="0"/>
-              <a:t>‹#›</a:t>
             </a:fld>
             <a:endParaRPr lang="en-AU"/>
           </a:p>
         </p:txBody>
       </p:sp>
     </p:spTree>
-    <p:extLst>
-      <p:ext uri="{BB962C8B-B14F-4D97-AF65-F5344CB8AC3E}">
-        <p14:creationId xmlns:p14="http://schemas.microsoft.com/office/powerpoint/2010/main" val="371512523"/>
-      </p:ext>
-    </p:extLst>
   </p:cSld>
   <p:clrMap bg1="lt1" tx1="dk1" bg2="lt2" tx2="dk2" accent1="accent1" accent2="accent2" accent3="accent3" accent4="accent4" accent5="accent5" accent6="accent6" hlink="hlink" folHlink="folHlink"/>
   <p:notesStyle>
@@ -2574,18 +2496,12 @@
           <a:p>
             <a:fld id="{559202B5-69D8-4A0F-B314-779986B766BD}" type="slidenum">
               <a:rPr lang="en-AU" smtClean="0"/>
-              <a:t>1</a:t>
             </a:fld>
             <a:endParaRPr lang="en-AU"/>
           </a:p>
         </p:txBody>
       </p:sp>
     </p:spTree>
-    <p:extLst>
-      <p:ext uri="{BB962C8B-B14F-4D97-AF65-F5344CB8AC3E}">
-        <p14:creationId xmlns:p14="http://schemas.microsoft.com/office/powerpoint/2010/main" val="3559758356"/>
-      </p:ext>
-    </p:extLst>
   </p:cSld>
   <p:clrMapOvr>
     <a:masterClrMapping/>
@@ -2645,6 +2561,7 @@
               <a:rPr lang="en-US" dirty="0"/>
               <a:t>Unlike ATSI, this profile is older than the general population</a:t>
             </a:r>
+            <a:endParaRPr lang="en-US" dirty="0"/>
           </a:p>
           <a:p>
             <a:pPr marL="171450" indent="-171450">
@@ -2655,6 +2572,7 @@
               <a:rPr lang="en-US" dirty="0"/>
               <a:t>Much smaller percentage of services to LOTE females than other categories</a:t>
             </a:r>
+            <a:endParaRPr lang="en-US" dirty="0"/>
           </a:p>
           <a:p>
             <a:pPr marL="171450" indent="-171450">
@@ -2665,6 +2583,7 @@
               <a:rPr lang="en-US" dirty="0"/>
               <a:t>Top LGAs tend to be LGAs with higher concentrations of overseas born people</a:t>
             </a:r>
+            <a:endParaRPr lang="en-US" dirty="0"/>
           </a:p>
           <a:p>
             <a:pPr marL="171450" indent="-171450">
@@ -2704,18 +2623,12 @@
           <a:p>
             <a:fld id="{559202B5-69D8-4A0F-B314-779986B766BD}" type="slidenum">
               <a:rPr lang="en-AU" smtClean="0"/>
-              <a:t>10</a:t>
             </a:fld>
             <a:endParaRPr lang="en-AU"/>
           </a:p>
         </p:txBody>
       </p:sp>
     </p:spTree>
-    <p:extLst>
-      <p:ext uri="{BB962C8B-B14F-4D97-AF65-F5344CB8AC3E}">
-        <p14:creationId xmlns:p14="http://schemas.microsoft.com/office/powerpoint/2010/main" val="2279963470"/>
-      </p:ext>
-    </p:extLst>
   </p:cSld>
   <p:clrMapOvr>
     <a:masterClrMapping/>
@@ -2771,6 +2684,7 @@
               <a:rPr lang="en-AU" dirty="0"/>
               <a:t>Read slide.</a:t>
             </a:r>
+            <a:endParaRPr lang="en-AU" dirty="0"/>
           </a:p>
         </p:txBody>
       </p:sp>
@@ -2791,18 +2705,12 @@
           <a:p>
             <a:fld id="{559202B5-69D8-4A0F-B314-779986B766BD}" type="slidenum">
               <a:rPr lang="en-AU" smtClean="0"/>
-              <a:t>11</a:t>
             </a:fld>
             <a:endParaRPr lang="en-AU"/>
           </a:p>
         </p:txBody>
       </p:sp>
     </p:spTree>
-    <p:extLst>
-      <p:ext uri="{BB962C8B-B14F-4D97-AF65-F5344CB8AC3E}">
-        <p14:creationId xmlns:p14="http://schemas.microsoft.com/office/powerpoint/2010/main" val="3712757643"/>
-      </p:ext>
-    </p:extLst>
   </p:cSld>
   <p:clrMapOvr>
     <a:masterClrMapping/>
@@ -2858,6 +2766,7 @@
               <a:rPr lang="en-AU" dirty="0"/>
               <a:t>met to establish some questions for them to answer (read dot point four) and wanted them to look at client data over a 10 year period. </a:t>
             </a:r>
+            <a:endParaRPr lang="en-AU" dirty="0"/>
           </a:p>
         </p:txBody>
       </p:sp>
@@ -2878,18 +2787,12 @@
           <a:p>
             <a:fld id="{559202B5-69D8-4A0F-B314-779986B766BD}" type="slidenum">
               <a:rPr lang="en-AU" smtClean="0"/>
-              <a:t>2</a:t>
             </a:fld>
             <a:endParaRPr lang="en-AU"/>
           </a:p>
         </p:txBody>
       </p:sp>
     </p:spTree>
-    <p:extLst>
-      <p:ext uri="{BB962C8B-B14F-4D97-AF65-F5344CB8AC3E}">
-        <p14:creationId xmlns:p14="http://schemas.microsoft.com/office/powerpoint/2010/main" val="2620154031"/>
-      </p:ext>
-    </p:extLst>
   </p:cSld>
   <p:clrMapOvr>
     <a:masterClrMapping/>
@@ -2945,6 +2848,7 @@
               <a:rPr lang="en-AU" dirty="0"/>
               <a:t>Last year, after trying to get a program going with RMIT,  we ended up getting together with a group of senior Data Analytics students, who were trying to establish a real world project with NFPs</a:t>
             </a:r>
+            <a:endParaRPr lang="en-AU" dirty="0"/>
           </a:p>
         </p:txBody>
       </p:sp>
@@ -2965,18 +2869,12 @@
           <a:p>
             <a:fld id="{559202B5-69D8-4A0F-B314-779986B766BD}" type="slidenum">
               <a:rPr lang="en-AU" smtClean="0"/>
-              <a:t>3</a:t>
             </a:fld>
             <a:endParaRPr lang="en-AU"/>
           </a:p>
         </p:txBody>
       </p:sp>
     </p:spTree>
-    <p:extLst>
-      <p:ext uri="{BB962C8B-B14F-4D97-AF65-F5344CB8AC3E}">
-        <p14:creationId xmlns:p14="http://schemas.microsoft.com/office/powerpoint/2010/main" val="366632398"/>
-      </p:ext>
-    </p:extLst>
   </p:cSld>
   <p:clrMapOvr>
     <a:masterClrMapping/>
@@ -3032,6 +2930,7 @@
               <a:rPr lang="en-AU" dirty="0"/>
               <a:t>met to establish some questions for them to answer (read dot point four) and wanted them to look at client data over a 10 year period. </a:t>
             </a:r>
+            <a:endParaRPr lang="en-AU" dirty="0"/>
           </a:p>
         </p:txBody>
       </p:sp>
@@ -3052,18 +2951,12 @@
           <a:p>
             <a:fld id="{559202B5-69D8-4A0F-B314-779986B766BD}" type="slidenum">
               <a:rPr lang="en-AU" smtClean="0"/>
-              <a:t>4</a:t>
             </a:fld>
             <a:endParaRPr lang="en-AU"/>
           </a:p>
         </p:txBody>
       </p:sp>
     </p:spTree>
-    <p:extLst>
-      <p:ext uri="{BB962C8B-B14F-4D97-AF65-F5344CB8AC3E}">
-        <p14:creationId xmlns:p14="http://schemas.microsoft.com/office/powerpoint/2010/main" val="989441684"/>
-      </p:ext>
-    </p:extLst>
   </p:cSld>
   <p:clrMapOvr>
     <a:masterClrMapping/>
@@ -3119,6 +3012,7 @@
               <a:rPr lang="en-AU" dirty="0"/>
               <a:t>met to establish some questions for them to answer (read dot point four) and wanted them to look at client data over a 10 year period. </a:t>
             </a:r>
+            <a:endParaRPr lang="en-AU" dirty="0"/>
           </a:p>
         </p:txBody>
       </p:sp>
@@ -3139,18 +3033,12 @@
           <a:p>
             <a:fld id="{559202B5-69D8-4A0F-B314-779986B766BD}" type="slidenum">
               <a:rPr lang="en-AU" smtClean="0"/>
-              <a:t>5</a:t>
             </a:fld>
             <a:endParaRPr lang="en-AU"/>
           </a:p>
         </p:txBody>
       </p:sp>
     </p:spTree>
-    <p:extLst>
-      <p:ext uri="{BB962C8B-B14F-4D97-AF65-F5344CB8AC3E}">
-        <p14:creationId xmlns:p14="http://schemas.microsoft.com/office/powerpoint/2010/main" val="2089823635"/>
-      </p:ext>
-    </p:extLst>
   </p:cSld>
   <p:clrMapOvr>
     <a:masterClrMapping/>
@@ -3206,6 +3094,7 @@
               <a:rPr lang="en-AU" dirty="0"/>
               <a:t>met to establish some questions for them to answer (read dot point four) and wanted them to look at client data over a 10 year period. </a:t>
             </a:r>
+            <a:endParaRPr lang="en-AU" dirty="0"/>
           </a:p>
         </p:txBody>
       </p:sp>
@@ -3226,18 +3115,12 @@
           <a:p>
             <a:fld id="{559202B5-69D8-4A0F-B314-779986B766BD}" type="slidenum">
               <a:rPr lang="en-AU" smtClean="0"/>
-              <a:t>6</a:t>
             </a:fld>
             <a:endParaRPr lang="en-AU"/>
           </a:p>
         </p:txBody>
       </p:sp>
     </p:spTree>
-    <p:extLst>
-      <p:ext uri="{BB962C8B-B14F-4D97-AF65-F5344CB8AC3E}">
-        <p14:creationId xmlns:p14="http://schemas.microsoft.com/office/powerpoint/2010/main" val="3882872398"/>
-      </p:ext>
-    </p:extLst>
   </p:cSld>
   <p:clrMapOvr>
     <a:masterClrMapping/>
@@ -3293,12 +3176,14 @@
               <a:rPr lang="en-AU" dirty="0"/>
               <a:t>Note that all this data will relate to services, not clients, so in others words, read the percentages as a percentage of total service so 32% of our services are to female clients, while 68% are to men.</a:t>
             </a:r>
+            <a:endParaRPr lang="en-AU" dirty="0"/>
           </a:p>
           <a:p>
             <a:r>
               <a:rPr lang="en-AU" dirty="0"/>
               <a:t>(go through data)</a:t>
             </a:r>
+            <a:endParaRPr lang="en-AU" dirty="0"/>
           </a:p>
           <a:p>
             <a:pPr marL="171450" indent="-171450">
@@ -3309,6 +3194,7 @@
               <a:rPr lang="en-AU" dirty="0"/>
               <a:t>Median age</a:t>
             </a:r>
+            <a:endParaRPr lang="en-AU" dirty="0"/>
           </a:p>
           <a:p>
             <a:pPr marL="171450" indent="-171450">
@@ -3319,6 +3205,7 @@
               <a:rPr lang="en-AU" dirty="0"/>
               <a:t>Top matters</a:t>
             </a:r>
+            <a:endParaRPr lang="en-AU" dirty="0"/>
           </a:p>
           <a:p>
             <a:pPr marL="171450" indent="-171450">
@@ -3329,6 +3216,7 @@
               <a:rPr lang="en-AU" dirty="0"/>
               <a:t>Duty lawyer predominant service type, Crim dominant program</a:t>
             </a:r>
+            <a:endParaRPr lang="en-AU" dirty="0"/>
           </a:p>
           <a:p>
             <a:pPr marL="171450" indent="-171450">
@@ -3339,6 +3227,7 @@
               <a:rPr lang="en-AU" dirty="0"/>
               <a:t>From Casey, Hume, Greater Geelong</a:t>
             </a:r>
+            <a:endParaRPr lang="en-AU" dirty="0"/>
           </a:p>
           <a:p>
             <a:pPr marL="171450" indent="-171450">
@@ -3349,6 +3238,7 @@
               <a:rPr lang="en-AU" dirty="0"/>
               <a:t>Approx. two thirds of services to men, a third to women.</a:t>
             </a:r>
+            <a:endParaRPr lang="en-AU" dirty="0"/>
           </a:p>
           <a:p>
             <a:pPr marL="171450" indent="-171450">
@@ -3367,6 +3257,7 @@
               <a:rPr lang="en-AU" dirty="0"/>
               <a:t> include FV and family law/child protection</a:t>
             </a:r>
+            <a:endParaRPr lang="en-AU" dirty="0"/>
           </a:p>
         </p:txBody>
       </p:sp>
@@ -3387,18 +3278,12 @@
           <a:p>
             <a:fld id="{559202B5-69D8-4A0F-B314-779986B766BD}" type="slidenum">
               <a:rPr lang="en-AU" smtClean="0"/>
-              <a:t>7</a:t>
             </a:fld>
             <a:endParaRPr lang="en-AU"/>
           </a:p>
         </p:txBody>
       </p:sp>
     </p:spTree>
-    <p:extLst>
-      <p:ext uri="{BB962C8B-B14F-4D97-AF65-F5344CB8AC3E}">
-        <p14:creationId xmlns:p14="http://schemas.microsoft.com/office/powerpoint/2010/main" val="658496531"/>
-      </p:ext>
-    </p:extLst>
   </p:cSld>
   <p:clrMapOvr>
     <a:masterClrMapping/>
@@ -3454,6 +3339,7 @@
               <a:rPr lang="en-US" dirty="0"/>
               <a:t>Note the differences in this group compared with the “all VLA” group</a:t>
             </a:r>
+            <a:endParaRPr lang="en-US" dirty="0"/>
           </a:p>
           <a:p>
             <a:pPr marL="171450" indent="-171450">
@@ -3464,6 +3350,7 @@
               <a:rPr lang="en-US" dirty="0"/>
               <a:t>Higher percentage of services going to females</a:t>
             </a:r>
+            <a:endParaRPr lang="en-US" dirty="0"/>
           </a:p>
           <a:p>
             <a:pPr marL="171450" indent="-171450">
@@ -3474,6 +3361,7 @@
               <a:rPr lang="en-US" dirty="0"/>
               <a:t>Protection application is the dominant matter type, well ahead of the others</a:t>
             </a:r>
+            <a:endParaRPr lang="en-US" dirty="0"/>
           </a:p>
           <a:p>
             <a:pPr marL="171450" indent="-171450">
@@ -3505,18 +3393,12 @@
           <a:p>
             <a:fld id="{559202B5-69D8-4A0F-B314-779986B766BD}" type="slidenum">
               <a:rPr lang="en-AU" smtClean="0"/>
-              <a:t>8</a:t>
             </a:fld>
             <a:endParaRPr lang="en-AU"/>
           </a:p>
         </p:txBody>
       </p:sp>
     </p:spTree>
-    <p:extLst>
-      <p:ext uri="{BB962C8B-B14F-4D97-AF65-F5344CB8AC3E}">
-        <p14:creationId xmlns:p14="http://schemas.microsoft.com/office/powerpoint/2010/main" val="400784010"/>
-      </p:ext>
-    </p:extLst>
   </p:cSld>
   <p:clrMapOvr>
     <a:masterClrMapping/>
@@ -3572,6 +3454,7 @@
               <a:rPr lang="en-US" dirty="0"/>
               <a:t>Again, let’s have a look at this group and differences/similarities</a:t>
             </a:r>
+            <a:endParaRPr lang="en-US" dirty="0"/>
           </a:p>
           <a:p>
             <a:pPr marL="171450" indent="-171450">
@@ -3582,6 +3465,7 @@
               <a:rPr lang="en-US" dirty="0"/>
               <a:t>Younger median age – reflects the younger profile of this group in the community</a:t>
             </a:r>
+            <a:endParaRPr lang="en-US" dirty="0"/>
           </a:p>
           <a:p>
             <a:pPr marL="171450" indent="-171450">
@@ -3592,6 +3476,7 @@
               <a:rPr lang="en-US" dirty="0"/>
               <a:t>More services provided to females than in the general group</a:t>
             </a:r>
+            <a:endParaRPr lang="en-US" dirty="0"/>
           </a:p>
           <a:p>
             <a:pPr marL="171450" indent="-171450">
@@ -3602,6 +3487,7 @@
               <a:rPr lang="en-US" dirty="0"/>
               <a:t>Similar to young people, child protection applications are the most dominant type of service</a:t>
             </a:r>
+            <a:endParaRPr lang="en-US" dirty="0"/>
           </a:p>
           <a:p>
             <a:pPr marL="171450" indent="-171450">
@@ -3612,6 +3498,7 @@
               <a:rPr lang="en-US" dirty="0"/>
               <a:t>The top LGAs are different from the general group – tend to be regional areas</a:t>
             </a:r>
+            <a:endParaRPr lang="en-US" dirty="0"/>
           </a:p>
           <a:p>
             <a:pPr marL="171450" indent="-171450">
@@ -3643,18 +3530,12 @@
           <a:p>
             <a:fld id="{559202B5-69D8-4A0F-B314-779986B766BD}" type="slidenum">
               <a:rPr lang="en-AU" smtClean="0"/>
-              <a:t>9</a:t>
             </a:fld>
             <a:endParaRPr lang="en-AU"/>
           </a:p>
         </p:txBody>
       </p:sp>
     </p:spTree>
-    <p:extLst>
-      <p:ext uri="{BB962C8B-B14F-4D97-AF65-F5344CB8AC3E}">
-        <p14:creationId xmlns:p14="http://schemas.microsoft.com/office/powerpoint/2010/main" val="3324602"/>
-      </p:ext>
-    </p:extLst>
   </p:cSld>
   <p:clrMapOvr>
     <a:masterClrMapping/>
@@ -3907,8 +3788,6 @@
           <a:p>
             <a:fld id="{B61BEF0D-F0BB-DE4B-95CE-6DB70DBA9567}" type="datetimeFigureOut">
               <a:rPr lang="en-US" dirty="0"/>
-              <a:pPr/>
-              <a:t>9/12/2021</a:t>
             </a:fld>
             <a:endParaRPr lang="en-US" dirty="0"/>
           </a:p>
@@ -3982,8 +3861,6 @@
           <a:p>
             <a:fld id="{D57F1E4F-1CFF-5643-939E-217C01CDF565}" type="slidenum">
               <a:rPr lang="en-US" dirty="0"/>
-              <a:pPr/>
-              <a:t>‹#›</a:t>
             </a:fld>
             <a:endParaRPr lang="en-US" dirty="0"/>
           </a:p>
@@ -4117,6 +3994,7 @@
               <a:rPr lang="en-US"/>
               <a:t>Edit Master text styles</a:t>
             </a:r>
+            <a:endParaRPr lang="en-US"/>
           </a:p>
           <a:p>
             <a:pPr lvl="1"/>
@@ -4124,6 +4002,7 @@
               <a:rPr lang="en-US"/>
               <a:t>Second level</a:t>
             </a:r>
+            <a:endParaRPr lang="en-US"/>
           </a:p>
           <a:p>
             <a:pPr lvl="2"/>
@@ -4131,6 +4010,7 @@
               <a:rPr lang="en-US"/>
               <a:t>Third level</a:t>
             </a:r>
+            <a:endParaRPr lang="en-US"/>
           </a:p>
           <a:p>
             <a:pPr lvl="3"/>
@@ -4138,6 +4018,7 @@
               <a:rPr lang="en-US"/>
               <a:t>Fourth level</a:t>
             </a:r>
+            <a:endParaRPr lang="en-US"/>
           </a:p>
           <a:p>
             <a:pPr lvl="4"/>
@@ -4166,8 +4047,6 @@
           <a:p>
             <a:fld id="{B61BEF0D-F0BB-DE4B-95CE-6DB70DBA9567}" type="datetimeFigureOut">
               <a:rPr lang="en-US" dirty="0"/>
-              <a:pPr/>
-              <a:t>9/12/2021</a:t>
             </a:fld>
             <a:endParaRPr lang="en-US" dirty="0"/>
           </a:p>
@@ -4209,8 +4088,6 @@
           <a:p>
             <a:fld id="{D57F1E4F-1CFF-5643-939E-217C01CDF565}" type="slidenum">
               <a:rPr lang="en-US" dirty="0"/>
-              <a:pPr/>
-              <a:t>‹#›</a:t>
             </a:fld>
             <a:endParaRPr lang="en-US" dirty="0"/>
           </a:p>
@@ -4333,6 +4210,7 @@
               <a:rPr lang="en-US"/>
               <a:t>Edit Master text styles</a:t>
             </a:r>
+            <a:endParaRPr lang="en-US"/>
           </a:p>
           <a:p>
             <a:pPr lvl="1"/>
@@ -4340,6 +4218,7 @@
               <a:rPr lang="en-US"/>
               <a:t>Second level</a:t>
             </a:r>
+            <a:endParaRPr lang="en-US"/>
           </a:p>
           <a:p>
             <a:pPr lvl="2"/>
@@ -4347,6 +4226,7 @@
               <a:rPr lang="en-US"/>
               <a:t>Third level</a:t>
             </a:r>
+            <a:endParaRPr lang="en-US"/>
           </a:p>
           <a:p>
             <a:pPr lvl="3"/>
@@ -4354,6 +4234,7 @@
               <a:rPr lang="en-US"/>
               <a:t>Fourth level</a:t>
             </a:r>
+            <a:endParaRPr lang="en-US"/>
           </a:p>
           <a:p>
             <a:pPr lvl="4"/>
@@ -4398,8 +4279,6 @@
           <a:p>
             <a:fld id="{B61BEF0D-F0BB-DE4B-95CE-6DB70DBA9567}" type="datetimeFigureOut">
               <a:rPr lang="en-US" dirty="0"/>
-              <a:pPr/>
-              <a:t>9/12/2021</a:t>
             </a:fld>
             <a:endParaRPr lang="en-US" dirty="0"/>
           </a:p>
@@ -4462,8 +4341,6 @@
           <a:p>
             <a:fld id="{D57F1E4F-1CFF-5643-939E-217C01CDF565}" type="slidenum">
               <a:rPr lang="en-US" dirty="0"/>
-              <a:pPr/>
-              <a:t>‹#›</a:t>
             </a:fld>
             <a:endParaRPr lang="en-US" dirty="0"/>
           </a:p>
@@ -4586,6 +4463,7 @@
               <a:rPr lang="en-US"/>
               <a:t>Edit Master text styles</a:t>
             </a:r>
+            <a:endParaRPr lang="en-US"/>
           </a:p>
           <a:p>
             <a:pPr lvl="1"/>
@@ -4593,6 +4471,7 @@
               <a:rPr lang="en-US"/>
               <a:t>Second level</a:t>
             </a:r>
+            <a:endParaRPr lang="en-US"/>
           </a:p>
           <a:p>
             <a:pPr lvl="2"/>
@@ -4600,6 +4479,7 @@
               <a:rPr lang="en-US"/>
               <a:t>Third level</a:t>
             </a:r>
+            <a:endParaRPr lang="en-US"/>
           </a:p>
           <a:p>
             <a:pPr lvl="3"/>
@@ -4607,6 +4487,7 @@
               <a:rPr lang="en-US"/>
               <a:t>Fourth level</a:t>
             </a:r>
+            <a:endParaRPr lang="en-US"/>
           </a:p>
           <a:p>
             <a:pPr lvl="4"/>
@@ -4635,8 +4516,6 @@
           <a:p>
             <a:fld id="{B61BEF0D-F0BB-DE4B-95CE-6DB70DBA9567}" type="datetimeFigureOut">
               <a:rPr lang="en-US" dirty="0"/>
-              <a:pPr/>
-              <a:t>9/12/2021</a:t>
             </a:fld>
             <a:endParaRPr lang="en-US" dirty="0"/>
           </a:p>
@@ -4683,8 +4562,6 @@
           <a:p>
             <a:fld id="{D57F1E4F-1CFF-5643-939E-217C01CDF565}" type="slidenum">
               <a:rPr lang="en-US" dirty="0"/>
-              <a:pPr/>
-              <a:t>‹#›</a:t>
             </a:fld>
             <a:endParaRPr lang="en-US" dirty="0"/>
           </a:p>
@@ -4908,6 +4785,7 @@
               <a:rPr lang="en-US"/>
               <a:t>Edit Master text styles</a:t>
             </a:r>
+            <a:endParaRPr lang="en-US"/>
           </a:p>
         </p:txBody>
       </p:sp>
@@ -4939,8 +4817,6 @@
           <a:p>
             <a:fld id="{B61BEF0D-F0BB-DE4B-95CE-6DB70DBA9567}" type="datetimeFigureOut">
               <a:rPr lang="en-US" dirty="0"/>
-              <a:pPr/>
-              <a:t>9/12/2021</a:t>
             </a:fld>
             <a:endParaRPr lang="en-US" dirty="0"/>
           </a:p>
@@ -5004,8 +4880,6 @@
           <a:p>
             <a:fld id="{D57F1E4F-1CFF-5643-939E-217C01CDF565}" type="slidenum">
               <a:rPr lang="en-US" dirty="0"/>
-              <a:pPr/>
-              <a:t>‹#›</a:t>
             </a:fld>
             <a:endParaRPr lang="en-US" dirty="0"/>
           </a:p>
@@ -5130,6 +5004,7 @@
               <a:rPr lang="en-US"/>
               <a:t>Edit Master text styles</a:t>
             </a:r>
+            <a:endParaRPr lang="en-US"/>
           </a:p>
           <a:p>
             <a:pPr lvl="1"/>
@@ -5137,6 +5012,7 @@
               <a:rPr lang="en-US"/>
               <a:t>Second level</a:t>
             </a:r>
+            <a:endParaRPr lang="en-US"/>
           </a:p>
           <a:p>
             <a:pPr lvl="2"/>
@@ -5144,6 +5020,7 @@
               <a:rPr lang="en-US"/>
               <a:t>Third level</a:t>
             </a:r>
+            <a:endParaRPr lang="en-US"/>
           </a:p>
           <a:p>
             <a:pPr lvl="3"/>
@@ -5151,6 +5028,7 @@
               <a:rPr lang="en-US"/>
               <a:t>Fourth level</a:t>
             </a:r>
+            <a:endParaRPr lang="en-US"/>
           </a:p>
           <a:p>
             <a:pPr lvl="4"/>
@@ -5189,6 +5067,7 @@
               <a:rPr lang="en-US"/>
               <a:t>Edit Master text styles</a:t>
             </a:r>
+            <a:endParaRPr lang="en-US"/>
           </a:p>
           <a:p>
             <a:pPr lvl="1"/>
@@ -5196,6 +5075,7 @@
               <a:rPr lang="en-US"/>
               <a:t>Second level</a:t>
             </a:r>
+            <a:endParaRPr lang="en-US"/>
           </a:p>
           <a:p>
             <a:pPr lvl="2"/>
@@ -5203,6 +5083,7 @@
               <a:rPr lang="en-US"/>
               <a:t>Third level</a:t>
             </a:r>
+            <a:endParaRPr lang="en-US"/>
           </a:p>
           <a:p>
             <a:pPr lvl="3"/>
@@ -5210,6 +5091,7 @@
               <a:rPr lang="en-US"/>
               <a:t>Fourth level</a:t>
             </a:r>
+            <a:endParaRPr lang="en-US"/>
           </a:p>
           <a:p>
             <a:pPr lvl="4"/>
@@ -5238,8 +5120,6 @@
           <a:p>
             <a:fld id="{B61BEF0D-F0BB-DE4B-95CE-6DB70DBA9567}" type="datetimeFigureOut">
               <a:rPr lang="en-US" dirty="0"/>
-              <a:pPr/>
-              <a:t>9/12/2021</a:t>
             </a:fld>
             <a:endParaRPr lang="en-US" dirty="0"/>
           </a:p>
@@ -5281,8 +5161,6 @@
           <a:p>
             <a:fld id="{D57F1E4F-1CFF-5643-939E-217C01CDF565}" type="slidenum">
               <a:rPr lang="en-US" dirty="0"/>
-              <a:pPr/>
-              <a:t>‹#›</a:t>
             </a:fld>
             <a:endParaRPr lang="en-US" dirty="0"/>
           </a:p>
@@ -5448,6 +5326,7 @@
               <a:rPr lang="en-US"/>
               <a:t>Edit Master text styles</a:t>
             </a:r>
+            <a:endParaRPr lang="en-US"/>
           </a:p>
         </p:txBody>
       </p:sp>
@@ -5478,6 +5357,7 @@
               <a:rPr lang="en-US"/>
               <a:t>Edit Master text styles</a:t>
             </a:r>
+            <a:endParaRPr lang="en-US"/>
           </a:p>
           <a:p>
             <a:pPr lvl="1"/>
@@ -5485,6 +5365,7 @@
               <a:rPr lang="en-US"/>
               <a:t>Second level</a:t>
             </a:r>
+            <a:endParaRPr lang="en-US"/>
           </a:p>
           <a:p>
             <a:pPr lvl="2"/>
@@ -5492,6 +5373,7 @@
               <a:rPr lang="en-US"/>
               <a:t>Third level</a:t>
             </a:r>
+            <a:endParaRPr lang="en-US"/>
           </a:p>
           <a:p>
             <a:pPr lvl="3"/>
@@ -5499,6 +5381,7 @@
               <a:rPr lang="en-US"/>
               <a:t>Fourth level</a:t>
             </a:r>
+            <a:endParaRPr lang="en-US"/>
           </a:p>
           <a:p>
             <a:pPr lvl="4"/>
@@ -5578,6 +5461,7 @@
               <a:rPr lang="en-US"/>
               <a:t>Edit Master text styles</a:t>
             </a:r>
+            <a:endParaRPr lang="en-US"/>
           </a:p>
         </p:txBody>
       </p:sp>
@@ -5608,6 +5492,7 @@
               <a:rPr lang="en-US"/>
               <a:t>Edit Master text styles</a:t>
             </a:r>
+            <a:endParaRPr lang="en-US"/>
           </a:p>
           <a:p>
             <a:pPr lvl="1"/>
@@ -5615,6 +5500,7 @@
               <a:rPr lang="en-US"/>
               <a:t>Second level</a:t>
             </a:r>
+            <a:endParaRPr lang="en-US"/>
           </a:p>
           <a:p>
             <a:pPr lvl="2"/>
@@ -5622,6 +5508,7 @@
               <a:rPr lang="en-US"/>
               <a:t>Third level</a:t>
             </a:r>
+            <a:endParaRPr lang="en-US"/>
           </a:p>
           <a:p>
             <a:pPr lvl="3"/>
@@ -5629,6 +5516,7 @@
               <a:rPr lang="en-US"/>
               <a:t>Fourth level</a:t>
             </a:r>
+            <a:endParaRPr lang="en-US"/>
           </a:p>
           <a:p>
             <a:pPr lvl="4"/>
@@ -5657,8 +5545,6 @@
           <a:p>
             <a:fld id="{B61BEF0D-F0BB-DE4B-95CE-6DB70DBA9567}" type="datetimeFigureOut">
               <a:rPr lang="en-US" dirty="0"/>
-              <a:pPr/>
-              <a:t>9/12/2021</a:t>
             </a:fld>
             <a:endParaRPr lang="en-US" dirty="0"/>
           </a:p>
@@ -5700,8 +5586,6 @@
           <a:p>
             <a:fld id="{D57F1E4F-1CFF-5643-939E-217C01CDF565}" type="slidenum">
               <a:rPr lang="en-US" dirty="0"/>
-              <a:pPr/>
-              <a:t>‹#›</a:t>
             </a:fld>
             <a:endParaRPr lang="en-US" dirty="0"/>
           </a:p>
@@ -5816,8 +5700,6 @@
           <a:p>
             <a:fld id="{B61BEF0D-F0BB-DE4B-95CE-6DB70DBA9567}" type="datetimeFigureOut">
               <a:rPr lang="en-US" dirty="0"/>
-              <a:pPr/>
-              <a:t>9/12/2021</a:t>
             </a:fld>
             <a:endParaRPr lang="en-US" dirty="0"/>
           </a:p>
@@ -5859,8 +5741,6 @@
           <a:p>
             <a:fld id="{D57F1E4F-1CFF-5643-939E-217C01CDF565}" type="slidenum">
               <a:rPr lang="en-US" dirty="0"/>
-              <a:pPr/>
-              <a:t>‹#›</a:t>
             </a:fld>
             <a:endParaRPr lang="en-US" dirty="0"/>
           </a:p>
@@ -5908,8 +5788,6 @@
           <a:p>
             <a:fld id="{B61BEF0D-F0BB-DE4B-95CE-6DB70DBA9567}" type="datetimeFigureOut">
               <a:rPr lang="en-US" dirty="0"/>
-              <a:pPr/>
-              <a:t>9/12/2021</a:t>
             </a:fld>
             <a:endParaRPr lang="en-US" dirty="0"/>
           </a:p>
@@ -5951,8 +5829,6 @@
           <a:p>
             <a:fld id="{D57F1E4F-1CFF-5643-939E-217C01CDF565}" type="slidenum">
               <a:rPr lang="en-US" dirty="0"/>
-              <a:pPr/>
-              <a:t>‹#›</a:t>
             </a:fld>
             <a:endParaRPr lang="en-US" dirty="0"/>
           </a:p>
@@ -6152,6 +6028,7 @@
               <a:rPr lang="en-US"/>
               <a:t>Edit Master text styles</a:t>
             </a:r>
+            <a:endParaRPr lang="en-US"/>
           </a:p>
           <a:p>
             <a:pPr lvl="1"/>
@@ -6159,6 +6036,7 @@
               <a:rPr lang="en-US"/>
               <a:t>Second level</a:t>
             </a:r>
+            <a:endParaRPr lang="en-US"/>
           </a:p>
           <a:p>
             <a:pPr lvl="2"/>
@@ -6166,6 +6044,7 @@
               <a:rPr lang="en-US"/>
               <a:t>Third level</a:t>
             </a:r>
+            <a:endParaRPr lang="en-US"/>
           </a:p>
           <a:p>
             <a:pPr lvl="3"/>
@@ -6173,6 +6052,7 @@
               <a:rPr lang="en-US"/>
               <a:t>Fourth level</a:t>
             </a:r>
+            <a:endParaRPr lang="en-US"/>
           </a:p>
           <a:p>
             <a:pPr lvl="4"/>
@@ -6252,6 +6132,7 @@
               <a:rPr lang="en-US"/>
               <a:t>Edit Master text styles</a:t>
             </a:r>
+            <a:endParaRPr lang="en-US"/>
           </a:p>
         </p:txBody>
       </p:sp>
@@ -6283,8 +6164,6 @@
           <a:p>
             <a:fld id="{B61BEF0D-F0BB-DE4B-95CE-6DB70DBA9567}" type="datetimeFigureOut">
               <a:rPr lang="en-US" dirty="0"/>
-              <a:pPr/>
-              <a:t>9/12/2021</a:t>
             </a:fld>
             <a:endParaRPr lang="en-US" dirty="0"/>
           </a:p>
@@ -6348,8 +6227,6 @@
           <a:p>
             <a:fld id="{D57F1E4F-1CFF-5643-939E-217C01CDF565}" type="slidenum">
               <a:rPr lang="en-US" dirty="0"/>
-              <a:pPr/>
-              <a:t>‹#›</a:t>
             </a:fld>
             <a:endParaRPr lang="en-US" dirty="0"/>
           </a:p>
@@ -6549,6 +6426,7 @@
               <a:rPr lang="en-US"/>
               <a:t>Edit Master text styles</a:t>
             </a:r>
+            <a:endParaRPr lang="en-US"/>
           </a:p>
         </p:txBody>
       </p:sp>
@@ -6569,8 +6447,6 @@
           <a:p>
             <a:fld id="{B61BEF0D-F0BB-DE4B-95CE-6DB70DBA9567}" type="datetimeFigureOut">
               <a:rPr lang="en-US" dirty="0"/>
-              <a:pPr/>
-              <a:t>9/12/2021</a:t>
             </a:fld>
             <a:endParaRPr lang="en-US" dirty="0"/>
           </a:p>
@@ -6612,8 +6488,6 @@
           <a:p>
             <a:fld id="{D57F1E4F-1CFF-5643-939E-217C01CDF565}" type="slidenum">
               <a:rPr lang="en-US" dirty="0"/>
-              <a:pPr/>
-              <a:t>‹#›</a:t>
             </a:fld>
             <a:endParaRPr lang="en-US" dirty="0"/>
           </a:p>
@@ -6712,6 +6586,7 @@
               <a:rPr lang="en-US"/>
               <a:t>Edit Master text styles</a:t>
             </a:r>
+            <a:endParaRPr lang="en-US"/>
           </a:p>
           <a:p>
             <a:pPr lvl="1"/>
@@ -6719,6 +6594,7 @@
               <a:rPr lang="en-US"/>
               <a:t>Second level</a:t>
             </a:r>
+            <a:endParaRPr lang="en-US"/>
           </a:p>
           <a:p>
             <a:pPr lvl="2"/>
@@ -6726,6 +6602,7 @@
               <a:rPr lang="en-US"/>
               <a:t>Third level</a:t>
             </a:r>
+            <a:endParaRPr lang="en-US"/>
           </a:p>
           <a:p>
             <a:pPr lvl="3"/>
@@ -6733,6 +6610,7 @@
               <a:rPr lang="en-US"/>
               <a:t>Fourth level</a:t>
             </a:r>
+            <a:endParaRPr lang="en-US"/>
           </a:p>
           <a:p>
             <a:pPr lvl="4"/>
@@ -6777,8 +6655,6 @@
           <a:p>
             <a:fld id="{B61BEF0D-F0BB-DE4B-95CE-6DB70DBA9567}" type="datetimeFigureOut">
               <a:rPr lang="en-US" dirty="0"/>
-              <a:pPr/>
-              <a:t>9/12/2021</a:t>
             </a:fld>
             <a:endParaRPr lang="en-US" dirty="0"/>
           </a:p>
@@ -6852,8 +6728,6 @@
           <a:p>
             <a:fld id="{D57F1E4F-1CFF-5643-939E-217C01CDF565}" type="slidenum">
               <a:rPr lang="en-US" dirty="0"/>
-              <a:pPr/>
-              <a:t>‹#›</a:t>
             </a:fld>
             <a:endParaRPr lang="en-US" dirty="0"/>
           </a:p>
@@ -7060,7 +6934,7 @@
       </a:lvl9pPr>
     </p:titleStyle>
     <p:bodyStyle>
-      <a:lvl1pPr marL="306000" indent="-306000" algn="l" defTabSz="457200" rtl="0" eaLnBrk="1" latinLnBrk="0" hangingPunct="1">
+      <a:lvl1pPr marL="306070" indent="-306070" algn="l" defTabSz="457200" rtl="0" eaLnBrk="1" latinLnBrk="0" hangingPunct="1">
         <a:spcBef>
           <a:spcPct val="20000"/>
         </a:spcBef>
@@ -7082,7 +6956,7 @@
           <a:cs typeface="+mn-cs"/>
         </a:defRPr>
       </a:lvl1pPr>
-      <a:lvl2pPr marL="630000" indent="-306000" algn="l" defTabSz="457200" rtl="0" eaLnBrk="1" latinLnBrk="0" hangingPunct="1">
+      <a:lvl2pPr marL="629920" indent="-306070" algn="l" defTabSz="457200" rtl="0" eaLnBrk="1" latinLnBrk="0" hangingPunct="1">
         <a:spcBef>
           <a:spcPct val="20000"/>
         </a:spcBef>
@@ -7104,7 +6978,7 @@
           <a:cs typeface="+mn-cs"/>
         </a:defRPr>
       </a:lvl2pPr>
-      <a:lvl3pPr marL="900000" indent="-270000" algn="l" defTabSz="457200" rtl="0" eaLnBrk="1" latinLnBrk="0" hangingPunct="1">
+      <a:lvl3pPr marL="899795" indent="-269875" algn="l" defTabSz="457200" rtl="0" eaLnBrk="1" latinLnBrk="0" hangingPunct="1">
         <a:spcBef>
           <a:spcPct val="20000"/>
         </a:spcBef>
@@ -7126,7 +7000,7 @@
           <a:cs typeface="+mn-cs"/>
         </a:defRPr>
       </a:lvl3pPr>
-      <a:lvl4pPr marL="1242000" indent="-234000" algn="l" defTabSz="457200" rtl="0" eaLnBrk="1" latinLnBrk="0" hangingPunct="1">
+      <a:lvl4pPr marL="1242060" indent="-234315" algn="l" defTabSz="457200" rtl="0" eaLnBrk="1" latinLnBrk="0" hangingPunct="1">
         <a:spcBef>
           <a:spcPct val="20000"/>
         </a:spcBef>
@@ -7148,7 +7022,7 @@
           <a:cs typeface="+mn-cs"/>
         </a:defRPr>
       </a:lvl4pPr>
-      <a:lvl5pPr marL="1602000" indent="-234000" algn="l" defTabSz="457200" rtl="0" eaLnBrk="1" latinLnBrk="0" hangingPunct="1">
+      <a:lvl5pPr marL="1602105" indent="-234315" algn="l" defTabSz="457200" rtl="0" eaLnBrk="1" latinLnBrk="0" hangingPunct="1">
         <a:spcBef>
           <a:spcPct val="20000"/>
         </a:spcBef>
@@ -7170,7 +7044,7 @@
           <a:cs typeface="+mn-cs"/>
         </a:defRPr>
       </a:lvl5pPr>
-      <a:lvl6pPr marL="1900000" indent="-228600" algn="l" defTabSz="457200" rtl="0" eaLnBrk="1" latinLnBrk="0" hangingPunct="1">
+      <a:lvl6pPr marL="1899920" indent="-228600" algn="l" defTabSz="457200" rtl="0" eaLnBrk="1" latinLnBrk="0" hangingPunct="1">
         <a:spcBef>
           <a:spcPct val="20000"/>
         </a:spcBef>
@@ -7192,7 +7066,7 @@
           <a:cs typeface="+mn-cs"/>
         </a:defRPr>
       </a:lvl6pPr>
-      <a:lvl7pPr marL="2200000" indent="-228600" algn="l" defTabSz="457200" rtl="0" eaLnBrk="1" latinLnBrk="0" hangingPunct="1">
+      <a:lvl7pPr marL="2200275" indent="-228600" algn="l" defTabSz="457200" rtl="0" eaLnBrk="1" latinLnBrk="0" hangingPunct="1">
         <a:spcBef>
           <a:spcPct val="20000"/>
         </a:spcBef>
@@ -7214,7 +7088,7 @@
           <a:cs typeface="+mn-cs"/>
         </a:defRPr>
       </a:lvl7pPr>
-      <a:lvl8pPr marL="2500000" indent="-228600" algn="l" defTabSz="457200" rtl="0" eaLnBrk="1" latinLnBrk="0" hangingPunct="1">
+      <a:lvl8pPr marL="2499995" indent="-228600" algn="l" defTabSz="457200" rtl="0" eaLnBrk="1" latinLnBrk="0" hangingPunct="1">
         <a:spcBef>
           <a:spcPct val="20000"/>
         </a:spcBef>
@@ -7236,7 +7110,7 @@
           <a:cs typeface="+mn-cs"/>
         </a:defRPr>
       </a:lvl8pPr>
-      <a:lvl9pPr marL="2800000" indent="-228600" algn="l" defTabSz="457200" rtl="0" eaLnBrk="1" latinLnBrk="0" hangingPunct="1">
+      <a:lvl9pPr marL="2799715" indent="-228600" algn="l" defTabSz="457200" rtl="0" eaLnBrk="1" latinLnBrk="0" hangingPunct="1">
         <a:spcBef>
           <a:spcPct val="20000"/>
         </a:spcBef>
@@ -7399,6 +7273,7 @@
               <a:rPr lang="en-AU" dirty="0"/>
               <a:t>VICTORIA CRIME DATA ANALYSIS</a:t>
             </a:r>
+            <a:endParaRPr lang="en-AU" dirty="0"/>
           </a:p>
         </p:txBody>
       </p:sp>
@@ -7436,15 +7311,11 @@
               <a:rPr lang="en-AU" dirty="0"/>
               <a:t>HEEJUN SEO, SHERIN THOMAS, NEENA MANI (Group 3)</a:t>
             </a:r>
+            <a:endParaRPr lang="en-AU" dirty="0"/>
           </a:p>
         </p:txBody>
       </p:sp>
     </p:spTree>
-    <p:extLst>
-      <p:ext uri="{BB962C8B-B14F-4D97-AF65-F5344CB8AC3E}">
-        <p14:creationId xmlns:p14="http://schemas.microsoft.com/office/powerpoint/2010/main" val="1240535957"/>
-      </p:ext>
-    </p:extLst>
   </p:cSld>
   <p:clrMapOvr>
     <a:masterClrMapping/>
@@ -7537,7 +7408,7 @@
           <p:nvPr/>
         </p:nvPicPr>
         <p:blipFill>
-          <a:blip r:embed="rId3">
+          <a:blip r:embed="rId1">
             <a:extLst>
               <a:ext uri="{28A0092B-C50C-407E-A947-70E740481C1C}">
                 <a14:useLocalDpi xmlns:a14="http://schemas.microsoft.com/office/drawing/2010/main" val="0"/>
@@ -7683,11 +7554,7 @@
           </a:extLst>
         </p:spPr>
         <p:txBody>
-          <a:bodyPr vert="horz" wrap="square" lIns="91440" tIns="45720" rIns="91440" bIns="45720" numCol="1" anchor="t" anchorCtr="0" compatLnSpc="1">
-            <a:prstTxWarp prst="textNoShape">
-              <a:avLst/>
-            </a:prstTxWarp>
-          </a:bodyPr>
+          <a:bodyPr vert="horz" wrap="square" lIns="91440" tIns="45720" rIns="91440" bIns="45720" numCol="1" anchor="t" anchorCtr="0" compatLnSpc="1"/>
           <a:lstStyle/>
           <a:p>
             <a:endParaRPr lang="en-AU"/>
@@ -7722,11 +7589,7 @@
           </a:extLst>
         </p:spPr>
         <p:txBody>
-          <a:bodyPr vert="horz" wrap="square" lIns="91440" tIns="45720" rIns="91440" bIns="45720" numCol="1" anchor="t" anchorCtr="0" compatLnSpc="1">
-            <a:prstTxWarp prst="textNoShape">
-              <a:avLst/>
-            </a:prstTxWarp>
-          </a:bodyPr>
+          <a:bodyPr vert="horz" wrap="square" lIns="91440" tIns="45720" rIns="91440" bIns="45720" numCol="1" anchor="t" anchorCtr="0" compatLnSpc="1"/>
           <a:lstStyle/>
           <a:p>
             <a:endParaRPr lang="en-AU"/>
@@ -7761,11 +7624,7 @@
           </a:extLst>
         </p:spPr>
         <p:txBody>
-          <a:bodyPr vert="horz" wrap="square" lIns="91440" tIns="45720" rIns="91440" bIns="45720" numCol="1" anchor="t" anchorCtr="0" compatLnSpc="1">
-            <a:prstTxWarp prst="textNoShape">
-              <a:avLst/>
-            </a:prstTxWarp>
-          </a:bodyPr>
+          <a:bodyPr vert="horz" wrap="square" lIns="91440" tIns="45720" rIns="91440" bIns="45720" numCol="1" anchor="t" anchorCtr="0" compatLnSpc="1"/>
           <a:lstStyle/>
           <a:p>
             <a:endParaRPr lang="en-AU"/>
@@ -7845,6 +7704,13 @@
               </a:rPr>
               <a:t>Victims are Females</a:t>
             </a:r>
+            <a:endParaRPr lang="en-GB" sz="1600" dirty="0">
+              <a:solidFill>
+                <a:schemeClr val="tx1"/>
+              </a:solidFill>
+              <a:latin typeface="Calibri" panose="020F0502020204030204" pitchFamily="34" charset="0"/>
+              <a:cs typeface="Calibri" panose="020F0502020204030204" pitchFamily="34" charset="0"/>
+            </a:endParaRPr>
           </a:p>
           <a:p>
             <a:pPr marL="0" indent="0">
@@ -7911,20 +7777,14 @@
       </p:sp>
       <p:pic>
         <p:nvPicPr>
-          <p:cNvPr id="9" name="Picture 8">
-            <a:extLst>
-              <a:ext uri="{FF2B5EF4-FFF2-40B4-BE49-F238E27FC236}">
-                <a16:creationId xmlns:a16="http://schemas.microsoft.com/office/drawing/2014/main" id="{CAD08669-5522-4BE4-83E8-78132BFDF164}"/>
-              </a:ext>
-            </a:extLst>
-          </p:cNvPr>
+          <p:cNvPr id="9" name="Picture 8"/>
           <p:cNvPicPr>
             <a:picLocks noChangeAspect="1"/>
           </p:cNvPicPr>
           <p:nvPr/>
         </p:nvPicPr>
         <p:blipFill>
-          <a:blip r:embed="rId4"/>
+          <a:blip r:embed="rId2"/>
           <a:stretch>
             <a:fillRect/>
           </a:stretch>
@@ -7940,11 +7800,6 @@
         </p:spPr>
       </p:pic>
     </p:spTree>
-    <p:extLst>
-      <p:ext uri="{BB962C8B-B14F-4D97-AF65-F5344CB8AC3E}">
-        <p14:creationId xmlns:p14="http://schemas.microsoft.com/office/powerpoint/2010/main" val="3837294747"/>
-      </p:ext>
-    </p:extLst>
   </p:cSld>
   <p:clrMapOvr>
     <a:masterClrMapping/>
@@ -8000,13 +7855,7 @@
       </p:sp>
       <p:sp>
         <p:nvSpPr>
-          <p:cNvPr id="7" name="TextBox 6">
-            <a:extLst>
-              <a:ext uri="{FF2B5EF4-FFF2-40B4-BE49-F238E27FC236}">
-                <a16:creationId xmlns:a16="http://schemas.microsoft.com/office/drawing/2014/main" id="{7E43DCA5-3C3C-40E9-B52C-0764D7D49237}"/>
-              </a:ext>
-            </a:extLst>
-          </p:cNvPr>
+          <p:cNvPr id="7" name="TextBox 6"/>
           <p:cNvSpPr txBox="1"/>
           <p:nvPr/>
         </p:nvSpPr>
@@ -8039,6 +7888,16 @@
               </a:rPr>
               <a:t>Conclusions:</a:t>
             </a:r>
+            <a:endParaRPr lang="en-US" dirty="0">
+              <a:solidFill>
+                <a:schemeClr val="accent1">
+                  <a:lumMod val="75000"/>
+                  <a:lumOff val="25000"/>
+                </a:schemeClr>
+              </a:solidFill>
+              <a:latin typeface="Calibri" panose="020F0502020204030204" pitchFamily="34" charset="0"/>
+              <a:cs typeface="Calibri" panose="020F0502020204030204" pitchFamily="34" charset="0"/>
+            </a:endParaRPr>
           </a:p>
           <a:p>
             <a:endParaRPr lang="en-US" dirty="0">
@@ -8153,6 +8012,10 @@
               </a:rPr>
               <a:t>2017 to 2021. The offences listed as others has gone up in 2021.</a:t>
             </a:r>
+            <a:endParaRPr lang="en-US" dirty="0">
+              <a:latin typeface="Calibri" panose="020F0502020204030204" pitchFamily="34" charset="0"/>
+              <a:cs typeface="Calibri" panose="020F0502020204030204" pitchFamily="34" charset="0"/>
+            </a:endParaRPr>
           </a:p>
           <a:p>
             <a:pPr marL="285750" indent="-285750">
@@ -8177,15 +8040,18 @@
               </a:rPr>
               <a:t>	</a:t>
             </a:r>
+            <a:endParaRPr lang="en-US" dirty="0">
+              <a:solidFill>
+                <a:schemeClr val="accent1">
+                  <a:lumMod val="75000"/>
+                  <a:lumOff val="25000"/>
+                </a:schemeClr>
+              </a:solidFill>
+            </a:endParaRPr>
           </a:p>
         </p:txBody>
       </p:sp>
     </p:spTree>
-    <p:extLst>
-      <p:ext uri="{BB962C8B-B14F-4D97-AF65-F5344CB8AC3E}">
-        <p14:creationId xmlns:p14="http://schemas.microsoft.com/office/powerpoint/2010/main" val="918594920"/>
-      </p:ext>
-    </p:extLst>
   </p:cSld>
   <p:clrMapOvr>
     <a:masterClrMapping/>
@@ -8240,15 +8106,14 @@
               </a:rPr>
               <a:t>Thank YOU! Questions?</a:t>
             </a:r>
+            <a:endParaRPr lang="en-AU" sz="2800" dirty="0">
+              <a:latin typeface="Calibri" panose="020F0502020204030204" pitchFamily="34" charset="0"/>
+              <a:cs typeface="Calibri" panose="020F0502020204030204" pitchFamily="34" charset="0"/>
+            </a:endParaRPr>
           </a:p>
         </p:txBody>
       </p:sp>
     </p:spTree>
-    <p:extLst>
-      <p:ext uri="{BB962C8B-B14F-4D97-AF65-F5344CB8AC3E}">
-        <p14:creationId xmlns:p14="http://schemas.microsoft.com/office/powerpoint/2010/main" val="3570209797"/>
-      </p:ext>
-    </p:extLst>
   </p:cSld>
   <p:clrMapOvr>
     <a:masterClrMapping/>
@@ -8297,6 +8162,10 @@
               </a:rPr>
               <a:t>PROJECT BRIEF</a:t>
             </a:r>
+            <a:endParaRPr lang="en-AU" dirty="0">
+              <a:latin typeface="Calibri" panose="020F0502020204030204" pitchFamily="34" charset="0"/>
+              <a:cs typeface="Calibri" panose="020F0502020204030204" pitchFamily="34" charset="0"/>
+            </a:endParaRPr>
           </a:p>
         </p:txBody>
       </p:sp>
@@ -8348,6 +8217,10 @@
               </a:rPr>
               <a:t>Specifically, we looked at:</a:t>
             </a:r>
+            <a:endParaRPr lang="en-AU" sz="1600" dirty="0">
+              <a:latin typeface="Calibri" panose="020F0502020204030204" pitchFamily="34" charset="0"/>
+              <a:cs typeface="Calibri" panose="020F0502020204030204" pitchFamily="34" charset="0"/>
+            </a:endParaRPr>
           </a:p>
           <a:p>
             <a:pPr lvl="1" algn="just"/>
@@ -8358,6 +8231,10 @@
               </a:rPr>
               <a:t>Geo Spatial mapping of the crime rates across the 79 LGAs in Victoria</a:t>
             </a:r>
+            <a:endParaRPr lang="en-GB" dirty="0">
+              <a:latin typeface="Calibri" panose="020F0502020204030204" pitchFamily="34" charset="0"/>
+              <a:cs typeface="Calibri" panose="020F0502020204030204" pitchFamily="34" charset="0"/>
+            </a:endParaRPr>
           </a:p>
           <a:p>
             <a:pPr lvl="1" algn="just"/>
@@ -8368,6 +8245,10 @@
               </a:rPr>
               <a:t>Top 10 LGAs in Victoria with lowest crime rates</a:t>
             </a:r>
+            <a:endParaRPr lang="en-GB" dirty="0">
+              <a:latin typeface="Calibri" panose="020F0502020204030204" pitchFamily="34" charset="0"/>
+              <a:cs typeface="Calibri" panose="020F0502020204030204" pitchFamily="34" charset="0"/>
+            </a:endParaRPr>
           </a:p>
           <a:p>
             <a:pPr lvl="1" algn="just"/>
@@ -8378,6 +8259,10 @@
               </a:rPr>
               <a:t>Top 10 LGAs in Victoria with highest crime rates</a:t>
             </a:r>
+            <a:endParaRPr lang="en-GB" dirty="0">
+              <a:latin typeface="Calibri" panose="020F0502020204030204" pitchFamily="34" charset="0"/>
+              <a:cs typeface="Calibri" panose="020F0502020204030204" pitchFamily="34" charset="0"/>
+            </a:endParaRPr>
           </a:p>
           <a:p>
             <a:pPr lvl="1" algn="just"/>
@@ -8388,6 +8273,10 @@
               </a:rPr>
               <a:t>What are the most common offence types under the crime incidents</a:t>
             </a:r>
+            <a:endParaRPr lang="en-GB" dirty="0">
+              <a:latin typeface="Calibri" panose="020F0502020204030204" pitchFamily="34" charset="0"/>
+              <a:cs typeface="Calibri" panose="020F0502020204030204" pitchFamily="34" charset="0"/>
+            </a:endParaRPr>
           </a:p>
           <a:p>
             <a:pPr lvl="1" algn="just"/>
@@ -8398,6 +8287,10 @@
               </a:rPr>
               <a:t>How the crime rates by offence types have changed over the years from 2017 to 2021</a:t>
             </a:r>
+            <a:endParaRPr lang="en-GB" dirty="0">
+              <a:latin typeface="Calibri" panose="020F0502020204030204" pitchFamily="34" charset="0"/>
+              <a:cs typeface="Calibri" panose="020F0502020204030204" pitchFamily="34" charset="0"/>
+            </a:endParaRPr>
           </a:p>
           <a:p>
             <a:pPr lvl="1" algn="just"/>
@@ -8428,11 +8321,6 @@
         </p:txBody>
       </p:sp>
     </p:spTree>
-    <p:extLst>
-      <p:ext uri="{BB962C8B-B14F-4D97-AF65-F5344CB8AC3E}">
-        <p14:creationId xmlns:p14="http://schemas.microsoft.com/office/powerpoint/2010/main" val="4235959423"/>
-      </p:ext>
-    </p:extLst>
   </p:cSld>
   <p:clrMapOvr>
     <a:masterClrMapping/>
@@ -8479,6 +8367,10 @@
               </a:rPr>
               <a:t>ETL (Extract,  TRANSFORM, LOAD) PROCESS</a:t>
             </a:r>
+            <a:endParaRPr lang="en-AU" dirty="0">
+              <a:latin typeface="Calibri" panose="020F0502020204030204" pitchFamily="34" charset="0"/>
+              <a:cs typeface="Calibri" panose="020F0502020204030204" pitchFamily="34" charset="0"/>
+            </a:endParaRPr>
           </a:p>
         </p:txBody>
       </p:sp>
@@ -8490,11 +8382,6 @@
           </p:cNvGraphicFramePr>
           <p:nvPr>
             <p:ph idx="1"/>
-            <p:extLst>
-              <p:ext uri="{D42A27DB-BD31-4B8C-83A1-F6EECF244321}">
-                <p14:modId xmlns:p14="http://schemas.microsoft.com/office/powerpoint/2010/main" val="1070053410"/>
-              </p:ext>
-            </p:extLst>
           </p:nvPr>
         </p:nvGraphicFramePr>
         <p:xfrm>
@@ -8503,7 +8390,7 @@
         </p:xfrm>
         <a:graphic>
           <a:graphicData uri="http://schemas.openxmlformats.org/drawingml/2006/diagram">
-            <dgm:relIds xmlns:dgm="http://schemas.openxmlformats.org/drawingml/2006/diagram" xmlns:r="http://schemas.openxmlformats.org/officeDocument/2006/relationships" r:dm="rId3" r:lo="rId4" r:qs="rId5" r:cs="rId6"/>
+            <dgm:relIds xmlns:dgm="http://schemas.openxmlformats.org/drawingml/2006/diagram" xmlns:r="http://schemas.openxmlformats.org/officeDocument/2006/relationships" r:dm="rId1" r:lo="rId2" r:qs="rId3" r:cs="rId4"/>
           </a:graphicData>
         </a:graphic>
       </p:graphicFrame>
@@ -8563,6 +8450,15 @@
               </a:rPr>
               <a:t>CSV Files</a:t>
             </a:r>
+            <a:endParaRPr lang="en-AU" sz="1600" dirty="0">
+              <a:solidFill>
+                <a:schemeClr val="accent3">
+                  <a:lumMod val="75000"/>
+                </a:schemeClr>
+              </a:solidFill>
+              <a:latin typeface="Calibri" panose="020F0502020204030204" pitchFamily="34" charset="0"/>
+              <a:cs typeface="Calibri" panose="020F0502020204030204" pitchFamily="34" charset="0"/>
+            </a:endParaRPr>
           </a:p>
           <a:p>
             <a:pPr>
@@ -8599,6 +8495,15 @@
               </a:rPr>
               <a:t>Python</a:t>
             </a:r>
+            <a:endParaRPr lang="en-AU" sz="1600" dirty="0">
+              <a:solidFill>
+                <a:schemeClr val="accent3">
+                  <a:lumMod val="75000"/>
+                </a:schemeClr>
+              </a:solidFill>
+              <a:latin typeface="Calibri" panose="020F0502020204030204" pitchFamily="34" charset="0"/>
+              <a:cs typeface="Calibri" panose="020F0502020204030204" pitchFamily="34" charset="0"/>
+            </a:endParaRPr>
           </a:p>
           <a:p>
             <a:pPr>
@@ -8716,25 +8621,28 @@
               </a:rPr>
               <a:t>, Leaflet</a:t>
             </a:r>
+            <a:endParaRPr lang="en-AU" sz="1600" dirty="0">
+              <a:solidFill>
+                <a:schemeClr val="accent3">
+                  <a:lumMod val="75000"/>
+                </a:schemeClr>
+              </a:solidFill>
+              <a:latin typeface="Calibri" panose="020F0502020204030204" pitchFamily="34" charset="0"/>
+              <a:cs typeface="Calibri" panose="020F0502020204030204" pitchFamily="34" charset="0"/>
+            </a:endParaRPr>
           </a:p>
         </p:txBody>
       </p:sp>
       <p:pic>
         <p:nvPicPr>
-          <p:cNvPr id="5" name="Picture 4">
-            <a:extLst>
-              <a:ext uri="{FF2B5EF4-FFF2-40B4-BE49-F238E27FC236}">
-                <a16:creationId xmlns:a16="http://schemas.microsoft.com/office/drawing/2014/main" id="{B2F1B03A-9161-4BDC-BAC8-0E7995708451}"/>
-              </a:ext>
-            </a:extLst>
-          </p:cNvPr>
+          <p:cNvPr id="5" name="Picture 4"/>
           <p:cNvPicPr>
             <a:picLocks noChangeAspect="1"/>
           </p:cNvPicPr>
           <p:nvPr/>
         </p:nvPicPr>
         <p:blipFill>
-          <a:blip r:embed="rId8"/>
+          <a:blip r:embed="rId6"/>
           <a:stretch>
             <a:fillRect/>
           </a:stretch>
@@ -8751,20 +8659,14 @@
       </p:pic>
       <p:sp>
         <p:nvSpPr>
-          <p:cNvPr id="12" name="TextBox 11">
-            <a:extLst>
-              <a:ext uri="{FF2B5EF4-FFF2-40B4-BE49-F238E27FC236}">
-                <a16:creationId xmlns:a16="http://schemas.microsoft.com/office/drawing/2014/main" id="{D73F0BD1-3953-4B5E-AAA2-EF2C7F324FB2}"/>
-              </a:ext>
-            </a:extLst>
-          </p:cNvPr>
+          <p:cNvPr id="12" name="TextBox 11"/>
           <p:cNvSpPr txBox="1"/>
           <p:nvPr/>
         </p:nvSpPr>
         <p:spPr>
           <a:xfrm>
             <a:off x="5610688" y="2150757"/>
-            <a:ext cx="6469601" cy="4247317"/>
+            <a:ext cx="6469601" cy="4246245"/>
           </a:xfrm>
           <a:prstGeom prst="rect">
             <a:avLst/>
@@ -8796,6 +8698,10 @@
               </a:rPr>
               <a:t>: </a:t>
             </a:r>
+            <a:endParaRPr lang="en-AU" sz="1600" dirty="0">
+              <a:latin typeface="Calibri" panose="020F0502020204030204" pitchFamily="34" charset="0"/>
+              <a:cs typeface="Calibri" panose="020F0502020204030204" pitchFamily="34" charset="0"/>
+            </a:endParaRPr>
           </a:p>
           <a:p>
             <a:r>
@@ -8820,13 +8726,7 @@
                 </a:solidFill>
                 <a:latin typeface="Calibri" panose="020F0502020204030204" pitchFamily="34" charset="0"/>
                 <a:cs typeface="Calibri" panose="020F0502020204030204" pitchFamily="34" charset="0"/>
-                <a:hlinkClick r:id="rId9">
-                  <a:extLst>
-                    <a:ext uri="{A12FA001-AC4F-418D-AE19-62706E023703}">
-                      <ahyp:hlinkClr xmlns:ahyp="http://schemas.microsoft.com/office/drawing/2018/hyperlinkcolor" val="tx"/>
-                    </a:ext>
-                  </a:extLst>
-                </a:hlinkClick>
+                <a:hlinkClick r:id="rId7"/>
               </a:rPr>
               <a:t>https://www.crimestatistics.vic.gov.au/crime-statistics/latest-victorian-crime-data/download-data</a:t>
             </a:r>
@@ -8868,6 +8768,15 @@
               </a:rPr>
               <a:t>Data_Tables_LGA_Criminal_Incidents_Year_Ending_March_2021 </a:t>
             </a:r>
+            <a:endParaRPr lang="en-GB" sz="1600" i="1" dirty="0">
+              <a:solidFill>
+                <a:schemeClr val="accent3">
+                  <a:lumMod val="75000"/>
+                </a:schemeClr>
+              </a:solidFill>
+              <a:latin typeface="Calibri" panose="020F0502020204030204" pitchFamily="34" charset="0"/>
+              <a:cs typeface="Calibri" panose="020F0502020204030204" pitchFamily="34" charset="0"/>
+            </a:endParaRPr>
           </a:p>
           <a:p>
             <a:pPr marL="742950" lvl="1" indent="-285750">
@@ -8907,6 +8816,10 @@
               </a:rPr>
               <a:t>2012 - 2021</a:t>
             </a:r>
+            <a:endParaRPr lang="en-AU" sz="1600" dirty="0">
+              <a:latin typeface="Calibri" panose="020F0502020204030204" pitchFamily="34" charset="0"/>
+              <a:cs typeface="Calibri" panose="020F0502020204030204" pitchFamily="34" charset="0"/>
+            </a:endParaRPr>
           </a:p>
           <a:p>
             <a:pPr marL="742950" lvl="1" indent="-285750">
@@ -8920,6 +8833,10 @@
               </a:rPr>
               <a:t>It also contains the crimes categorised by offence types </a:t>
             </a:r>
+            <a:endParaRPr lang="en-AU" sz="1600" dirty="0">
+              <a:latin typeface="Calibri" panose="020F0502020204030204" pitchFamily="34" charset="0"/>
+              <a:cs typeface="Calibri" panose="020F0502020204030204" pitchFamily="34" charset="0"/>
+            </a:endParaRPr>
           </a:p>
           <a:p>
             <a:pPr marL="742950" lvl="1" indent="-285750">
@@ -8933,6 +8850,10 @@
               </a:rPr>
               <a:t>CSV File</a:t>
             </a:r>
+            <a:endParaRPr lang="en-AU" sz="1600" dirty="0">
+              <a:latin typeface="Calibri" panose="020F0502020204030204" pitchFamily="34" charset="0"/>
+              <a:cs typeface="Calibri" panose="020F0502020204030204" pitchFamily="34" charset="0"/>
+            </a:endParaRPr>
           </a:p>
           <a:p>
             <a:pPr marL="285750" indent="-285750">
@@ -8973,6 +8894,10 @@
               </a:rPr>
               <a:t>This file contains the Family Crimes Victim data categorized by Gender and Age for the period 2017 - 2021</a:t>
             </a:r>
+            <a:endParaRPr lang="en-AU" sz="1600" dirty="0">
+              <a:latin typeface="Calibri" panose="020F0502020204030204" pitchFamily="34" charset="0"/>
+              <a:cs typeface="Calibri" panose="020F0502020204030204" pitchFamily="34" charset="0"/>
+            </a:endParaRPr>
           </a:p>
           <a:p>
             <a:pPr marL="742950" lvl="1" indent="-285750">
@@ -8986,6 +8911,10 @@
               </a:rPr>
               <a:t>CSV file</a:t>
             </a:r>
+            <a:endParaRPr lang="en-AU" sz="1600" dirty="0">
+              <a:latin typeface="Calibri" panose="020F0502020204030204" pitchFamily="34" charset="0"/>
+              <a:cs typeface="Calibri" panose="020F0502020204030204" pitchFamily="34" charset="0"/>
+            </a:endParaRPr>
           </a:p>
           <a:p>
             <a:pPr marL="285750" indent="-285750">
@@ -8997,7 +8926,21 @@
                 <a:latin typeface="Calibri" panose="020F0502020204030204" pitchFamily="34" charset="0"/>
                 <a:cs typeface="Calibri" panose="020F0502020204030204" pitchFamily="34" charset="0"/>
               </a:rPr>
-              <a:t>Addiitonal</a:t>
+              <a:t>Addit</a:t>
+            </a:r>
+            <a:r>
+              <a:rPr lang="en-AU" altLang="en-GB" sz="1600" dirty="0" err="1">
+                <a:latin typeface="Calibri" panose="020F0502020204030204" pitchFamily="34" charset="0"/>
+                <a:cs typeface="Calibri" panose="020F0502020204030204" pitchFamily="34" charset="0"/>
+              </a:rPr>
+              <a:t>i</a:t>
+            </a:r>
+            <a:r>
+              <a:rPr lang="en-GB" sz="1600" dirty="0" err="1">
+                <a:latin typeface="Calibri" panose="020F0502020204030204" pitchFamily="34" charset="0"/>
+                <a:cs typeface="Calibri" panose="020F0502020204030204" pitchFamily="34" charset="0"/>
+              </a:rPr>
+              <a:t>onal</a:t>
             </a:r>
             <a:r>
               <a:rPr lang="en-GB" sz="1600" dirty="0">
@@ -9035,11 +8978,6 @@
         </p:txBody>
       </p:sp>
     </p:spTree>
-    <p:extLst>
-      <p:ext uri="{BB962C8B-B14F-4D97-AF65-F5344CB8AC3E}">
-        <p14:creationId xmlns:p14="http://schemas.microsoft.com/office/powerpoint/2010/main" val="3752359841"/>
-      </p:ext>
-    </p:extLst>
   </p:cSld>
   <p:clrMapOvr>
     <a:masterClrMapping/>
@@ -9090,6 +9028,7 @@
               <a:rPr lang="en-AU" dirty="0"/>
               <a:t>	</a:t>
             </a:r>
+            <a:endParaRPr lang="en-AU" dirty="0"/>
           </a:p>
         </p:txBody>
       </p:sp>
@@ -9120,8 +9059,19 @@
                 <a:latin typeface="Calibri" panose="020F0502020204030204" pitchFamily="34" charset="0"/>
                 <a:cs typeface="Calibri" panose="020F0502020204030204" pitchFamily="34" charset="0"/>
               </a:rPr>
-              <a:t>The data was cleaned using Python and only the required fields were selected.</a:t>
-            </a:r>
+              <a:t>Jupyter notebook and Python Pandas were used to read, clean and manipulate data to find answer for our queries.</a:t>
+            </a:r>
+            <a:endParaRPr lang="en-GB" sz="1600" dirty="0">
+              <a:latin typeface="Calibri" panose="020F0502020204030204" pitchFamily="34" charset="0"/>
+              <a:cs typeface="Calibri" panose="020F0502020204030204" pitchFamily="34" charset="0"/>
+            </a:endParaRPr>
+          </a:p>
+          <a:p>
+            <a:pPr lvl="1"/>
+            <a:endParaRPr lang="en-AU" dirty="0"/>
+          </a:p>
+          <a:p>
+            <a:endParaRPr lang="en-AU" dirty="0"/>
           </a:p>
           <a:p>
             <a:pPr marL="0" indent="0">
@@ -9130,10 +9080,6 @@
             <a:endParaRPr lang="en-AU" dirty="0"/>
           </a:p>
           <a:p>
-            <a:pPr lvl="1"/>
-            <a:endParaRPr lang="en-AU" dirty="0"/>
-          </a:p>
-          <a:p>
             <a:endParaRPr lang="en-AU" dirty="0"/>
           </a:p>
           <a:p>
@@ -9142,33 +9088,18 @@
             </a:pPr>
             <a:endParaRPr lang="en-AU" dirty="0"/>
           </a:p>
-          <a:p>
-            <a:endParaRPr lang="en-AU" dirty="0"/>
-          </a:p>
-          <a:p>
-            <a:pPr marL="0" indent="0">
-              <a:buNone/>
-            </a:pPr>
-            <a:endParaRPr lang="en-AU" dirty="0"/>
-          </a:p>
         </p:txBody>
       </p:sp>
       <p:pic>
         <p:nvPicPr>
-          <p:cNvPr id="9" name="Picture 8">
-            <a:extLst>
-              <a:ext uri="{FF2B5EF4-FFF2-40B4-BE49-F238E27FC236}">
-                <a16:creationId xmlns:a16="http://schemas.microsoft.com/office/drawing/2014/main" id="{12B0E6D5-C06A-42F9-9C13-F4FACBA4C544}"/>
-              </a:ext>
-            </a:extLst>
-          </p:cNvPr>
+          <p:cNvPr id="9" name="Picture 8"/>
           <p:cNvPicPr>
             <a:picLocks noChangeAspect="1"/>
           </p:cNvPicPr>
           <p:nvPr/>
         </p:nvPicPr>
         <p:blipFill>
-          <a:blip r:embed="rId3"/>
+          <a:blip r:embed="rId1"/>
           <a:stretch>
             <a:fillRect/>
           </a:stretch>
@@ -9185,20 +9116,14 @@
       </p:pic>
       <p:pic>
         <p:nvPicPr>
-          <p:cNvPr id="11" name="Picture 10">
-            <a:extLst>
-              <a:ext uri="{FF2B5EF4-FFF2-40B4-BE49-F238E27FC236}">
-                <a16:creationId xmlns:a16="http://schemas.microsoft.com/office/drawing/2014/main" id="{3E4387DE-96DB-4E30-B1CB-8CD57849B33A}"/>
-              </a:ext>
-            </a:extLst>
-          </p:cNvPr>
+          <p:cNvPr id="11" name="Picture 10"/>
           <p:cNvPicPr>
             <a:picLocks noChangeAspect="1"/>
           </p:cNvPicPr>
           <p:nvPr/>
         </p:nvPicPr>
         <p:blipFill>
-          <a:blip r:embed="rId4"/>
+          <a:blip r:embed="rId2"/>
           <a:stretch>
             <a:fillRect/>
           </a:stretch>
@@ -9215,20 +9140,14 @@
       </p:pic>
       <p:pic>
         <p:nvPicPr>
-          <p:cNvPr id="13" name="Picture 12">
-            <a:extLst>
-              <a:ext uri="{FF2B5EF4-FFF2-40B4-BE49-F238E27FC236}">
-                <a16:creationId xmlns:a16="http://schemas.microsoft.com/office/drawing/2014/main" id="{A2FAB0D2-36FF-41D7-A164-60731237ADD8}"/>
-              </a:ext>
-            </a:extLst>
-          </p:cNvPr>
+          <p:cNvPr id="13" name="Picture 12"/>
           <p:cNvPicPr>
             <a:picLocks noChangeAspect="1"/>
           </p:cNvPicPr>
           <p:nvPr/>
         </p:nvPicPr>
         <p:blipFill>
-          <a:blip r:embed="rId5"/>
+          <a:blip r:embed="rId3"/>
           <a:stretch>
             <a:fillRect/>
           </a:stretch>
@@ -9244,11 +9163,6 @@
         </p:spPr>
       </p:pic>
     </p:spTree>
-    <p:extLst>
-      <p:ext uri="{BB962C8B-B14F-4D97-AF65-F5344CB8AC3E}">
-        <p14:creationId xmlns:p14="http://schemas.microsoft.com/office/powerpoint/2010/main" val="1091828665"/>
-      </p:ext>
-    </p:extLst>
   </p:cSld>
   <p:clrMapOvr>
     <a:masterClrMapping/>
@@ -9295,6 +9209,10 @@
               </a:rPr>
               <a:t>DATA LOAD</a:t>
             </a:r>
+            <a:endParaRPr lang="en-AU" dirty="0">
+              <a:latin typeface="Calibri" panose="020F0502020204030204" pitchFamily="34" charset="0"/>
+              <a:cs typeface="Calibri" panose="020F0502020204030204" pitchFamily="34" charset="0"/>
+            </a:endParaRPr>
           </a:p>
         </p:txBody>
       </p:sp>
@@ -9364,6 +9282,10 @@
               </a:rPr>
               <a:t>with 4 collections as shown</a:t>
             </a:r>
+            <a:endParaRPr lang="en-GB" dirty="0">
+              <a:latin typeface="Calibri" panose="020F0502020204030204" pitchFamily="34" charset="0"/>
+              <a:cs typeface="Calibri" panose="020F0502020204030204" pitchFamily="34" charset="0"/>
+            </a:endParaRPr>
           </a:p>
           <a:p>
             <a:endParaRPr lang="en-AU" dirty="0"/>
@@ -9381,20 +9303,14 @@
       </p:sp>
       <p:pic>
         <p:nvPicPr>
-          <p:cNvPr id="5" name="Picture 4">
-            <a:extLst>
-              <a:ext uri="{FF2B5EF4-FFF2-40B4-BE49-F238E27FC236}">
-                <a16:creationId xmlns:a16="http://schemas.microsoft.com/office/drawing/2014/main" id="{A75F7001-7DDD-4228-9B5A-22E9BDEC1163}"/>
-              </a:ext>
-            </a:extLst>
-          </p:cNvPr>
+          <p:cNvPr id="5" name="Picture 4"/>
           <p:cNvPicPr>
             <a:picLocks noChangeAspect="1"/>
           </p:cNvPicPr>
           <p:nvPr/>
         </p:nvPicPr>
         <p:blipFill>
-          <a:blip r:embed="rId3"/>
+          <a:blip r:embed="rId1"/>
           <a:stretch>
             <a:fillRect/>
           </a:stretch>
@@ -9411,20 +9327,14 @@
       </p:pic>
       <p:pic>
         <p:nvPicPr>
-          <p:cNvPr id="9" name="Picture 8">
-            <a:extLst>
-              <a:ext uri="{FF2B5EF4-FFF2-40B4-BE49-F238E27FC236}">
-                <a16:creationId xmlns:a16="http://schemas.microsoft.com/office/drawing/2014/main" id="{C388FE6B-CE7B-4A8D-8884-5D18C74DEE15}"/>
-              </a:ext>
-            </a:extLst>
-          </p:cNvPr>
+          <p:cNvPr id="9" name="Picture 8"/>
           <p:cNvPicPr>
             <a:picLocks noChangeAspect="1"/>
           </p:cNvPicPr>
           <p:nvPr/>
         </p:nvPicPr>
         <p:blipFill>
-          <a:blip r:embed="rId4"/>
+          <a:blip r:embed="rId2"/>
           <a:stretch>
             <a:fillRect/>
           </a:stretch>
@@ -9440,11 +9350,6 @@
         </p:spPr>
       </p:pic>
     </p:spTree>
-    <p:extLst>
-      <p:ext uri="{BB962C8B-B14F-4D97-AF65-F5344CB8AC3E}">
-        <p14:creationId xmlns:p14="http://schemas.microsoft.com/office/powerpoint/2010/main" val="4288045861"/>
-      </p:ext>
-    </p:extLst>
   </p:cSld>
   <p:clrMapOvr>
     <a:masterClrMapping/>
@@ -9491,6 +9396,10 @@
               </a:rPr>
               <a:t>API – PYTHON FLASK POWERED API</a:t>
             </a:r>
+            <a:endParaRPr lang="en-AU" dirty="0">
+              <a:latin typeface="Calibri" panose="020F0502020204030204" pitchFamily="34" charset="0"/>
+              <a:cs typeface="Calibri" panose="020F0502020204030204" pitchFamily="34" charset="0"/>
+            </a:endParaRPr>
           </a:p>
         </p:txBody>
       </p:sp>
@@ -9516,60 +9425,60 @@
           </a:bodyPr>
           <a:lstStyle/>
           <a:p>
+            <a:r>
+              <a:rPr lang="en-AU" altLang="en-GB" dirty="0">
+                <a:latin typeface="Calibri" panose="020F0502020204030204" pitchFamily="34" charset="0"/>
+                <a:cs typeface="Calibri" panose="020F0502020204030204" pitchFamily="34" charset="0"/>
+              </a:rPr>
+              <a:t>Python Flask application was used to provide the API endpoints.</a:t>
+            </a:r>
+            <a:endParaRPr lang="en-AU" altLang="en-GB" dirty="0">
+              <a:latin typeface="Calibri" panose="020F0502020204030204" pitchFamily="34" charset="0"/>
+              <a:cs typeface="Calibri" panose="020F0502020204030204" pitchFamily="34" charset="0"/>
+            </a:endParaRPr>
+          </a:p>
+          <a:p>
+            <a:r>
+              <a:rPr lang="en-GB" dirty="0">
+                <a:latin typeface="Calibri" panose="020F0502020204030204" pitchFamily="34" charset="0"/>
+                <a:cs typeface="Calibri" panose="020F0502020204030204" pitchFamily="34" charset="0"/>
+              </a:rPr>
+              <a:t>The data from MongoDB collections were converted to JSON format and </a:t>
+            </a:r>
+            <a:r>
+              <a:rPr lang="en-AU" altLang="en-GB" dirty="0">
+                <a:latin typeface="Calibri" panose="020F0502020204030204" pitchFamily="34" charset="0"/>
+                <a:cs typeface="Calibri" panose="020F0502020204030204" pitchFamily="34" charset="0"/>
+              </a:rPr>
+              <a:t>returned with each API endpoint.</a:t>
+            </a:r>
+            <a:endParaRPr lang="en-AU" dirty="0"/>
+          </a:p>
+          <a:p>
             <a:pPr marL="0" indent="0">
               <a:buNone/>
             </a:pPr>
             <a:endParaRPr lang="en-AU" dirty="0"/>
           </a:p>
-          <a:p>
-            <a:r>
-              <a:rPr lang="en-GB" dirty="0">
-                <a:latin typeface="Calibri" panose="020F0502020204030204" pitchFamily="34" charset="0"/>
-                <a:cs typeface="Calibri" panose="020F0502020204030204" pitchFamily="34" charset="0"/>
-              </a:rPr>
-              <a:t>The data from the four MongoDB collections were converted to JSON format and loaded into APIs using the Flask Application</a:t>
-            </a:r>
-          </a:p>
-          <a:p>
-            <a:endParaRPr lang="en-GB" dirty="0"/>
-          </a:p>
-          <a:p>
-            <a:endParaRPr lang="en-AU" dirty="0"/>
-          </a:p>
-          <a:p>
-            <a:endParaRPr lang="en-AU" dirty="0"/>
-          </a:p>
-          <a:p>
-            <a:pPr marL="0" indent="0">
-              <a:buNone/>
-            </a:pPr>
-            <a:endParaRPr lang="en-AU" dirty="0"/>
-          </a:p>
         </p:txBody>
       </p:sp>
       <p:pic>
         <p:nvPicPr>
-          <p:cNvPr id="6" name="Picture 5">
-            <a:extLst>
-              <a:ext uri="{FF2B5EF4-FFF2-40B4-BE49-F238E27FC236}">
-                <a16:creationId xmlns:a16="http://schemas.microsoft.com/office/drawing/2014/main" id="{BB370B67-B170-4AB9-A59F-7F4EE95EEC24}"/>
-              </a:ext>
-            </a:extLst>
-          </p:cNvPr>
+          <p:cNvPr id="6" name="Picture 5"/>
           <p:cNvPicPr>
             <a:picLocks noChangeAspect="1"/>
           </p:cNvPicPr>
           <p:nvPr/>
         </p:nvPicPr>
         <p:blipFill>
-          <a:blip r:embed="rId3"/>
+          <a:blip r:embed="rId1"/>
           <a:stretch>
             <a:fillRect/>
           </a:stretch>
         </p:blipFill>
         <p:spPr>
           <a:xfrm>
-            <a:off x="485398" y="2689434"/>
+            <a:off x="371098" y="3239979"/>
             <a:ext cx="4244805" cy="2290068"/>
           </a:xfrm>
           <a:prstGeom prst="rect">
@@ -9579,27 +9488,21 @@
       </p:pic>
       <p:pic>
         <p:nvPicPr>
-          <p:cNvPr id="10" name="Picture 9">
-            <a:extLst>
-              <a:ext uri="{FF2B5EF4-FFF2-40B4-BE49-F238E27FC236}">
-                <a16:creationId xmlns:a16="http://schemas.microsoft.com/office/drawing/2014/main" id="{DD649AA4-86F4-4999-950C-ED8F05FBABBB}"/>
-              </a:ext>
-            </a:extLst>
-          </p:cNvPr>
+          <p:cNvPr id="10" name="Picture 9"/>
           <p:cNvPicPr>
             <a:picLocks noChangeAspect="1"/>
           </p:cNvPicPr>
           <p:nvPr/>
         </p:nvPicPr>
         <p:blipFill>
-          <a:blip r:embed="rId4"/>
+          <a:blip r:embed="rId2"/>
           <a:stretch>
             <a:fillRect/>
           </a:stretch>
         </p:blipFill>
         <p:spPr>
           <a:xfrm>
-            <a:off x="5092158" y="2689434"/>
+            <a:off x="5115018" y="2994234"/>
             <a:ext cx="6726980" cy="2535521"/>
           </a:xfrm>
           <a:prstGeom prst="rect">
@@ -9608,11 +9511,6 @@
         </p:spPr>
       </p:pic>
     </p:spTree>
-    <p:extLst>
-      <p:ext uri="{BB962C8B-B14F-4D97-AF65-F5344CB8AC3E}">
-        <p14:creationId xmlns:p14="http://schemas.microsoft.com/office/powerpoint/2010/main" val="4231578858"/>
-      </p:ext>
-    </p:extLst>
   </p:cSld>
   <p:clrMapOvr>
     <a:masterClrMapping/>
@@ -9750,11 +9648,7 @@
           </a:extLst>
         </p:spPr>
         <p:txBody>
-          <a:bodyPr vert="horz" wrap="square" lIns="91440" tIns="45720" rIns="91440" bIns="45720" numCol="1" anchor="t" anchorCtr="0" compatLnSpc="1">
-            <a:prstTxWarp prst="textNoShape">
-              <a:avLst/>
-            </a:prstTxWarp>
-          </a:bodyPr>
+          <a:bodyPr vert="horz" wrap="square" lIns="91440" tIns="45720" rIns="91440" bIns="45720" numCol="1" anchor="t" anchorCtr="0" compatLnSpc="1"/>
           <a:lstStyle/>
           <a:p>
             <a:endParaRPr lang="en-AU"/>
@@ -9789,11 +9683,7 @@
           </a:extLst>
         </p:spPr>
         <p:txBody>
-          <a:bodyPr vert="horz" wrap="square" lIns="91440" tIns="45720" rIns="91440" bIns="45720" numCol="1" anchor="t" anchorCtr="0" compatLnSpc="1">
-            <a:prstTxWarp prst="textNoShape">
-              <a:avLst/>
-            </a:prstTxWarp>
-          </a:bodyPr>
+          <a:bodyPr vert="horz" wrap="square" lIns="91440" tIns="45720" rIns="91440" bIns="45720" numCol="1" anchor="t" anchorCtr="0" compatLnSpc="1"/>
           <a:lstStyle/>
           <a:p>
             <a:endParaRPr lang="en-AU"/>
@@ -9828,11 +9718,7 @@
           </a:extLst>
         </p:spPr>
         <p:txBody>
-          <a:bodyPr vert="horz" wrap="square" lIns="91440" tIns="45720" rIns="91440" bIns="45720" numCol="1" anchor="t" anchorCtr="0" compatLnSpc="1">
-            <a:prstTxWarp prst="textNoShape">
-              <a:avLst/>
-            </a:prstTxWarp>
-          </a:bodyPr>
+          <a:bodyPr vert="horz" wrap="square" lIns="91440" tIns="45720" rIns="91440" bIns="45720" numCol="1" anchor="t" anchorCtr="0" compatLnSpc="1"/>
           <a:lstStyle/>
           <a:p>
             <a:endParaRPr lang="en-AU"/>
@@ -9870,20 +9756,14 @@
       </p:sp>
       <p:pic>
         <p:nvPicPr>
-          <p:cNvPr id="8" name="Picture 7">
-            <a:extLst>
-              <a:ext uri="{FF2B5EF4-FFF2-40B4-BE49-F238E27FC236}">
-                <a16:creationId xmlns:a16="http://schemas.microsoft.com/office/drawing/2014/main" id="{4B3A776C-1246-4BAA-87F6-10469A28E805}"/>
-              </a:ext>
-            </a:extLst>
-          </p:cNvPr>
+          <p:cNvPr id="8" name="Picture 7"/>
           <p:cNvPicPr>
             <a:picLocks noChangeAspect="1"/>
           </p:cNvPicPr>
           <p:nvPr/>
         </p:nvPicPr>
         <p:blipFill>
-          <a:blip r:embed="rId3"/>
+          <a:blip r:embed="rId1"/>
           <a:stretch>
             <a:fillRect/>
           </a:stretch>
@@ -9900,20 +9780,14 @@
       </p:pic>
       <p:pic>
         <p:nvPicPr>
-          <p:cNvPr id="12" name="Picture 11">
-            <a:extLst>
-              <a:ext uri="{FF2B5EF4-FFF2-40B4-BE49-F238E27FC236}">
-                <a16:creationId xmlns:a16="http://schemas.microsoft.com/office/drawing/2014/main" id="{3F43C94E-75EA-4886-BBC9-39174635C388}"/>
-              </a:ext>
-            </a:extLst>
-          </p:cNvPr>
+          <p:cNvPr id="12" name="Picture 11"/>
           <p:cNvPicPr>
             <a:picLocks noChangeAspect="1"/>
           </p:cNvPicPr>
           <p:nvPr/>
         </p:nvPicPr>
         <p:blipFill>
-          <a:blip r:embed="rId4"/>
+          <a:blip r:embed="rId2"/>
           <a:stretch>
             <a:fillRect/>
           </a:stretch>
@@ -9929,11 +9803,6 @@
         </p:spPr>
       </p:pic>
     </p:spTree>
-    <p:extLst>
-      <p:ext uri="{BB962C8B-B14F-4D97-AF65-F5344CB8AC3E}">
-        <p14:creationId xmlns:p14="http://schemas.microsoft.com/office/powerpoint/2010/main" val="3854181132"/>
-      </p:ext>
-    </p:extLst>
   </p:cSld>
   <p:clrMapOvr>
     <a:masterClrMapping/>
@@ -10085,11 +9954,7 @@
           </a:extLst>
         </p:spPr>
         <p:txBody>
-          <a:bodyPr vert="horz" wrap="square" lIns="91440" tIns="45720" rIns="91440" bIns="45720" numCol="1" anchor="t" anchorCtr="0" compatLnSpc="1">
-            <a:prstTxWarp prst="textNoShape">
-              <a:avLst/>
-            </a:prstTxWarp>
-          </a:bodyPr>
+          <a:bodyPr vert="horz" wrap="square" lIns="91440" tIns="45720" rIns="91440" bIns="45720" numCol="1" anchor="t" anchorCtr="0" compatLnSpc="1"/>
           <a:lstStyle/>
           <a:p>
             <a:endParaRPr lang="en-AU"/>
@@ -10124,11 +9989,7 @@
           </a:extLst>
         </p:spPr>
         <p:txBody>
-          <a:bodyPr vert="horz" wrap="square" lIns="91440" tIns="45720" rIns="91440" bIns="45720" numCol="1" anchor="t" anchorCtr="0" compatLnSpc="1">
-            <a:prstTxWarp prst="textNoShape">
-              <a:avLst/>
-            </a:prstTxWarp>
-          </a:bodyPr>
+          <a:bodyPr vert="horz" wrap="square" lIns="91440" tIns="45720" rIns="91440" bIns="45720" numCol="1" anchor="t" anchorCtr="0" compatLnSpc="1"/>
           <a:lstStyle/>
           <a:p>
             <a:endParaRPr lang="en-AU"/>
@@ -10163,11 +10024,7 @@
           </a:extLst>
         </p:spPr>
         <p:txBody>
-          <a:bodyPr vert="horz" wrap="square" lIns="91440" tIns="45720" rIns="91440" bIns="45720" numCol="1" anchor="t" anchorCtr="0" compatLnSpc="1">
-            <a:prstTxWarp prst="textNoShape">
-              <a:avLst/>
-            </a:prstTxWarp>
-          </a:bodyPr>
+          <a:bodyPr vert="horz" wrap="square" lIns="91440" tIns="45720" rIns="91440" bIns="45720" numCol="1" anchor="t" anchorCtr="0" compatLnSpc="1"/>
           <a:lstStyle/>
           <a:p>
             <a:endParaRPr lang="en-AU"/>
@@ -10232,6 +10089,16 @@
               </a:rPr>
               <a:t>Melbourne</a:t>
             </a:r>
+            <a:endParaRPr lang="en-US" sz="1600" dirty="0">
+              <a:solidFill>
+                <a:schemeClr val="accent1">
+                  <a:lumMod val="75000"/>
+                  <a:lumOff val="25000"/>
+                </a:schemeClr>
+              </a:solidFill>
+              <a:latin typeface="Calibri" panose="020F0502020204030204" pitchFamily="34" charset="0"/>
+              <a:cs typeface="Calibri" panose="020F0502020204030204" pitchFamily="34" charset="0"/>
+            </a:endParaRPr>
           </a:p>
           <a:p>
             <a:pPr marL="285750" indent="-285750">
@@ -10293,6 +10160,16 @@
               </a:rPr>
               <a:t>	</a:t>
             </a:r>
+            <a:endParaRPr lang="en-US" sz="1600" dirty="0">
+              <a:solidFill>
+                <a:schemeClr val="accent1">
+                  <a:lumMod val="75000"/>
+                  <a:lumOff val="25000"/>
+                </a:schemeClr>
+              </a:solidFill>
+              <a:latin typeface="Calibri" panose="020F0502020204030204" pitchFamily="34" charset="0"/>
+              <a:cs typeface="Calibri" panose="020F0502020204030204" pitchFamily="34" charset="0"/>
+            </a:endParaRPr>
           </a:p>
           <a:p>
             <a:pPr marL="285750" indent="-285750">
@@ -10318,20 +10195,14 @@
       </p:sp>
       <p:pic>
         <p:nvPicPr>
-          <p:cNvPr id="8" name="Picture 7">
-            <a:extLst>
-              <a:ext uri="{FF2B5EF4-FFF2-40B4-BE49-F238E27FC236}">
-                <a16:creationId xmlns:a16="http://schemas.microsoft.com/office/drawing/2014/main" id="{6DC3E994-BB35-4A49-96D1-47E381DDCD28}"/>
-              </a:ext>
-            </a:extLst>
-          </p:cNvPr>
+          <p:cNvPr id="8" name="Picture 7"/>
           <p:cNvPicPr>
             <a:picLocks noChangeAspect="1"/>
           </p:cNvPicPr>
           <p:nvPr/>
         </p:nvPicPr>
         <p:blipFill>
-          <a:blip r:embed="rId3"/>
+          <a:blip r:embed="rId1"/>
           <a:stretch>
             <a:fillRect/>
           </a:stretch>
@@ -10348,20 +10219,14 @@
       </p:pic>
       <p:pic>
         <p:nvPicPr>
-          <p:cNvPr id="18" name="Picture 17">
-            <a:extLst>
-              <a:ext uri="{FF2B5EF4-FFF2-40B4-BE49-F238E27FC236}">
-                <a16:creationId xmlns:a16="http://schemas.microsoft.com/office/drawing/2014/main" id="{A588136D-4B71-4310-BEBE-559170E5635E}"/>
-              </a:ext>
-            </a:extLst>
-          </p:cNvPr>
+          <p:cNvPr id="18" name="Picture 17"/>
           <p:cNvPicPr>
             <a:picLocks noChangeAspect="1"/>
           </p:cNvPicPr>
           <p:nvPr/>
         </p:nvPicPr>
         <p:blipFill>
-          <a:blip r:embed="rId4"/>
+          <a:blip r:embed="rId2"/>
           <a:stretch>
             <a:fillRect/>
           </a:stretch>
@@ -10378,20 +10243,14 @@
       </p:pic>
       <p:pic>
         <p:nvPicPr>
-          <p:cNvPr id="21" name="Picture 20">
-            <a:extLst>
-              <a:ext uri="{FF2B5EF4-FFF2-40B4-BE49-F238E27FC236}">
-                <a16:creationId xmlns:a16="http://schemas.microsoft.com/office/drawing/2014/main" id="{33257065-DCC8-408E-9A52-6F2BE78A5CD0}"/>
-              </a:ext>
-            </a:extLst>
-          </p:cNvPr>
+          <p:cNvPr id="21" name="Picture 20"/>
           <p:cNvPicPr>
             <a:picLocks noChangeAspect="1"/>
           </p:cNvPicPr>
           <p:nvPr/>
         </p:nvPicPr>
         <p:blipFill>
-          <a:blip r:embed="rId5"/>
+          <a:blip r:embed="rId3"/>
           <a:stretch>
             <a:fillRect/>
           </a:stretch>
@@ -10408,13 +10267,7 @@
       </p:pic>
       <p:sp>
         <p:nvSpPr>
-          <p:cNvPr id="25" name="TextBox 24">
-            <a:extLst>
-              <a:ext uri="{FF2B5EF4-FFF2-40B4-BE49-F238E27FC236}">
-                <a16:creationId xmlns:a16="http://schemas.microsoft.com/office/drawing/2014/main" id="{A2263602-0E5F-4AB0-92CB-CD2FD51FB8CD}"/>
-              </a:ext>
-            </a:extLst>
-          </p:cNvPr>
+          <p:cNvPr id="25" name="TextBox 24"/>
           <p:cNvSpPr txBox="1"/>
           <p:nvPr/>
         </p:nvSpPr>
@@ -10470,6 +10323,16 @@
               </a:rPr>
               <a:t>Golden Plains</a:t>
             </a:r>
+            <a:endParaRPr lang="en-US" sz="1600" dirty="0">
+              <a:solidFill>
+                <a:schemeClr val="accent1">
+                  <a:lumMod val="75000"/>
+                  <a:lumOff val="25000"/>
+                </a:schemeClr>
+              </a:solidFill>
+              <a:latin typeface="Calibri" panose="020F0502020204030204" pitchFamily="34" charset="0"/>
+              <a:cs typeface="Calibri" panose="020F0502020204030204" pitchFamily="34" charset="0"/>
+            </a:endParaRPr>
           </a:p>
           <a:p>
             <a:pPr marL="285750" indent="-285750">
@@ -10529,15 +10392,18 @@
               </a:rPr>
               <a:t>	</a:t>
             </a:r>
+            <a:endParaRPr lang="en-US" dirty="0">
+              <a:solidFill>
+                <a:schemeClr val="accent1">
+                  <a:lumMod val="75000"/>
+                  <a:lumOff val="25000"/>
+                </a:schemeClr>
+              </a:solidFill>
+            </a:endParaRPr>
           </a:p>
         </p:txBody>
       </p:sp>
     </p:spTree>
-    <p:extLst>
-      <p:ext uri="{BB962C8B-B14F-4D97-AF65-F5344CB8AC3E}">
-        <p14:creationId xmlns:p14="http://schemas.microsoft.com/office/powerpoint/2010/main" val="1420332343"/>
-      </p:ext>
-    </p:extLst>
   </p:cSld>
   <p:clrMapOvr>
     <a:masterClrMapping/>
@@ -10664,6 +10530,16 @@
               </a:rPr>
               <a:t>50.2 %</a:t>
             </a:r>
+            <a:endParaRPr lang="en-US" sz="1600" dirty="0">
+              <a:solidFill>
+                <a:schemeClr val="accent2">
+                  <a:lumMod val="60000"/>
+                  <a:lumOff val="40000"/>
+                </a:schemeClr>
+              </a:solidFill>
+              <a:latin typeface="Calibri" panose="020F0502020204030204" pitchFamily="34" charset="0"/>
+              <a:cs typeface="Calibri" panose="020F0502020204030204" pitchFamily="34" charset="0"/>
+            </a:endParaRPr>
           </a:p>
           <a:p>
             <a:pPr marL="0" indent="0">
@@ -10692,6 +10568,13 @@
               </a:rPr>
               <a:t>in Property and deception offences</a:t>
             </a:r>
+            <a:endParaRPr lang="en-US" sz="1600" dirty="0">
+              <a:solidFill>
+                <a:schemeClr val="tx1"/>
+              </a:solidFill>
+              <a:latin typeface="Calibri" panose="020F0502020204030204" pitchFamily="34" charset="0"/>
+              <a:cs typeface="Calibri" panose="020F0502020204030204" pitchFamily="34" charset="0"/>
+            </a:endParaRPr>
           </a:p>
           <a:p>
             <a:pPr marL="0" indent="0">
@@ -10720,6 +10603,13 @@
               </a:rPr>
               <a:t>in Other Offences – including transport/government/miscellaneous offences</a:t>
             </a:r>
+            <a:endParaRPr lang="en-US" sz="1600" dirty="0">
+              <a:solidFill>
+                <a:schemeClr val="tx1"/>
+              </a:solidFill>
+              <a:latin typeface="Calibri" panose="020F0502020204030204" pitchFamily="34" charset="0"/>
+              <a:cs typeface="Calibri" panose="020F0502020204030204" pitchFamily="34" charset="0"/>
+            </a:endParaRPr>
           </a:p>
         </p:txBody>
       </p:sp>
@@ -10807,11 +10697,7 @@
           </a:extLst>
         </p:spPr>
         <p:txBody>
-          <a:bodyPr vert="horz" wrap="square" lIns="91440" tIns="45720" rIns="91440" bIns="45720" numCol="1" anchor="t" anchorCtr="0" compatLnSpc="1">
-            <a:prstTxWarp prst="textNoShape">
-              <a:avLst/>
-            </a:prstTxWarp>
-          </a:bodyPr>
+          <a:bodyPr vert="horz" wrap="square" lIns="91440" tIns="45720" rIns="91440" bIns="45720" numCol="1" anchor="t" anchorCtr="0" compatLnSpc="1"/>
           <a:lstStyle/>
           <a:p>
             <a:endParaRPr lang="en-AU"/>
@@ -10846,11 +10732,7 @@
           </a:extLst>
         </p:spPr>
         <p:txBody>
-          <a:bodyPr vert="horz" wrap="square" lIns="91440" tIns="45720" rIns="91440" bIns="45720" numCol="1" anchor="t" anchorCtr="0" compatLnSpc="1">
-            <a:prstTxWarp prst="textNoShape">
-              <a:avLst/>
-            </a:prstTxWarp>
-          </a:bodyPr>
+          <a:bodyPr vert="horz" wrap="square" lIns="91440" tIns="45720" rIns="91440" bIns="45720" numCol="1" anchor="t" anchorCtr="0" compatLnSpc="1"/>
           <a:lstStyle/>
           <a:p>
             <a:endParaRPr lang="en-AU"/>
@@ -10885,11 +10767,7 @@
           </a:extLst>
         </p:spPr>
         <p:txBody>
-          <a:bodyPr vert="horz" wrap="square" lIns="91440" tIns="45720" rIns="91440" bIns="45720" numCol="1" anchor="t" anchorCtr="0" compatLnSpc="1">
-            <a:prstTxWarp prst="textNoShape">
-              <a:avLst/>
-            </a:prstTxWarp>
-          </a:bodyPr>
+          <a:bodyPr vert="horz" wrap="square" lIns="91440" tIns="45720" rIns="91440" bIns="45720" numCol="1" anchor="t" anchorCtr="0" compatLnSpc="1"/>
           <a:lstStyle/>
           <a:p>
             <a:endParaRPr lang="en-AU"/>
@@ -10954,6 +10832,16 @@
               </a:rPr>
               <a:t>Crimes against the person</a:t>
             </a:r>
+            <a:endParaRPr lang="en-US" dirty="0">
+              <a:solidFill>
+                <a:schemeClr val="accent1">
+                  <a:lumMod val="75000"/>
+                  <a:lumOff val="25000"/>
+                </a:schemeClr>
+              </a:solidFill>
+              <a:latin typeface="Calibri" panose="020F0502020204030204" pitchFamily="34" charset="0"/>
+              <a:cs typeface="Calibri" panose="020F0502020204030204" pitchFamily="34" charset="0"/>
+            </a:endParaRPr>
           </a:p>
           <a:p>
             <a:pPr marL="285750" indent="-285750">
@@ -10973,6 +10861,16 @@
               </a:rPr>
               <a:t>Property and deception offences</a:t>
             </a:r>
+            <a:endParaRPr lang="en-US" dirty="0">
+              <a:solidFill>
+                <a:schemeClr val="accent1">
+                  <a:lumMod val="75000"/>
+                  <a:lumOff val="25000"/>
+                </a:schemeClr>
+              </a:solidFill>
+              <a:latin typeface="Calibri" panose="020F0502020204030204" pitchFamily="34" charset="0"/>
+              <a:cs typeface="Calibri" panose="020F0502020204030204" pitchFamily="34" charset="0"/>
+            </a:endParaRPr>
           </a:p>
           <a:p>
             <a:pPr marL="285750" indent="-285750">
@@ -10992,6 +10890,16 @@
               </a:rPr>
               <a:t>Drug offences</a:t>
             </a:r>
+            <a:endParaRPr lang="en-US" dirty="0">
+              <a:solidFill>
+                <a:schemeClr val="accent1">
+                  <a:lumMod val="75000"/>
+                  <a:lumOff val="25000"/>
+                </a:schemeClr>
+              </a:solidFill>
+              <a:latin typeface="Calibri" panose="020F0502020204030204" pitchFamily="34" charset="0"/>
+              <a:cs typeface="Calibri" panose="020F0502020204030204" pitchFamily="34" charset="0"/>
+            </a:endParaRPr>
           </a:p>
           <a:p>
             <a:pPr marL="285750" indent="-285750">
@@ -11040,6 +10948,16 @@
               </a:rPr>
               <a:t>Justice procedures offences</a:t>
             </a:r>
+            <a:endParaRPr lang="en-US" dirty="0">
+              <a:solidFill>
+                <a:schemeClr val="accent1">
+                  <a:lumMod val="75000"/>
+                  <a:lumOff val="25000"/>
+                </a:schemeClr>
+              </a:solidFill>
+              <a:latin typeface="Calibri" panose="020F0502020204030204" pitchFamily="34" charset="0"/>
+              <a:cs typeface="Calibri" panose="020F0502020204030204" pitchFamily="34" charset="0"/>
+            </a:endParaRPr>
           </a:p>
           <a:p>
             <a:pPr marL="285750" indent="-285750">
@@ -11059,6 +10977,16 @@
               </a:rPr>
               <a:t>Other Offences	</a:t>
             </a:r>
+            <a:endParaRPr lang="en-US" dirty="0">
+              <a:solidFill>
+                <a:schemeClr val="accent1">
+                  <a:lumMod val="75000"/>
+                  <a:lumOff val="25000"/>
+                </a:schemeClr>
+              </a:solidFill>
+              <a:latin typeface="Calibri" panose="020F0502020204030204" pitchFamily="34" charset="0"/>
+              <a:cs typeface="Calibri" panose="020F0502020204030204" pitchFamily="34" charset="0"/>
+            </a:endParaRPr>
           </a:p>
           <a:p>
             <a:pPr marL="285750" indent="-285750">
@@ -11100,20 +11028,14 @@
       </p:sp>
       <p:pic>
         <p:nvPicPr>
-          <p:cNvPr id="9" name="Picture 8">
-            <a:extLst>
-              <a:ext uri="{FF2B5EF4-FFF2-40B4-BE49-F238E27FC236}">
-                <a16:creationId xmlns:a16="http://schemas.microsoft.com/office/drawing/2014/main" id="{93B22DF5-9061-450A-81E9-2DAC0249A1FB}"/>
-              </a:ext>
-            </a:extLst>
-          </p:cNvPr>
+          <p:cNvPr id="9" name="Picture 8"/>
           <p:cNvPicPr>
             <a:picLocks noChangeAspect="1"/>
           </p:cNvPicPr>
           <p:nvPr/>
         </p:nvPicPr>
         <p:blipFill>
-          <a:blip r:embed="rId3"/>
+          <a:blip r:embed="rId1"/>
           <a:stretch>
             <a:fillRect/>
           </a:stretch>
@@ -11130,20 +11052,14 @@
       </p:pic>
       <p:pic>
         <p:nvPicPr>
-          <p:cNvPr id="16" name="Picture 15">
-            <a:extLst>
-              <a:ext uri="{FF2B5EF4-FFF2-40B4-BE49-F238E27FC236}">
-                <a16:creationId xmlns:a16="http://schemas.microsoft.com/office/drawing/2014/main" id="{17198CF5-5F8D-4289-9AE6-5273624A65E3}"/>
-              </a:ext>
-            </a:extLst>
-          </p:cNvPr>
+          <p:cNvPr id="16" name="Picture 15"/>
           <p:cNvPicPr>
             <a:picLocks noChangeAspect="1"/>
           </p:cNvPicPr>
           <p:nvPr/>
         </p:nvPicPr>
         <p:blipFill>
-          <a:blip r:embed="rId4"/>
+          <a:blip r:embed="rId2"/>
           <a:stretch>
             <a:fillRect/>
           </a:stretch>
@@ -11159,11 +11075,6 @@
         </p:spPr>
       </p:pic>
     </p:spTree>
-    <p:extLst>
-      <p:ext uri="{BB962C8B-B14F-4D97-AF65-F5344CB8AC3E}">
-        <p14:creationId xmlns:p14="http://schemas.microsoft.com/office/powerpoint/2010/main" val="2696884258"/>
-      </p:ext>
-    </p:extLst>
   </p:cSld>
   <p:clrMapOvr>
     <a:masterClrMapping/>
@@ -11214,7 +11125,7 @@
     </a:clrScheme>
     <a:fontScheme name="Dividend">
       <a:majorFont>
-        <a:latin typeface="Gill Sans MT" panose="020B0502020104020203"/>
+        <a:latin typeface="Gill Sans MT"/>
         <a:ea typeface=""/>
         <a:cs typeface=""/>
         <a:font script="Grek" typeface="Corbel"/>
@@ -11251,7 +11162,7 @@
         <a:font script="Geor" typeface="Sylfaen"/>
       </a:majorFont>
       <a:minorFont>
-        <a:latin typeface="Gill Sans MT" panose="020B0502020104020203"/>
+        <a:latin typeface="Gill Sans MT"/>
         <a:ea typeface=""/>
         <a:cs typeface=""/>
         <a:font script="Grek" typeface="Corbel"/>
@@ -11430,11 +11341,9 @@
       </a:bgFillStyleLst>
     </a:fmtScheme>
   </a:themeElements>
-  <a:objectDefaults/>
-  <a:extraClrSchemeLst/>
   <a:extLst>
     <a:ext uri="{05A4C25C-085E-4340-85A3-A5531E510DB2}">
-      <thm15:themeFamily xmlns:thm15="http://schemas.microsoft.com/office/thememl/2012/main" name="Dividend" id="{9697A71B-4AB7-4A1A-BD5B-BB2D22835B57}" vid="{C21699FF-00E4-43C8-BBCC-D7E5536C3717}"/>
+      <thm15:themeFamily xmlns:thm15="http://schemas.microsoft.com/office/thememl/2012/main" name="Office Theme" id="{62F939B6-93AF-4DB8-9C6B-D6C7DFDC589F}" vid="{4A3C46E8-61CC-4603-A589-7422A47A8E4A}"/>
     </a:ext>
   </a:extLst>
 </a:theme>
@@ -11483,7 +11392,7 @@
     </a:clrScheme>
     <a:fontScheme name="Office">
       <a:majorFont>
-        <a:latin typeface="Calibri Light" panose="020F0302020204030204"/>
+        <a:latin typeface="Calibri Light"/>
         <a:ea typeface=""/>
         <a:cs typeface=""/>
         <a:font script="Jpan" typeface="游ゴシック Light"/>
@@ -11516,26 +11425,9 @@
         <a:font script="Viet" typeface="Times New Roman"/>
         <a:font script="Uigh" typeface="Microsoft Uighur"/>
         <a:font script="Geor" typeface="Sylfaen"/>
-        <a:font script="Armn" typeface="Arial"/>
-        <a:font script="Bugi" typeface="Leelawadee UI"/>
-        <a:font script="Bopo" typeface="Microsoft JhengHei"/>
-        <a:font script="Java" typeface="Javanese Text"/>
-        <a:font script="Lisu" typeface="Segoe UI"/>
-        <a:font script="Mymr" typeface="Myanmar Text"/>
-        <a:font script="Nkoo" typeface="Ebrima"/>
-        <a:font script="Olck" typeface="Nirmala UI"/>
-        <a:font script="Osma" typeface="Ebrima"/>
-        <a:font script="Phag" typeface="Phagspa"/>
-        <a:font script="Syrn" typeface="Estrangelo Edessa"/>
-        <a:font script="Syrj" typeface="Estrangelo Edessa"/>
-        <a:font script="Syre" typeface="Estrangelo Edessa"/>
-        <a:font script="Sora" typeface="Nirmala UI"/>
-        <a:font script="Tale" typeface="Microsoft Tai Le"/>
-        <a:font script="Talu" typeface="Microsoft New Tai Lue"/>
-        <a:font script="Tfng" typeface="Ebrima"/>
       </a:majorFont>
       <a:minorFont>
-        <a:latin typeface="Calibri" panose="020F0502020204030204"/>
+        <a:latin typeface="Calibri"/>
         <a:ea typeface=""/>
         <a:cs typeface=""/>
         <a:font script="Jpan" typeface="游ゴシック"/>
@@ -11568,23 +11460,6 @@
         <a:font script="Viet" typeface="Arial"/>
         <a:font script="Uigh" typeface="Microsoft Uighur"/>
         <a:font script="Geor" typeface="Sylfaen"/>
-        <a:font script="Armn" typeface="Arial"/>
-        <a:font script="Bugi" typeface="Leelawadee UI"/>
-        <a:font script="Bopo" typeface="Microsoft JhengHei"/>
-        <a:font script="Java" typeface="Javanese Text"/>
-        <a:font script="Lisu" typeface="Segoe UI"/>
-        <a:font script="Mymr" typeface="Myanmar Text"/>
-        <a:font script="Nkoo" typeface="Ebrima"/>
-        <a:font script="Olck" typeface="Nirmala UI"/>
-        <a:font script="Osma" typeface="Ebrima"/>
-        <a:font script="Phag" typeface="Phagspa"/>
-        <a:font script="Syrn" typeface="Estrangelo Edessa"/>
-        <a:font script="Syrj" typeface="Estrangelo Edessa"/>
-        <a:font script="Syre" typeface="Estrangelo Edessa"/>
-        <a:font script="Sora" typeface="Nirmala UI"/>
-        <a:font script="Tale" typeface="Microsoft Tai Le"/>
-        <a:font script="Talu" typeface="Microsoft New Tai Lue"/>
-        <a:font script="Tfng" typeface="Ebrima"/>
       </a:minorFont>
     </a:fontScheme>
     <a:fmtScheme name="Office">
@@ -11725,8 +11600,6 @@
       </a:bgFillStyleLst>
     </a:fmtScheme>
   </a:themeElements>
-  <a:objectDefaults/>
-  <a:extraClrSchemeLst/>
   <a:extLst>
     <a:ext uri="{05A4C25C-085E-4340-85A3-A5531E510DB2}">
       <thm15:themeFamily xmlns:thm15="http://schemas.microsoft.com/office/thememl/2012/main" name="Office Theme" id="{62F939B6-93AF-4DB8-9C6B-D6C7DFDC589F}" vid="{4A3C46E8-61CC-4603-A589-7422A47A8E4A}"/>
